--- a/docs/presentation.pptx
+++ b/docs/presentation.pptx
@@ -5,23 +5,52 @@
     <p:sldMasterId id="2147483648" r:id="rId1"/>
   </p:sldMasterIdLst>
   <p:notesMasterIdLst>
-    <p:notesMasterId r:id="rId16"/>
+    <p:notesMasterId r:id="rId45"/>
   </p:notesMasterIdLst>
   <p:sldIdLst>
-    <p:sldId id="256" r:id="rId2"/>
-    <p:sldId id="257" r:id="rId3"/>
-    <p:sldId id="258" r:id="rId4"/>
-    <p:sldId id="259" r:id="rId5"/>
-    <p:sldId id="261" r:id="rId6"/>
-    <p:sldId id="262" r:id="rId7"/>
-    <p:sldId id="264" r:id="rId8"/>
-    <p:sldId id="265" r:id="rId9"/>
-    <p:sldId id="266" r:id="rId10"/>
-    <p:sldId id="267" r:id="rId11"/>
-    <p:sldId id="268" r:id="rId12"/>
-    <p:sldId id="269" r:id="rId13"/>
-    <p:sldId id="270" r:id="rId14"/>
-    <p:sldId id="263" r:id="rId15"/>
+    <p:sldId id="271" r:id="rId2"/>
+    <p:sldId id="256" r:id="rId3"/>
+    <p:sldId id="257" r:id="rId4"/>
+    <p:sldId id="258" r:id="rId5"/>
+    <p:sldId id="259" r:id="rId6"/>
+    <p:sldId id="272" r:id="rId7"/>
+    <p:sldId id="293" r:id="rId8"/>
+    <p:sldId id="262" r:id="rId9"/>
+    <p:sldId id="273" r:id="rId10"/>
+    <p:sldId id="261" r:id="rId11"/>
+    <p:sldId id="283" r:id="rId12"/>
+    <p:sldId id="284" r:id="rId13"/>
+    <p:sldId id="274" r:id="rId14"/>
+    <p:sldId id="275" r:id="rId15"/>
+    <p:sldId id="276" r:id="rId16"/>
+    <p:sldId id="264" r:id="rId17"/>
+    <p:sldId id="278" r:id="rId18"/>
+    <p:sldId id="277" r:id="rId19"/>
+    <p:sldId id="279" r:id="rId20"/>
+    <p:sldId id="281" r:id="rId21"/>
+    <p:sldId id="280" r:id="rId22"/>
+    <p:sldId id="282" r:id="rId23"/>
+    <p:sldId id="285" r:id="rId24"/>
+    <p:sldId id="286" r:id="rId25"/>
+    <p:sldId id="287" r:id="rId26"/>
+    <p:sldId id="288" r:id="rId27"/>
+    <p:sldId id="289" r:id="rId28"/>
+    <p:sldId id="265" r:id="rId29"/>
+    <p:sldId id="266" r:id="rId30"/>
+    <p:sldId id="290" r:id="rId31"/>
+    <p:sldId id="291" r:id="rId32"/>
+    <p:sldId id="267" r:id="rId33"/>
+    <p:sldId id="294" r:id="rId34"/>
+    <p:sldId id="292" r:id="rId35"/>
+    <p:sldId id="295" r:id="rId36"/>
+    <p:sldId id="263" r:id="rId37"/>
+    <p:sldId id="296" r:id="rId38"/>
+    <p:sldId id="268" r:id="rId39"/>
+    <p:sldId id="297" r:id="rId40"/>
+    <p:sldId id="269" r:id="rId41"/>
+    <p:sldId id="298" r:id="rId42"/>
+    <p:sldId id="299" r:id="rId43"/>
+    <p:sldId id="270" r:id="rId44"/>
   </p:sldIdLst>
   <p:sldSz cx="12192000" cy="6858000"/>
   <p:notesSz cx="6858000" cy="9144000"/>
@@ -210,7 +239,7 @@
           <a:p>
             <a:fld id="{7BCA68A3-91E5-484C-B0D2-ABAE5CB9AC4F}" type="datetimeFigureOut">
               <a:rPr lang="en-US" smtClean="0"/>
-              <a:t>10/7/2014</a:t>
+              <a:t>10/12/2014</a:t>
             </a:fld>
             <a:endParaRPr lang="en-US"/>
           </a:p>
@@ -524,7 +553,11 @@
           <a:p>
             <a:r>
               <a:rPr lang="en-US" dirty="0" smtClean="0"/>
-              <a:t>Andrew Siemer, obstacle races, ranching, shooting</a:t>
+              <a:t>Andrew Siemer, obstacle races, ranching, </a:t>
+            </a:r>
+            <a:r>
+              <a:rPr lang="en-US" dirty="0" smtClean="0"/>
+              <a:t>shooting, has 6 kids</a:t>
             </a:r>
             <a:endParaRPr lang="en-US" dirty="0"/>
           </a:p>
@@ -547,7 +580,7 @@
           <a:p>
             <a:fld id="{B6431F92-6A98-4640-A1EA-0E76A10AC09A}" type="slidenum">
               <a:rPr lang="en-US" smtClean="0"/>
-              <a:t>1</a:t>
+              <a:t>2</a:t>
             </a:fld>
             <a:endParaRPr lang="en-US"/>
           </a:p>
@@ -557,6 +590,178 @@
     <p:extLst>
       <p:ext uri="{BB962C8B-B14F-4D97-AF65-F5344CB8AC3E}">
         <p14:creationId xmlns:p14="http://schemas.microsoft.com/office/powerpoint/2010/main" val="1267357480"/>
+      </p:ext>
+    </p:extLst>
+  </p:cSld>
+  <p:clrMapOvr>
+    <a:masterClrMapping/>
+  </p:clrMapOvr>
+</p:notes>
+</file>
+
+<file path=ppt/notesSlides/notesSlide10.xml><?xml version="1.0" encoding="utf-8"?>
+<p:notes xmlns:a="http://schemas.openxmlformats.org/drawingml/2006/main" xmlns:r="http://schemas.openxmlformats.org/officeDocument/2006/relationships" xmlns:p="http://schemas.openxmlformats.org/presentationml/2006/main">
+  <p:cSld>
+    <p:spTree>
+      <p:nvGrpSpPr>
+        <p:cNvPr id="1" name=""/>
+        <p:cNvGrpSpPr/>
+        <p:nvPr/>
+      </p:nvGrpSpPr>
+      <p:grpSpPr>
+        <a:xfrm>
+          <a:off x="0" y="0"/>
+          <a:ext cx="0" cy="0"/>
+          <a:chOff x="0" y="0"/>
+          <a:chExt cx="0" cy="0"/>
+        </a:xfrm>
+      </p:grpSpPr>
+      <p:sp>
+        <p:nvSpPr>
+          <p:cNvPr id="2" name="Slide Image Placeholder 1"/>
+          <p:cNvSpPr>
+            <a:spLocks noGrp="1" noRot="1" noChangeAspect="1"/>
+          </p:cNvSpPr>
+          <p:nvPr>
+            <p:ph type="sldImg"/>
+          </p:nvPr>
+        </p:nvSpPr>
+        <p:spPr/>
+      </p:sp>
+      <p:sp>
+        <p:nvSpPr>
+          <p:cNvPr id="3" name="Notes Placeholder 2"/>
+          <p:cNvSpPr>
+            <a:spLocks noGrp="1"/>
+          </p:cNvSpPr>
+          <p:nvPr>
+            <p:ph type="body" idx="1"/>
+          </p:nvPr>
+        </p:nvSpPr>
+        <p:spPr/>
+        <p:txBody>
+          <a:bodyPr/>
+          <a:lstStyle/>
+          <a:p>
+            <a:endParaRPr lang="en-US" dirty="0"/>
+          </a:p>
+        </p:txBody>
+      </p:sp>
+      <p:sp>
+        <p:nvSpPr>
+          <p:cNvPr id="4" name="Slide Number Placeholder 3"/>
+          <p:cNvSpPr>
+            <a:spLocks noGrp="1"/>
+          </p:cNvSpPr>
+          <p:nvPr>
+            <p:ph type="sldNum" sz="quarter" idx="10"/>
+          </p:nvPr>
+        </p:nvSpPr>
+        <p:spPr/>
+        <p:txBody>
+          <a:bodyPr/>
+          <a:lstStyle/>
+          <a:p>
+            <a:fld id="{B6431F92-6A98-4640-A1EA-0E76A10AC09A}" type="slidenum">
+              <a:rPr lang="en-US" smtClean="0"/>
+              <a:t>30</a:t>
+            </a:fld>
+            <a:endParaRPr lang="en-US"/>
+          </a:p>
+        </p:txBody>
+      </p:sp>
+    </p:spTree>
+    <p:extLst>
+      <p:ext uri="{BB962C8B-B14F-4D97-AF65-F5344CB8AC3E}">
+        <p14:creationId xmlns:p14="http://schemas.microsoft.com/office/powerpoint/2010/main" val="3763231332"/>
+      </p:ext>
+    </p:extLst>
+  </p:cSld>
+  <p:clrMapOvr>
+    <a:masterClrMapping/>
+  </p:clrMapOvr>
+</p:notes>
+</file>
+
+<file path=ppt/notesSlides/notesSlide11.xml><?xml version="1.0" encoding="utf-8"?>
+<p:notes xmlns:a="http://schemas.openxmlformats.org/drawingml/2006/main" xmlns:r="http://schemas.openxmlformats.org/officeDocument/2006/relationships" xmlns:p="http://schemas.openxmlformats.org/presentationml/2006/main">
+  <p:cSld>
+    <p:spTree>
+      <p:nvGrpSpPr>
+        <p:cNvPr id="1" name=""/>
+        <p:cNvGrpSpPr/>
+        <p:nvPr/>
+      </p:nvGrpSpPr>
+      <p:grpSpPr>
+        <a:xfrm>
+          <a:off x="0" y="0"/>
+          <a:ext cx="0" cy="0"/>
+          <a:chOff x="0" y="0"/>
+          <a:chExt cx="0" cy="0"/>
+        </a:xfrm>
+      </p:grpSpPr>
+      <p:sp>
+        <p:nvSpPr>
+          <p:cNvPr id="2" name="Slide Image Placeholder 1"/>
+          <p:cNvSpPr>
+            <a:spLocks noGrp="1" noRot="1" noChangeAspect="1"/>
+          </p:cNvSpPr>
+          <p:nvPr>
+            <p:ph type="sldImg"/>
+          </p:nvPr>
+        </p:nvSpPr>
+        <p:spPr/>
+      </p:sp>
+      <p:sp>
+        <p:nvSpPr>
+          <p:cNvPr id="3" name="Notes Placeholder 2"/>
+          <p:cNvSpPr>
+            <a:spLocks noGrp="1"/>
+          </p:cNvSpPr>
+          <p:nvPr>
+            <p:ph type="body" idx="1"/>
+          </p:nvPr>
+        </p:nvSpPr>
+        <p:spPr/>
+        <p:txBody>
+          <a:bodyPr/>
+          <a:lstStyle/>
+          <a:p>
+            <a:r>
+              <a:rPr lang="en-US" dirty="0" smtClean="0"/>
+              <a:t>Jump out to Azure and configure a new search index</a:t>
+            </a:r>
+            <a:endParaRPr lang="en-US" dirty="0"/>
+          </a:p>
+        </p:txBody>
+      </p:sp>
+      <p:sp>
+        <p:nvSpPr>
+          <p:cNvPr id="4" name="Slide Number Placeholder 3"/>
+          <p:cNvSpPr>
+            <a:spLocks noGrp="1"/>
+          </p:cNvSpPr>
+          <p:nvPr>
+            <p:ph type="sldNum" sz="quarter" idx="10"/>
+          </p:nvPr>
+        </p:nvSpPr>
+        <p:spPr/>
+        <p:txBody>
+          <a:bodyPr/>
+          <a:lstStyle/>
+          <a:p>
+            <a:fld id="{B6431F92-6A98-4640-A1EA-0E76A10AC09A}" type="slidenum">
+              <a:rPr lang="en-US" smtClean="0"/>
+              <a:t>37</a:t>
+            </a:fld>
+            <a:endParaRPr lang="en-US"/>
+          </a:p>
+        </p:txBody>
+      </p:sp>
+    </p:spTree>
+    <p:extLst>
+      <p:ext uri="{BB962C8B-B14F-4D97-AF65-F5344CB8AC3E}">
+        <p14:creationId xmlns:p14="http://schemas.microsoft.com/office/powerpoint/2010/main" val="869610764"/>
       </p:ext>
     </p:extLst>
   </p:cSld>
@@ -635,7 +840,7 @@
           <a:p>
             <a:fld id="{B6431F92-6A98-4640-A1EA-0E76A10AC09A}" type="slidenum">
               <a:rPr lang="en-US" smtClean="0"/>
-              <a:t>2</a:t>
+              <a:t>3</a:t>
             </a:fld>
             <a:endParaRPr lang="en-US"/>
           </a:p>
@@ -727,7 +932,7 @@
           <a:p>
             <a:fld id="{B6431F92-6A98-4640-A1EA-0E76A10AC09A}" type="slidenum">
               <a:rPr lang="en-US" smtClean="0"/>
-              <a:t>3</a:t>
+              <a:t>4</a:t>
             </a:fld>
             <a:endParaRPr lang="en-US"/>
           </a:p>
@@ -790,6 +995,478 @@
           <a:bodyPr/>
           <a:lstStyle/>
           <a:p>
+            <a:endParaRPr lang="en-US" dirty="0"/>
+          </a:p>
+        </p:txBody>
+      </p:sp>
+      <p:sp>
+        <p:nvSpPr>
+          <p:cNvPr id="4" name="Slide Number Placeholder 3"/>
+          <p:cNvSpPr>
+            <a:spLocks noGrp="1"/>
+          </p:cNvSpPr>
+          <p:nvPr>
+            <p:ph type="sldNum" sz="quarter" idx="10"/>
+          </p:nvPr>
+        </p:nvSpPr>
+        <p:spPr/>
+        <p:txBody>
+          <a:bodyPr/>
+          <a:lstStyle/>
+          <a:p>
+            <a:fld id="{B6431F92-6A98-4640-A1EA-0E76A10AC09A}" type="slidenum">
+              <a:rPr lang="en-US" smtClean="0"/>
+              <a:t>5</a:t>
+            </a:fld>
+            <a:endParaRPr lang="en-US"/>
+          </a:p>
+        </p:txBody>
+      </p:sp>
+    </p:spTree>
+    <p:extLst>
+      <p:ext uri="{BB962C8B-B14F-4D97-AF65-F5344CB8AC3E}">
+        <p14:creationId xmlns:p14="http://schemas.microsoft.com/office/powerpoint/2010/main" val="1739945990"/>
+      </p:ext>
+    </p:extLst>
+  </p:cSld>
+  <p:clrMapOvr>
+    <a:masterClrMapping/>
+  </p:clrMapOvr>
+</p:notes>
+</file>
+
+<file path=ppt/notesSlides/notesSlide5.xml><?xml version="1.0" encoding="utf-8"?>
+<p:notes xmlns:a="http://schemas.openxmlformats.org/drawingml/2006/main" xmlns:r="http://schemas.openxmlformats.org/officeDocument/2006/relationships" xmlns:p="http://schemas.openxmlformats.org/presentationml/2006/main">
+  <p:cSld>
+    <p:spTree>
+      <p:nvGrpSpPr>
+        <p:cNvPr id="1" name=""/>
+        <p:cNvGrpSpPr/>
+        <p:nvPr/>
+      </p:nvGrpSpPr>
+      <p:grpSpPr>
+        <a:xfrm>
+          <a:off x="0" y="0"/>
+          <a:ext cx="0" cy="0"/>
+          <a:chOff x="0" y="0"/>
+          <a:chExt cx="0" cy="0"/>
+        </a:xfrm>
+      </p:grpSpPr>
+      <p:sp>
+        <p:nvSpPr>
+          <p:cNvPr id="2" name="Slide Image Placeholder 1"/>
+          <p:cNvSpPr>
+            <a:spLocks noGrp="1" noRot="1" noChangeAspect="1"/>
+          </p:cNvSpPr>
+          <p:nvPr>
+            <p:ph type="sldImg"/>
+          </p:nvPr>
+        </p:nvSpPr>
+        <p:spPr/>
+      </p:sp>
+      <p:sp>
+        <p:nvSpPr>
+          <p:cNvPr id="3" name="Notes Placeholder 2"/>
+          <p:cNvSpPr>
+            <a:spLocks noGrp="1"/>
+          </p:cNvSpPr>
+          <p:nvPr>
+            <p:ph type="body" idx="1"/>
+          </p:nvPr>
+        </p:nvSpPr>
+        <p:spPr/>
+        <p:txBody>
+          <a:bodyPr/>
+          <a:lstStyle/>
+          <a:p>
+            <a:r>
+              <a:rPr lang="en-US" dirty="0" smtClean="0"/>
+              <a:t>Let’s quickly look at</a:t>
+            </a:r>
+            <a:r>
+              <a:rPr lang="en-US" baseline="0" dirty="0" smtClean="0"/>
+              <a:t> how we can set up and configure a </a:t>
+            </a:r>
+            <a:r>
+              <a:rPr lang="en-US" baseline="0" dirty="0" err="1" smtClean="0"/>
+              <a:t>DocumentDB</a:t>
+            </a:r>
+            <a:endParaRPr lang="en-US" dirty="0"/>
+          </a:p>
+        </p:txBody>
+      </p:sp>
+      <p:sp>
+        <p:nvSpPr>
+          <p:cNvPr id="4" name="Slide Number Placeholder 3"/>
+          <p:cNvSpPr>
+            <a:spLocks noGrp="1"/>
+          </p:cNvSpPr>
+          <p:nvPr>
+            <p:ph type="sldNum" sz="quarter" idx="10"/>
+          </p:nvPr>
+        </p:nvSpPr>
+        <p:spPr/>
+        <p:txBody>
+          <a:bodyPr/>
+          <a:lstStyle/>
+          <a:p>
+            <a:fld id="{B6431F92-6A98-4640-A1EA-0E76A10AC09A}" type="slidenum">
+              <a:rPr lang="en-US" smtClean="0"/>
+              <a:t>6</a:t>
+            </a:fld>
+            <a:endParaRPr lang="en-US"/>
+          </a:p>
+        </p:txBody>
+      </p:sp>
+    </p:spTree>
+    <p:extLst>
+      <p:ext uri="{BB962C8B-B14F-4D97-AF65-F5344CB8AC3E}">
+        <p14:creationId xmlns:p14="http://schemas.microsoft.com/office/powerpoint/2010/main" val="1379456148"/>
+      </p:ext>
+    </p:extLst>
+  </p:cSld>
+  <p:clrMapOvr>
+    <a:masterClrMapping/>
+  </p:clrMapOvr>
+</p:notes>
+</file>
+
+<file path=ppt/notesSlides/notesSlide6.xml><?xml version="1.0" encoding="utf-8"?>
+<p:notes xmlns:a="http://schemas.openxmlformats.org/drawingml/2006/main" xmlns:r="http://schemas.openxmlformats.org/officeDocument/2006/relationships" xmlns:p="http://schemas.openxmlformats.org/presentationml/2006/main">
+  <p:cSld>
+    <p:spTree>
+      <p:nvGrpSpPr>
+        <p:cNvPr id="1" name=""/>
+        <p:cNvGrpSpPr/>
+        <p:nvPr/>
+      </p:nvGrpSpPr>
+      <p:grpSpPr>
+        <a:xfrm>
+          <a:off x="0" y="0"/>
+          <a:ext cx="0" cy="0"/>
+          <a:chOff x="0" y="0"/>
+          <a:chExt cx="0" cy="0"/>
+        </a:xfrm>
+      </p:grpSpPr>
+      <p:sp>
+        <p:nvSpPr>
+          <p:cNvPr id="2" name="Slide Image Placeholder 1"/>
+          <p:cNvSpPr>
+            <a:spLocks noGrp="1" noRot="1" noChangeAspect="1"/>
+          </p:cNvSpPr>
+          <p:nvPr>
+            <p:ph type="sldImg"/>
+          </p:nvPr>
+        </p:nvSpPr>
+        <p:spPr/>
+      </p:sp>
+      <p:sp>
+        <p:nvSpPr>
+          <p:cNvPr id="3" name="Notes Placeholder 2"/>
+          <p:cNvSpPr>
+            <a:spLocks noGrp="1"/>
+          </p:cNvSpPr>
+          <p:nvPr>
+            <p:ph type="body" idx="1"/>
+          </p:nvPr>
+        </p:nvSpPr>
+        <p:spPr/>
+        <p:txBody>
+          <a:bodyPr/>
+          <a:lstStyle/>
+          <a:p>
+            <a:r>
+              <a:rPr lang="en-US" dirty="0" smtClean="0"/>
+              <a:t>In case the internet is down, some screen</a:t>
+            </a:r>
+            <a:r>
+              <a:rPr lang="en-US" baseline="0" dirty="0" smtClean="0"/>
+              <a:t> shot quick steps for setting up a </a:t>
+            </a:r>
+            <a:r>
+              <a:rPr lang="en-US" baseline="0" dirty="0" err="1" smtClean="0"/>
+              <a:t>documentdb</a:t>
+            </a:r>
+            <a:endParaRPr lang="en-US" dirty="0"/>
+          </a:p>
+        </p:txBody>
+      </p:sp>
+      <p:sp>
+        <p:nvSpPr>
+          <p:cNvPr id="4" name="Slide Number Placeholder 3"/>
+          <p:cNvSpPr>
+            <a:spLocks noGrp="1"/>
+          </p:cNvSpPr>
+          <p:nvPr>
+            <p:ph type="sldNum" sz="quarter" idx="10"/>
+          </p:nvPr>
+        </p:nvSpPr>
+        <p:spPr/>
+        <p:txBody>
+          <a:bodyPr/>
+          <a:lstStyle/>
+          <a:p>
+            <a:fld id="{B6431F92-6A98-4640-A1EA-0E76A10AC09A}" type="slidenum">
+              <a:rPr lang="en-US" smtClean="0"/>
+              <a:t>8</a:t>
+            </a:fld>
+            <a:endParaRPr lang="en-US"/>
+          </a:p>
+        </p:txBody>
+      </p:sp>
+    </p:spTree>
+    <p:extLst>
+      <p:ext uri="{BB962C8B-B14F-4D97-AF65-F5344CB8AC3E}">
+        <p14:creationId xmlns:p14="http://schemas.microsoft.com/office/powerpoint/2010/main" val="1506042089"/>
+      </p:ext>
+    </p:extLst>
+  </p:cSld>
+  <p:clrMapOvr>
+    <a:masterClrMapping/>
+  </p:clrMapOvr>
+</p:notes>
+</file>
+
+<file path=ppt/notesSlides/notesSlide7.xml><?xml version="1.0" encoding="utf-8"?>
+<p:notes xmlns:a="http://schemas.openxmlformats.org/drawingml/2006/main" xmlns:r="http://schemas.openxmlformats.org/officeDocument/2006/relationships" xmlns:p="http://schemas.openxmlformats.org/presentationml/2006/main">
+  <p:cSld>
+    <p:spTree>
+      <p:nvGrpSpPr>
+        <p:cNvPr id="1" name=""/>
+        <p:cNvGrpSpPr/>
+        <p:nvPr/>
+      </p:nvGrpSpPr>
+      <p:grpSpPr>
+        <a:xfrm>
+          <a:off x="0" y="0"/>
+          <a:ext cx="0" cy="0"/>
+          <a:chOff x="0" y="0"/>
+          <a:chExt cx="0" cy="0"/>
+        </a:xfrm>
+      </p:grpSpPr>
+      <p:sp>
+        <p:nvSpPr>
+          <p:cNvPr id="2" name="Slide Image Placeholder 1"/>
+          <p:cNvSpPr>
+            <a:spLocks noGrp="1" noRot="1" noChangeAspect="1"/>
+          </p:cNvSpPr>
+          <p:nvPr>
+            <p:ph type="sldImg"/>
+          </p:nvPr>
+        </p:nvSpPr>
+        <p:spPr/>
+      </p:sp>
+      <p:sp>
+        <p:nvSpPr>
+          <p:cNvPr id="3" name="Notes Placeholder 2"/>
+          <p:cNvSpPr>
+            <a:spLocks noGrp="1"/>
+          </p:cNvSpPr>
+          <p:nvPr>
+            <p:ph type="body" idx="1"/>
+          </p:nvPr>
+        </p:nvSpPr>
+        <p:spPr/>
+        <p:txBody>
+          <a:bodyPr/>
+          <a:lstStyle/>
+          <a:p>
+            <a:r>
+              <a:rPr lang="en-US" dirty="0" smtClean="0"/>
+              <a:t>Now let’s jump out</a:t>
+            </a:r>
+            <a:r>
+              <a:rPr lang="en-US" baseline="0" dirty="0" smtClean="0"/>
+              <a:t> to Azure and see if we can actually create a new </a:t>
+            </a:r>
+            <a:r>
+              <a:rPr lang="en-US" baseline="0" dirty="0" err="1" smtClean="0"/>
+              <a:t>documentdb</a:t>
+            </a:r>
+            <a:endParaRPr lang="en-US" dirty="0"/>
+          </a:p>
+        </p:txBody>
+      </p:sp>
+      <p:sp>
+        <p:nvSpPr>
+          <p:cNvPr id="4" name="Slide Number Placeholder 3"/>
+          <p:cNvSpPr>
+            <a:spLocks noGrp="1"/>
+          </p:cNvSpPr>
+          <p:nvPr>
+            <p:ph type="sldNum" sz="quarter" idx="10"/>
+          </p:nvPr>
+        </p:nvSpPr>
+        <p:spPr/>
+        <p:txBody>
+          <a:bodyPr/>
+          <a:lstStyle/>
+          <a:p>
+            <a:fld id="{B6431F92-6A98-4640-A1EA-0E76A10AC09A}" type="slidenum">
+              <a:rPr lang="en-US" smtClean="0"/>
+              <a:t>9</a:t>
+            </a:fld>
+            <a:endParaRPr lang="en-US"/>
+          </a:p>
+        </p:txBody>
+      </p:sp>
+    </p:spTree>
+    <p:extLst>
+      <p:ext uri="{BB962C8B-B14F-4D97-AF65-F5344CB8AC3E}">
+        <p14:creationId xmlns:p14="http://schemas.microsoft.com/office/powerpoint/2010/main" val="96974253"/>
+      </p:ext>
+    </p:extLst>
+  </p:cSld>
+  <p:clrMapOvr>
+    <a:masterClrMapping/>
+  </p:clrMapOvr>
+</p:notes>
+</file>
+
+<file path=ppt/notesSlides/notesSlide8.xml><?xml version="1.0" encoding="utf-8"?>
+<p:notes xmlns:a="http://schemas.openxmlformats.org/drawingml/2006/main" xmlns:r="http://schemas.openxmlformats.org/officeDocument/2006/relationships" xmlns:p="http://schemas.openxmlformats.org/presentationml/2006/main">
+  <p:cSld>
+    <p:spTree>
+      <p:nvGrpSpPr>
+        <p:cNvPr id="1" name=""/>
+        <p:cNvGrpSpPr/>
+        <p:nvPr/>
+      </p:nvGrpSpPr>
+      <p:grpSpPr>
+        <a:xfrm>
+          <a:off x="0" y="0"/>
+          <a:ext cx="0" cy="0"/>
+          <a:chOff x="0" y="0"/>
+          <a:chExt cx="0" cy="0"/>
+        </a:xfrm>
+      </p:grpSpPr>
+      <p:sp>
+        <p:nvSpPr>
+          <p:cNvPr id="2" name="Slide Image Placeholder 1"/>
+          <p:cNvSpPr>
+            <a:spLocks noGrp="1" noRot="1" noChangeAspect="1"/>
+          </p:cNvSpPr>
+          <p:nvPr>
+            <p:ph type="sldImg"/>
+          </p:nvPr>
+        </p:nvSpPr>
+        <p:spPr/>
+      </p:sp>
+      <p:sp>
+        <p:nvSpPr>
+          <p:cNvPr id="3" name="Notes Placeholder 2"/>
+          <p:cNvSpPr>
+            <a:spLocks noGrp="1"/>
+          </p:cNvSpPr>
+          <p:nvPr>
+            <p:ph type="body" idx="1"/>
+          </p:nvPr>
+        </p:nvSpPr>
+        <p:spPr/>
+        <p:txBody>
+          <a:bodyPr/>
+          <a:lstStyle/>
+          <a:p>
+            <a:r>
+              <a:rPr lang="en-US" dirty="0" smtClean="0"/>
+              <a:t>All the marketing specs around </a:t>
+            </a:r>
+            <a:r>
+              <a:rPr lang="en-US" dirty="0" err="1" smtClean="0"/>
+              <a:t>DocumentDB</a:t>
+            </a:r>
+            <a:r>
+              <a:rPr lang="en-US" dirty="0" smtClean="0"/>
+              <a:t>.  Everything is capacity unit based.</a:t>
+            </a:r>
+            <a:r>
+              <a:rPr lang="en-US" baseline="0" dirty="0" smtClean="0"/>
+              <a:t>  Speed specs assume simple document structure.</a:t>
+            </a:r>
+            <a:endParaRPr lang="en-US" dirty="0"/>
+          </a:p>
+        </p:txBody>
+      </p:sp>
+      <p:sp>
+        <p:nvSpPr>
+          <p:cNvPr id="4" name="Slide Number Placeholder 3"/>
+          <p:cNvSpPr>
+            <a:spLocks noGrp="1"/>
+          </p:cNvSpPr>
+          <p:nvPr>
+            <p:ph type="sldNum" sz="quarter" idx="10"/>
+          </p:nvPr>
+        </p:nvSpPr>
+        <p:spPr/>
+        <p:txBody>
+          <a:bodyPr/>
+          <a:lstStyle/>
+          <a:p>
+            <a:fld id="{B6431F92-6A98-4640-A1EA-0E76A10AC09A}" type="slidenum">
+              <a:rPr lang="en-US" smtClean="0"/>
+              <a:t>10</a:t>
+            </a:fld>
+            <a:endParaRPr lang="en-US"/>
+          </a:p>
+        </p:txBody>
+      </p:sp>
+    </p:spTree>
+    <p:extLst>
+      <p:ext uri="{BB962C8B-B14F-4D97-AF65-F5344CB8AC3E}">
+        <p14:creationId xmlns:p14="http://schemas.microsoft.com/office/powerpoint/2010/main" val="2031678441"/>
+      </p:ext>
+    </p:extLst>
+  </p:cSld>
+  <p:clrMapOvr>
+    <a:masterClrMapping/>
+  </p:clrMapOvr>
+</p:notes>
+</file>
+
+<file path=ppt/notesSlides/notesSlide9.xml><?xml version="1.0" encoding="utf-8"?>
+<p:notes xmlns:a="http://schemas.openxmlformats.org/drawingml/2006/main" xmlns:r="http://schemas.openxmlformats.org/officeDocument/2006/relationships" xmlns:p="http://schemas.openxmlformats.org/presentationml/2006/main">
+  <p:cSld>
+    <p:spTree>
+      <p:nvGrpSpPr>
+        <p:cNvPr id="1" name=""/>
+        <p:cNvGrpSpPr/>
+        <p:nvPr/>
+      </p:nvGrpSpPr>
+      <p:grpSpPr>
+        <a:xfrm>
+          <a:off x="0" y="0"/>
+          <a:ext cx="0" cy="0"/>
+          <a:chOff x="0" y="0"/>
+          <a:chExt cx="0" cy="0"/>
+        </a:xfrm>
+      </p:grpSpPr>
+      <p:sp>
+        <p:nvSpPr>
+          <p:cNvPr id="2" name="Slide Image Placeholder 1"/>
+          <p:cNvSpPr>
+            <a:spLocks noGrp="1" noRot="1" noChangeAspect="1"/>
+          </p:cNvSpPr>
+          <p:nvPr>
+            <p:ph type="sldImg"/>
+          </p:nvPr>
+        </p:nvSpPr>
+        <p:spPr/>
+      </p:sp>
+      <p:sp>
+        <p:nvSpPr>
+          <p:cNvPr id="3" name="Notes Placeholder 2"/>
+          <p:cNvSpPr>
+            <a:spLocks noGrp="1"/>
+          </p:cNvSpPr>
+          <p:nvPr>
+            <p:ph type="body" idx="1"/>
+          </p:nvPr>
+        </p:nvSpPr>
+        <p:spPr/>
+        <p:txBody>
+          <a:bodyPr/>
+          <a:lstStyle/>
+          <a:p>
             <a:pPr marL="0" marR="0" indent="0" algn="l" defTabSz="914400" rtl="0" eaLnBrk="1" fontAlgn="auto" latinLnBrk="0" hangingPunct="1">
               <a:lnSpc>
                 <a:spcPct val="100000"/>
@@ -834,7 +1511,7 @@
           <a:p>
             <a:fld id="{B6431F92-6A98-4640-A1EA-0E76A10AC09A}" type="slidenum">
               <a:rPr lang="en-US" smtClean="0"/>
-              <a:t>7</a:t>
+              <a:t>16</a:t>
             </a:fld>
             <a:endParaRPr lang="en-US"/>
           </a:p>
@@ -984,7 +1661,7 @@
           <a:p>
             <a:fld id="{53E93438-D218-4ED2-B3EA-5AB09F7ABEE0}" type="datetimeFigureOut">
               <a:rPr lang="en-US" smtClean="0"/>
-              <a:t>10/7/2014</a:t>
+              <a:t>10/12/2014</a:t>
             </a:fld>
             <a:endParaRPr lang="en-US"/>
           </a:p>
@@ -1154,7 +1831,7 @@
           <a:p>
             <a:fld id="{53E93438-D218-4ED2-B3EA-5AB09F7ABEE0}" type="datetimeFigureOut">
               <a:rPr lang="en-US" smtClean="0"/>
-              <a:t>10/7/2014</a:t>
+              <a:t>10/12/2014</a:t>
             </a:fld>
             <a:endParaRPr lang="en-US"/>
           </a:p>
@@ -1334,7 +2011,7 @@
           <a:p>
             <a:fld id="{53E93438-D218-4ED2-B3EA-5AB09F7ABEE0}" type="datetimeFigureOut">
               <a:rPr lang="en-US" smtClean="0"/>
-              <a:t>10/7/2014</a:t>
+              <a:t>10/12/2014</a:t>
             </a:fld>
             <a:endParaRPr lang="en-US"/>
           </a:p>
@@ -1504,7 +2181,7 @@
           <a:p>
             <a:fld id="{53E93438-D218-4ED2-B3EA-5AB09F7ABEE0}" type="datetimeFigureOut">
               <a:rPr lang="en-US" smtClean="0"/>
-              <a:t>10/7/2014</a:t>
+              <a:t>10/12/2014</a:t>
             </a:fld>
             <a:endParaRPr lang="en-US"/>
           </a:p>
@@ -1750,7 +2427,7 @@
           <a:p>
             <a:fld id="{53E93438-D218-4ED2-B3EA-5AB09F7ABEE0}" type="datetimeFigureOut">
               <a:rPr lang="en-US" smtClean="0"/>
-              <a:t>10/7/2014</a:t>
+              <a:t>10/12/2014</a:t>
             </a:fld>
             <a:endParaRPr lang="en-US"/>
           </a:p>
@@ -1982,7 +2659,7 @@
           <a:p>
             <a:fld id="{53E93438-D218-4ED2-B3EA-5AB09F7ABEE0}" type="datetimeFigureOut">
               <a:rPr lang="en-US" smtClean="0"/>
-              <a:t>10/7/2014</a:t>
+              <a:t>10/12/2014</a:t>
             </a:fld>
             <a:endParaRPr lang="en-US"/>
           </a:p>
@@ -2349,7 +3026,7 @@
           <a:p>
             <a:fld id="{53E93438-D218-4ED2-B3EA-5AB09F7ABEE0}" type="datetimeFigureOut">
               <a:rPr lang="en-US" smtClean="0"/>
-              <a:t>10/7/2014</a:t>
+              <a:t>10/12/2014</a:t>
             </a:fld>
             <a:endParaRPr lang="en-US"/>
           </a:p>
@@ -2467,7 +3144,7 @@
           <a:p>
             <a:fld id="{53E93438-D218-4ED2-B3EA-5AB09F7ABEE0}" type="datetimeFigureOut">
               <a:rPr lang="en-US" smtClean="0"/>
-              <a:t>10/7/2014</a:t>
+              <a:t>10/12/2014</a:t>
             </a:fld>
             <a:endParaRPr lang="en-US"/>
           </a:p>
@@ -2562,7 +3239,7 @@
           <a:p>
             <a:fld id="{53E93438-D218-4ED2-B3EA-5AB09F7ABEE0}" type="datetimeFigureOut">
               <a:rPr lang="en-US" smtClean="0"/>
-              <a:t>10/7/2014</a:t>
+              <a:t>10/12/2014</a:t>
             </a:fld>
             <a:endParaRPr lang="en-US"/>
           </a:p>
@@ -2839,7 +3516,7 @@
           <a:p>
             <a:fld id="{53E93438-D218-4ED2-B3EA-5AB09F7ABEE0}" type="datetimeFigureOut">
               <a:rPr lang="en-US" smtClean="0"/>
-              <a:t>10/7/2014</a:t>
+              <a:t>10/12/2014</a:t>
             </a:fld>
             <a:endParaRPr lang="en-US"/>
           </a:p>
@@ -3092,7 +3769,7 @@
           <a:p>
             <a:fld id="{53E93438-D218-4ED2-B3EA-5AB09F7ABEE0}" type="datetimeFigureOut">
               <a:rPr lang="en-US" smtClean="0"/>
-              <a:t>10/7/2014</a:t>
+              <a:t>10/12/2014</a:t>
             </a:fld>
             <a:endParaRPr lang="en-US"/>
           </a:p>
@@ -3305,7 +3982,7 @@
           <a:p>
             <a:fld id="{53E93438-D218-4ED2-B3EA-5AB09F7ABEE0}" type="datetimeFigureOut">
               <a:rPr lang="en-US" smtClean="0"/>
-              <a:t>10/7/2014</a:t>
+              <a:t>10/12/2014</a:t>
             </a:fld>
             <a:endParaRPr lang="en-US"/>
           </a:p>
@@ -3712,6 +4389,1461 @@
       </p:grpSpPr>
       <p:sp>
         <p:nvSpPr>
+          <p:cNvPr id="2" name="Title 1"/>
+          <p:cNvSpPr>
+            <a:spLocks noGrp="1"/>
+          </p:cNvSpPr>
+          <p:nvPr>
+            <p:ph type="ctrTitle"/>
+          </p:nvPr>
+        </p:nvSpPr>
+        <p:spPr/>
+        <p:txBody>
+          <a:bodyPr/>
+          <a:lstStyle/>
+          <a:p>
+            <a:r>
+              <a:rPr lang="en-US" dirty="0" smtClean="0"/>
+              <a:t>Test driving Azure Search and </a:t>
+            </a:r>
+            <a:r>
+              <a:rPr lang="en-US" dirty="0" err="1" smtClean="0"/>
+              <a:t>DocumentDB</a:t>
+            </a:r>
+            <a:endParaRPr lang="en-US" dirty="0"/>
+          </a:p>
+        </p:txBody>
+      </p:sp>
+      <p:sp>
+        <p:nvSpPr>
+          <p:cNvPr id="4" name="Subtitle 3"/>
+          <p:cNvSpPr>
+            <a:spLocks noGrp="1"/>
+          </p:cNvSpPr>
+          <p:nvPr>
+            <p:ph type="subTitle" idx="1"/>
+          </p:nvPr>
+        </p:nvSpPr>
+        <p:spPr>
+          <a:xfrm>
+            <a:off x="1524000" y="3602038"/>
+            <a:ext cx="9144000" cy="2913062"/>
+          </a:xfrm>
+        </p:spPr>
+        <p:txBody>
+          <a:bodyPr>
+            <a:normAutofit/>
+          </a:bodyPr>
+          <a:lstStyle/>
+          <a:p>
+            <a:endParaRPr lang="en-US" dirty="0" smtClean="0"/>
+          </a:p>
+          <a:p>
+            <a:endParaRPr lang="en-US" dirty="0" smtClean="0"/>
+          </a:p>
+          <a:p>
+            <a:r>
+              <a:rPr lang="en-US" b="1" dirty="0" smtClean="0"/>
+              <a:t>Andrew Siemer</a:t>
+            </a:r>
+          </a:p>
+          <a:p>
+            <a:r>
+              <a:rPr lang="en-US" dirty="0" smtClean="0"/>
+              <a:t>Clear Measure</a:t>
+            </a:r>
+          </a:p>
+          <a:p>
+            <a:r>
+              <a:rPr lang="en-US" dirty="0" smtClean="0">
+                <a:hlinkClick r:id="rId2"/>
+              </a:rPr>
+              <a:t>asiemer@hotmail.com</a:t>
+            </a:r>
+            <a:r>
+              <a:rPr lang="en-US" dirty="0" smtClean="0"/>
+              <a:t> / @asiemer</a:t>
+            </a:r>
+            <a:endParaRPr lang="en-US" dirty="0"/>
+          </a:p>
+        </p:txBody>
+      </p:sp>
+    </p:spTree>
+    <p:extLst>
+      <p:ext uri="{BB962C8B-B14F-4D97-AF65-F5344CB8AC3E}">
+        <p14:creationId xmlns:p14="http://schemas.microsoft.com/office/powerpoint/2010/main" val="1768755525"/>
+      </p:ext>
+    </p:extLst>
+  </p:cSld>
+  <p:clrMapOvr>
+    <a:masterClrMapping/>
+  </p:clrMapOvr>
+  <p:timing>
+    <p:tnLst>
+      <p:par>
+        <p:cTn id="1" dur="indefinite" restart="never" nodeType="tmRoot"/>
+      </p:par>
+    </p:tnLst>
+  </p:timing>
+</p:sld>
+</file>
+
+<file path=ppt/slides/slide10.xml><?xml version="1.0" encoding="utf-8"?>
+<p:sld xmlns:a="http://schemas.openxmlformats.org/drawingml/2006/main" xmlns:r="http://schemas.openxmlformats.org/officeDocument/2006/relationships" xmlns:p="http://schemas.openxmlformats.org/presentationml/2006/main">
+  <p:cSld>
+    <p:spTree>
+      <p:nvGrpSpPr>
+        <p:cNvPr id="1" name=""/>
+        <p:cNvGrpSpPr/>
+        <p:nvPr/>
+      </p:nvGrpSpPr>
+      <p:grpSpPr>
+        <a:xfrm>
+          <a:off x="0" y="0"/>
+          <a:ext cx="0" cy="0"/>
+          <a:chOff x="0" y="0"/>
+          <a:chExt cx="0" cy="0"/>
+        </a:xfrm>
+      </p:grpSpPr>
+      <p:sp>
+        <p:nvSpPr>
+          <p:cNvPr id="2" name="Title 1"/>
+          <p:cNvSpPr>
+            <a:spLocks noGrp="1"/>
+          </p:cNvSpPr>
+          <p:nvPr>
+            <p:ph type="title"/>
+          </p:nvPr>
+        </p:nvSpPr>
+        <p:spPr/>
+        <p:txBody>
+          <a:bodyPr/>
+          <a:lstStyle/>
+          <a:p>
+            <a:r>
+              <a:rPr lang="en-US" dirty="0" err="1" smtClean="0"/>
+              <a:t>DocumentDB</a:t>
+            </a:r>
+            <a:r>
+              <a:rPr lang="en-US" dirty="0" smtClean="0"/>
+              <a:t> high points</a:t>
+            </a:r>
+            <a:endParaRPr lang="en-US" dirty="0"/>
+          </a:p>
+        </p:txBody>
+      </p:sp>
+      <p:sp>
+        <p:nvSpPr>
+          <p:cNvPr id="3" name="Content Placeholder 2"/>
+          <p:cNvSpPr>
+            <a:spLocks noGrp="1"/>
+          </p:cNvSpPr>
+          <p:nvPr>
+            <p:ph idx="1"/>
+          </p:nvPr>
+        </p:nvSpPr>
+        <p:spPr>
+          <a:xfrm>
+            <a:off x="838200" y="1825625"/>
+            <a:ext cx="10515600" cy="4351338"/>
+          </a:xfrm>
+        </p:spPr>
+        <p:txBody>
+          <a:bodyPr>
+            <a:normAutofit fontScale="92500" lnSpcReduction="20000"/>
+          </a:bodyPr>
+          <a:lstStyle/>
+          <a:p>
+            <a:r>
+              <a:rPr lang="en-US" dirty="0" smtClean="0"/>
+              <a:t>Has </a:t>
+            </a:r>
+            <a:r>
+              <a:rPr lang="en-US" dirty="0" smtClean="0"/>
+              <a:t>a Microsoft provided SDK via </a:t>
+            </a:r>
+            <a:r>
+              <a:rPr lang="en-US" dirty="0" err="1" smtClean="0"/>
+              <a:t>Nuget</a:t>
+            </a:r>
+            <a:endParaRPr lang="en-US" dirty="0" smtClean="0"/>
+          </a:p>
+          <a:p>
+            <a:r>
+              <a:rPr lang="en-US" dirty="0" smtClean="0"/>
+              <a:t>Uses </a:t>
+            </a:r>
+            <a:r>
+              <a:rPr lang="en-US" dirty="0" err="1" smtClean="0"/>
+              <a:t>auth</a:t>
+            </a:r>
+            <a:r>
+              <a:rPr lang="en-US" dirty="0" smtClean="0"/>
+              <a:t> key for security</a:t>
+            </a:r>
+          </a:p>
+          <a:p>
+            <a:r>
+              <a:rPr lang="en-US" dirty="0" smtClean="0"/>
+              <a:t>Everything is based </a:t>
+            </a:r>
+            <a:r>
+              <a:rPr lang="en-US" dirty="0" smtClean="0"/>
+              <a:t>on a capacity </a:t>
+            </a:r>
+            <a:r>
+              <a:rPr lang="en-US" dirty="0" smtClean="0"/>
+              <a:t>unit</a:t>
+            </a:r>
+          </a:p>
+          <a:p>
+            <a:pPr lvl="1"/>
+            <a:r>
+              <a:rPr lang="en-US" dirty="0"/>
+              <a:t>Up to 5 capacity units available for </a:t>
+            </a:r>
+            <a:r>
+              <a:rPr lang="en-US" dirty="0" smtClean="0"/>
+              <a:t>preview</a:t>
+            </a:r>
+            <a:endParaRPr lang="en-US" dirty="0" smtClean="0"/>
+          </a:p>
+          <a:p>
+            <a:pPr lvl="1"/>
+            <a:r>
+              <a:rPr lang="en-US" dirty="0" smtClean="0"/>
+              <a:t>10GB per capacity </a:t>
+            </a:r>
+            <a:r>
+              <a:rPr lang="en-US" dirty="0" smtClean="0"/>
+              <a:t>unit</a:t>
+            </a:r>
+            <a:endParaRPr lang="en-US" dirty="0" smtClean="0"/>
+          </a:p>
+          <a:p>
+            <a:pPr lvl="1"/>
+            <a:r>
+              <a:rPr lang="en-US" dirty="0" smtClean="0"/>
+              <a:t>2000 </a:t>
+            </a:r>
+            <a:r>
+              <a:rPr lang="en-US" dirty="0" smtClean="0"/>
+              <a:t>requests per </a:t>
+            </a:r>
+            <a:r>
+              <a:rPr lang="en-US" dirty="0" smtClean="0"/>
+              <a:t>second</a:t>
+            </a:r>
+          </a:p>
+          <a:p>
+            <a:pPr lvl="1"/>
+            <a:r>
+              <a:rPr lang="en-US" dirty="0" smtClean="0"/>
+              <a:t>$.73/day ($22.50 per month)</a:t>
+            </a:r>
+          </a:p>
+          <a:p>
+            <a:r>
+              <a:rPr lang="en-US" dirty="0" smtClean="0"/>
+              <a:t>Average operations per second per capacity </a:t>
+            </a:r>
+            <a:r>
+              <a:rPr lang="en-US" dirty="0" smtClean="0"/>
+              <a:t>unit </a:t>
+            </a:r>
+          </a:p>
+          <a:p>
+            <a:pPr lvl="1"/>
+            <a:r>
+              <a:rPr lang="en-US" dirty="0" smtClean="0"/>
+              <a:t>Based on simple structure</a:t>
+            </a:r>
+            <a:endParaRPr lang="en-US" dirty="0" smtClean="0"/>
+          </a:p>
+          <a:p>
+            <a:pPr lvl="1"/>
+            <a:r>
+              <a:rPr lang="en-US" dirty="0" smtClean="0"/>
+              <a:t>2000 read of a single document</a:t>
+            </a:r>
+          </a:p>
+          <a:p>
+            <a:pPr lvl="1"/>
+            <a:r>
+              <a:rPr lang="en-US" dirty="0" smtClean="0"/>
+              <a:t>500 inserts, replaces, or deletes</a:t>
+            </a:r>
+          </a:p>
+          <a:p>
+            <a:pPr lvl="1"/>
+            <a:r>
+              <a:rPr lang="en-US" dirty="0" smtClean="0"/>
+              <a:t>1000 </a:t>
+            </a:r>
+            <a:r>
+              <a:rPr lang="en-US" dirty="0" smtClean="0"/>
+              <a:t>queries </a:t>
+            </a:r>
+            <a:r>
+              <a:rPr lang="en-US" dirty="0" smtClean="0"/>
+              <a:t>returning a single </a:t>
+            </a:r>
+            <a:r>
+              <a:rPr lang="en-US" dirty="0" smtClean="0"/>
+              <a:t>document</a:t>
+            </a:r>
+          </a:p>
+          <a:p>
+            <a:endParaRPr lang="en-US" dirty="0" smtClean="0"/>
+          </a:p>
+          <a:p>
+            <a:endParaRPr lang="en-US" dirty="0"/>
+          </a:p>
+          <a:p>
+            <a:endParaRPr lang="en-US" dirty="0"/>
+          </a:p>
+        </p:txBody>
+      </p:sp>
+    </p:spTree>
+    <p:extLst>
+      <p:ext uri="{BB962C8B-B14F-4D97-AF65-F5344CB8AC3E}">
+        <p14:creationId xmlns:p14="http://schemas.microsoft.com/office/powerpoint/2010/main" val="2829512678"/>
+      </p:ext>
+    </p:extLst>
+  </p:cSld>
+  <p:clrMapOvr>
+    <a:masterClrMapping/>
+  </p:clrMapOvr>
+  <p:timing>
+    <p:tnLst>
+      <p:par>
+        <p:cTn id="1" dur="indefinite" restart="never" nodeType="tmRoot"/>
+      </p:par>
+    </p:tnLst>
+  </p:timing>
+</p:sld>
+</file>
+
+<file path=ppt/slides/slide11.xml><?xml version="1.0" encoding="utf-8"?>
+<p:sld xmlns:a="http://schemas.openxmlformats.org/drawingml/2006/main" xmlns:r="http://schemas.openxmlformats.org/officeDocument/2006/relationships" xmlns:p="http://schemas.openxmlformats.org/presentationml/2006/main">
+  <p:cSld>
+    <p:spTree>
+      <p:nvGrpSpPr>
+        <p:cNvPr id="1" name=""/>
+        <p:cNvGrpSpPr/>
+        <p:nvPr/>
+      </p:nvGrpSpPr>
+      <p:grpSpPr>
+        <a:xfrm>
+          <a:off x="0" y="0"/>
+          <a:ext cx="0" cy="0"/>
+          <a:chOff x="0" y="0"/>
+          <a:chExt cx="0" cy="0"/>
+        </a:xfrm>
+      </p:grpSpPr>
+      <p:sp>
+        <p:nvSpPr>
+          <p:cNvPr id="2" name="Title 1"/>
+          <p:cNvSpPr>
+            <a:spLocks noGrp="1"/>
+          </p:cNvSpPr>
+          <p:nvPr>
+            <p:ph type="title"/>
+          </p:nvPr>
+        </p:nvSpPr>
+        <p:spPr/>
+        <p:txBody>
+          <a:bodyPr/>
+          <a:lstStyle/>
+          <a:p>
+            <a:r>
+              <a:rPr lang="en-US" dirty="0" smtClean="0"/>
+              <a:t>Elastic SSD</a:t>
+            </a:r>
+            <a:endParaRPr lang="en-US" dirty="0"/>
+          </a:p>
+        </p:txBody>
+      </p:sp>
+      <p:sp>
+        <p:nvSpPr>
+          <p:cNvPr id="3" name="Content Placeholder 2"/>
+          <p:cNvSpPr>
+            <a:spLocks noGrp="1"/>
+          </p:cNvSpPr>
+          <p:nvPr>
+            <p:ph idx="1"/>
+          </p:nvPr>
+        </p:nvSpPr>
+        <p:spPr/>
+        <p:txBody>
+          <a:bodyPr/>
+          <a:lstStyle/>
+          <a:p>
+            <a:r>
+              <a:rPr lang="en-US" dirty="0" smtClean="0"/>
+              <a:t>Makes collection truly elastic</a:t>
+            </a:r>
+          </a:p>
+          <a:p>
+            <a:r>
+              <a:rPr lang="en-US" dirty="0" smtClean="0"/>
+              <a:t>Add/Remove documents grows/shrinks collection</a:t>
+            </a:r>
+          </a:p>
+          <a:p>
+            <a:r>
+              <a:rPr lang="en-US" dirty="0" smtClean="0"/>
+              <a:t>Tested with real-world clients from gigabytes to </a:t>
+            </a:r>
+            <a:r>
+              <a:rPr lang="en-US" dirty="0" err="1" smtClean="0"/>
+              <a:t>terrabytes</a:t>
+            </a:r>
+            <a:endParaRPr lang="en-US" dirty="0"/>
+          </a:p>
+        </p:txBody>
+      </p:sp>
+    </p:spTree>
+    <p:extLst>
+      <p:ext uri="{BB962C8B-B14F-4D97-AF65-F5344CB8AC3E}">
+        <p14:creationId xmlns:p14="http://schemas.microsoft.com/office/powerpoint/2010/main" val="4020418428"/>
+      </p:ext>
+    </p:extLst>
+  </p:cSld>
+  <p:clrMapOvr>
+    <a:masterClrMapping/>
+  </p:clrMapOvr>
+  <p:timing>
+    <p:tnLst>
+      <p:par>
+        <p:cTn id="1" dur="indefinite" restart="never" nodeType="tmRoot"/>
+      </p:par>
+    </p:tnLst>
+  </p:timing>
+</p:sld>
+</file>
+
+<file path=ppt/slides/slide12.xml><?xml version="1.0" encoding="utf-8"?>
+<p:sld xmlns:a="http://schemas.openxmlformats.org/drawingml/2006/main" xmlns:r="http://schemas.openxmlformats.org/officeDocument/2006/relationships" xmlns:p="http://schemas.openxmlformats.org/presentationml/2006/main">
+  <p:cSld>
+    <p:spTree>
+      <p:nvGrpSpPr>
+        <p:cNvPr id="1" name=""/>
+        <p:cNvGrpSpPr/>
+        <p:nvPr/>
+      </p:nvGrpSpPr>
+      <p:grpSpPr>
+        <a:xfrm>
+          <a:off x="0" y="0"/>
+          <a:ext cx="0" cy="0"/>
+          <a:chOff x="0" y="0"/>
+          <a:chExt cx="0" cy="0"/>
+        </a:xfrm>
+      </p:grpSpPr>
+      <p:sp>
+        <p:nvSpPr>
+          <p:cNvPr id="2" name="Title 1"/>
+          <p:cNvSpPr>
+            <a:spLocks noGrp="1"/>
+          </p:cNvSpPr>
+          <p:nvPr>
+            <p:ph type="title"/>
+          </p:nvPr>
+        </p:nvSpPr>
+        <p:spPr/>
+        <p:txBody>
+          <a:bodyPr/>
+          <a:lstStyle/>
+          <a:p>
+            <a:r>
+              <a:rPr lang="en-US" dirty="0" smtClean="0"/>
+              <a:t>Automatic Indexing</a:t>
+            </a:r>
+            <a:endParaRPr lang="en-US" dirty="0"/>
+          </a:p>
+        </p:txBody>
+      </p:sp>
+      <p:sp>
+        <p:nvSpPr>
+          <p:cNvPr id="3" name="Content Placeholder 2"/>
+          <p:cNvSpPr>
+            <a:spLocks noGrp="1"/>
+          </p:cNvSpPr>
+          <p:nvPr>
+            <p:ph idx="1"/>
+          </p:nvPr>
+        </p:nvSpPr>
+        <p:spPr/>
+        <p:txBody>
+          <a:bodyPr/>
+          <a:lstStyle/>
+          <a:p>
+            <a:r>
+              <a:rPr lang="en-US" dirty="0"/>
+              <a:t>Indexing on by </a:t>
+            </a:r>
+            <a:r>
+              <a:rPr lang="en-US" dirty="0" smtClean="0"/>
+              <a:t>default</a:t>
+            </a:r>
+          </a:p>
+          <a:p>
+            <a:r>
+              <a:rPr lang="en-US" dirty="0" smtClean="0"/>
+              <a:t>Can optimize for performance and storage tradeoffs</a:t>
+            </a:r>
+          </a:p>
+          <a:p>
+            <a:r>
+              <a:rPr lang="en-US" dirty="0" smtClean="0"/>
+              <a:t>Index only specific paths in your document</a:t>
+            </a:r>
+          </a:p>
+          <a:p>
+            <a:r>
+              <a:rPr lang="en-US" dirty="0" smtClean="0"/>
+              <a:t>Synchronous indexing at write time by default</a:t>
+            </a:r>
+          </a:p>
+          <a:p>
+            <a:r>
+              <a:rPr lang="en-US" dirty="0" smtClean="0"/>
+              <a:t>Can be Asynchronous for boosted write performance</a:t>
+            </a:r>
+          </a:p>
+          <a:p>
+            <a:pPr lvl="1"/>
+            <a:r>
+              <a:rPr lang="en-US" dirty="0" smtClean="0"/>
+              <a:t>Eventually consistent </a:t>
+            </a:r>
+            <a:endParaRPr lang="en-US" dirty="0"/>
+          </a:p>
+          <a:p>
+            <a:endParaRPr lang="en-US" dirty="0" smtClean="0"/>
+          </a:p>
+          <a:p>
+            <a:pPr marL="0" indent="0">
+              <a:buNone/>
+            </a:pPr>
+            <a:endParaRPr lang="en-US" dirty="0" smtClean="0"/>
+          </a:p>
+        </p:txBody>
+      </p:sp>
+    </p:spTree>
+    <p:extLst>
+      <p:ext uri="{BB962C8B-B14F-4D97-AF65-F5344CB8AC3E}">
+        <p14:creationId xmlns:p14="http://schemas.microsoft.com/office/powerpoint/2010/main" val="3918562735"/>
+      </p:ext>
+    </p:extLst>
+  </p:cSld>
+  <p:clrMapOvr>
+    <a:masterClrMapping/>
+  </p:clrMapOvr>
+  <p:timing>
+    <p:tnLst>
+      <p:par>
+        <p:cTn id="1" dur="indefinite" restart="never" nodeType="tmRoot"/>
+      </p:par>
+    </p:tnLst>
+  </p:timing>
+</p:sld>
+</file>
+
+<file path=ppt/slides/slide13.xml><?xml version="1.0" encoding="utf-8"?>
+<p:sld xmlns:a="http://schemas.openxmlformats.org/drawingml/2006/main" xmlns:r="http://schemas.openxmlformats.org/officeDocument/2006/relationships" xmlns:p="http://schemas.openxmlformats.org/presentationml/2006/main">
+  <p:cSld>
+    <p:spTree>
+      <p:nvGrpSpPr>
+        <p:cNvPr id="1" name=""/>
+        <p:cNvGrpSpPr/>
+        <p:nvPr/>
+      </p:nvGrpSpPr>
+      <p:grpSpPr>
+        <a:xfrm>
+          <a:off x="0" y="0"/>
+          <a:ext cx="0" cy="0"/>
+          <a:chOff x="0" y="0"/>
+          <a:chExt cx="0" cy="0"/>
+        </a:xfrm>
+      </p:grpSpPr>
+      <p:sp>
+        <p:nvSpPr>
+          <p:cNvPr id="2" name="Title 1"/>
+          <p:cNvSpPr>
+            <a:spLocks noGrp="1"/>
+          </p:cNvSpPr>
+          <p:nvPr>
+            <p:ph type="title"/>
+          </p:nvPr>
+        </p:nvSpPr>
+        <p:spPr/>
+        <p:txBody>
+          <a:bodyPr/>
+          <a:lstStyle/>
+          <a:p>
+            <a:r>
+              <a:rPr lang="en-US" dirty="0" smtClean="0"/>
+              <a:t>Document Explorer</a:t>
+            </a:r>
+            <a:endParaRPr lang="en-US" dirty="0"/>
+          </a:p>
+        </p:txBody>
+      </p:sp>
+      <p:pic>
+        <p:nvPicPr>
+          <p:cNvPr id="4" name="Content Placeholder 3"/>
+          <p:cNvPicPr>
+            <a:picLocks noGrp="1" noChangeAspect="1"/>
+          </p:cNvPicPr>
+          <p:nvPr>
+            <p:ph idx="1"/>
+          </p:nvPr>
+        </p:nvPicPr>
+        <p:blipFill>
+          <a:blip r:embed="rId2"/>
+          <a:stretch>
+            <a:fillRect/>
+          </a:stretch>
+        </p:blipFill>
+        <p:spPr>
+          <a:xfrm>
+            <a:off x="6412736" y="136524"/>
+            <a:ext cx="5639563" cy="6753301"/>
+          </a:xfrm>
+          <a:prstGeom prst="rect">
+            <a:avLst/>
+          </a:prstGeom>
+        </p:spPr>
+      </p:pic>
+      <p:sp>
+        <p:nvSpPr>
+          <p:cNvPr id="5" name="Content Placeholder 2"/>
+          <p:cNvSpPr txBox="1">
+            <a:spLocks/>
+          </p:cNvSpPr>
+          <p:nvPr/>
+        </p:nvSpPr>
+        <p:spPr>
+          <a:xfrm>
+            <a:off x="838200" y="1825625"/>
+            <a:ext cx="10515600" cy="4351338"/>
+          </a:xfrm>
+          <a:prstGeom prst="rect">
+            <a:avLst/>
+          </a:prstGeom>
+        </p:spPr>
+        <p:txBody>
+          <a:bodyPr vert="horz" lIns="91440" tIns="45720" rIns="91440" bIns="45720" rtlCol="0">
+            <a:normAutofit/>
+          </a:bodyPr>
+          <a:lstStyle>
+            <a:lvl1pPr marL="228600" indent="-228600" algn="l" defTabSz="914400" rtl="0" eaLnBrk="1" latinLnBrk="0" hangingPunct="1">
+              <a:lnSpc>
+                <a:spcPct val="90000"/>
+              </a:lnSpc>
+              <a:spcBef>
+                <a:spcPts val="1000"/>
+              </a:spcBef>
+              <a:buFont typeface="Arial" panose="020B0604020202020204" pitchFamily="34" charset="0"/>
+              <a:buChar char="•"/>
+              <a:defRPr sz="2800" kern="1200">
+                <a:solidFill>
+                  <a:schemeClr val="tx1"/>
+                </a:solidFill>
+                <a:latin typeface="+mn-lt"/>
+                <a:ea typeface="+mn-ea"/>
+                <a:cs typeface="+mn-cs"/>
+              </a:defRPr>
+            </a:lvl1pPr>
+            <a:lvl2pPr marL="685800" indent="-228600" algn="l" defTabSz="914400" rtl="0" eaLnBrk="1" latinLnBrk="0" hangingPunct="1">
+              <a:lnSpc>
+                <a:spcPct val="90000"/>
+              </a:lnSpc>
+              <a:spcBef>
+                <a:spcPts val="500"/>
+              </a:spcBef>
+              <a:buFont typeface="Arial" panose="020B0604020202020204" pitchFamily="34" charset="0"/>
+              <a:buChar char="•"/>
+              <a:defRPr sz="2400" kern="1200">
+                <a:solidFill>
+                  <a:schemeClr val="tx1"/>
+                </a:solidFill>
+                <a:latin typeface="+mn-lt"/>
+                <a:ea typeface="+mn-ea"/>
+                <a:cs typeface="+mn-cs"/>
+              </a:defRPr>
+            </a:lvl2pPr>
+            <a:lvl3pPr marL="1143000" indent="-228600" algn="l" defTabSz="914400" rtl="0" eaLnBrk="1" latinLnBrk="0" hangingPunct="1">
+              <a:lnSpc>
+                <a:spcPct val="90000"/>
+              </a:lnSpc>
+              <a:spcBef>
+                <a:spcPts val="500"/>
+              </a:spcBef>
+              <a:buFont typeface="Arial" panose="020B0604020202020204" pitchFamily="34" charset="0"/>
+              <a:buChar char="•"/>
+              <a:defRPr sz="2000" kern="1200">
+                <a:solidFill>
+                  <a:schemeClr val="tx1"/>
+                </a:solidFill>
+                <a:latin typeface="+mn-lt"/>
+                <a:ea typeface="+mn-ea"/>
+                <a:cs typeface="+mn-cs"/>
+              </a:defRPr>
+            </a:lvl3pPr>
+            <a:lvl4pPr marL="1600200" indent="-228600" algn="l" defTabSz="914400" rtl="0" eaLnBrk="1" latinLnBrk="0" hangingPunct="1">
+              <a:lnSpc>
+                <a:spcPct val="90000"/>
+              </a:lnSpc>
+              <a:spcBef>
+                <a:spcPts val="500"/>
+              </a:spcBef>
+              <a:buFont typeface="Arial" panose="020B0604020202020204" pitchFamily="34" charset="0"/>
+              <a:buChar char="•"/>
+              <a:defRPr sz="1800" kern="1200">
+                <a:solidFill>
+                  <a:schemeClr val="tx1"/>
+                </a:solidFill>
+                <a:latin typeface="+mn-lt"/>
+                <a:ea typeface="+mn-ea"/>
+                <a:cs typeface="+mn-cs"/>
+              </a:defRPr>
+            </a:lvl4pPr>
+            <a:lvl5pPr marL="2057400" indent="-228600" algn="l" defTabSz="914400" rtl="0" eaLnBrk="1" latinLnBrk="0" hangingPunct="1">
+              <a:lnSpc>
+                <a:spcPct val="90000"/>
+              </a:lnSpc>
+              <a:spcBef>
+                <a:spcPts val="500"/>
+              </a:spcBef>
+              <a:buFont typeface="Arial" panose="020B0604020202020204" pitchFamily="34" charset="0"/>
+              <a:buChar char="•"/>
+              <a:defRPr sz="1800" kern="1200">
+                <a:solidFill>
+                  <a:schemeClr val="tx1"/>
+                </a:solidFill>
+                <a:latin typeface="+mn-lt"/>
+                <a:ea typeface="+mn-ea"/>
+                <a:cs typeface="+mn-cs"/>
+              </a:defRPr>
+            </a:lvl5pPr>
+            <a:lvl6pPr marL="2514600" indent="-228600" algn="l" defTabSz="914400" rtl="0" eaLnBrk="1" latinLnBrk="0" hangingPunct="1">
+              <a:lnSpc>
+                <a:spcPct val="90000"/>
+              </a:lnSpc>
+              <a:spcBef>
+                <a:spcPts val="500"/>
+              </a:spcBef>
+              <a:buFont typeface="Arial" panose="020B0604020202020204" pitchFamily="34" charset="0"/>
+              <a:buChar char="•"/>
+              <a:defRPr sz="1800" kern="1200">
+                <a:solidFill>
+                  <a:schemeClr val="tx1"/>
+                </a:solidFill>
+                <a:latin typeface="+mn-lt"/>
+                <a:ea typeface="+mn-ea"/>
+                <a:cs typeface="+mn-cs"/>
+              </a:defRPr>
+            </a:lvl6pPr>
+            <a:lvl7pPr marL="2971800" indent="-228600" algn="l" defTabSz="914400" rtl="0" eaLnBrk="1" latinLnBrk="0" hangingPunct="1">
+              <a:lnSpc>
+                <a:spcPct val="90000"/>
+              </a:lnSpc>
+              <a:spcBef>
+                <a:spcPts val="500"/>
+              </a:spcBef>
+              <a:buFont typeface="Arial" panose="020B0604020202020204" pitchFamily="34" charset="0"/>
+              <a:buChar char="•"/>
+              <a:defRPr sz="1800" kern="1200">
+                <a:solidFill>
+                  <a:schemeClr val="tx1"/>
+                </a:solidFill>
+                <a:latin typeface="+mn-lt"/>
+                <a:ea typeface="+mn-ea"/>
+                <a:cs typeface="+mn-cs"/>
+              </a:defRPr>
+            </a:lvl7pPr>
+            <a:lvl8pPr marL="3429000" indent="-228600" algn="l" defTabSz="914400" rtl="0" eaLnBrk="1" latinLnBrk="0" hangingPunct="1">
+              <a:lnSpc>
+                <a:spcPct val="90000"/>
+              </a:lnSpc>
+              <a:spcBef>
+                <a:spcPts val="500"/>
+              </a:spcBef>
+              <a:buFont typeface="Arial" panose="020B0604020202020204" pitchFamily="34" charset="0"/>
+              <a:buChar char="•"/>
+              <a:defRPr sz="1800" kern="1200">
+                <a:solidFill>
+                  <a:schemeClr val="tx1"/>
+                </a:solidFill>
+                <a:latin typeface="+mn-lt"/>
+                <a:ea typeface="+mn-ea"/>
+                <a:cs typeface="+mn-cs"/>
+              </a:defRPr>
+            </a:lvl8pPr>
+            <a:lvl9pPr marL="3886200" indent="-228600" algn="l" defTabSz="914400" rtl="0" eaLnBrk="1" latinLnBrk="0" hangingPunct="1">
+              <a:lnSpc>
+                <a:spcPct val="90000"/>
+              </a:lnSpc>
+              <a:spcBef>
+                <a:spcPts val="500"/>
+              </a:spcBef>
+              <a:buFont typeface="Arial" panose="020B0604020202020204" pitchFamily="34" charset="0"/>
+              <a:buChar char="•"/>
+              <a:defRPr sz="1800" kern="1200">
+                <a:solidFill>
+                  <a:schemeClr val="tx1"/>
+                </a:solidFill>
+                <a:latin typeface="+mn-lt"/>
+                <a:ea typeface="+mn-ea"/>
+                <a:cs typeface="+mn-cs"/>
+              </a:defRPr>
+            </a:lvl9pPr>
+          </a:lstStyle>
+          <a:p>
+            <a:r>
+              <a:rPr lang="en-US" dirty="0" smtClean="0"/>
+              <a:t>There is a tool to manage docs</a:t>
+            </a:r>
+          </a:p>
+          <a:p>
+            <a:r>
+              <a:rPr lang="en-US" dirty="0" smtClean="0"/>
+              <a:t>Not terribly useful!</a:t>
+            </a:r>
+          </a:p>
+          <a:p>
+            <a:r>
+              <a:rPr lang="en-US" dirty="0" smtClean="0"/>
+              <a:t>…yet</a:t>
+            </a:r>
+          </a:p>
+          <a:p>
+            <a:endParaRPr lang="en-US" dirty="0" smtClean="0"/>
+          </a:p>
+          <a:p>
+            <a:pPr marL="0" indent="0">
+              <a:buFont typeface="Arial" panose="020B0604020202020204" pitchFamily="34" charset="0"/>
+              <a:buNone/>
+            </a:pPr>
+            <a:endParaRPr lang="en-US" dirty="0" smtClean="0"/>
+          </a:p>
+        </p:txBody>
+      </p:sp>
+    </p:spTree>
+    <p:extLst>
+      <p:ext uri="{BB962C8B-B14F-4D97-AF65-F5344CB8AC3E}">
+        <p14:creationId xmlns:p14="http://schemas.microsoft.com/office/powerpoint/2010/main" val="2037063858"/>
+      </p:ext>
+    </p:extLst>
+  </p:cSld>
+  <p:clrMapOvr>
+    <a:masterClrMapping/>
+  </p:clrMapOvr>
+  <p:timing>
+    <p:tnLst>
+      <p:par>
+        <p:cTn id="1" dur="indefinite" restart="never" nodeType="tmRoot"/>
+      </p:par>
+    </p:tnLst>
+  </p:timing>
+</p:sld>
+</file>
+
+<file path=ppt/slides/slide14.xml><?xml version="1.0" encoding="utf-8"?>
+<p:sld xmlns:a="http://schemas.openxmlformats.org/drawingml/2006/main" xmlns:r="http://schemas.openxmlformats.org/officeDocument/2006/relationships" xmlns:p="http://schemas.openxmlformats.org/presentationml/2006/main">
+  <p:cSld>
+    <p:spTree>
+      <p:nvGrpSpPr>
+        <p:cNvPr id="1" name=""/>
+        <p:cNvGrpSpPr/>
+        <p:nvPr/>
+      </p:nvGrpSpPr>
+      <p:grpSpPr>
+        <a:xfrm>
+          <a:off x="0" y="0"/>
+          <a:ext cx="0" cy="0"/>
+          <a:chOff x="0" y="0"/>
+          <a:chExt cx="0" cy="0"/>
+        </a:xfrm>
+      </p:grpSpPr>
+      <p:sp>
+        <p:nvSpPr>
+          <p:cNvPr id="2" name="Title 1"/>
+          <p:cNvSpPr>
+            <a:spLocks noGrp="1"/>
+          </p:cNvSpPr>
+          <p:nvPr>
+            <p:ph type="title"/>
+          </p:nvPr>
+        </p:nvSpPr>
+        <p:spPr/>
+        <p:txBody>
+          <a:bodyPr/>
+          <a:lstStyle/>
+          <a:p>
+            <a:r>
+              <a:rPr lang="en-US" dirty="0" smtClean="0"/>
+              <a:t>…not yet that useful</a:t>
+            </a:r>
+            <a:endParaRPr lang="en-US" dirty="0"/>
+          </a:p>
+        </p:txBody>
+      </p:sp>
+      <p:pic>
+        <p:nvPicPr>
+          <p:cNvPr id="4" name="Content Placeholder 3"/>
+          <p:cNvPicPr>
+            <a:picLocks noGrp="1" noChangeAspect="1"/>
+          </p:cNvPicPr>
+          <p:nvPr>
+            <p:ph idx="1"/>
+          </p:nvPr>
+        </p:nvPicPr>
+        <p:blipFill>
+          <a:blip r:embed="rId2"/>
+          <a:stretch>
+            <a:fillRect/>
+          </a:stretch>
+        </p:blipFill>
+        <p:spPr>
+          <a:xfrm>
+            <a:off x="8583066" y="161925"/>
+            <a:ext cx="2770734" cy="6577174"/>
+          </a:xfrm>
+          <a:prstGeom prst="rect">
+            <a:avLst/>
+          </a:prstGeom>
+        </p:spPr>
+      </p:pic>
+    </p:spTree>
+    <p:extLst>
+      <p:ext uri="{BB962C8B-B14F-4D97-AF65-F5344CB8AC3E}">
+        <p14:creationId xmlns:p14="http://schemas.microsoft.com/office/powerpoint/2010/main" val="1680596296"/>
+      </p:ext>
+    </p:extLst>
+  </p:cSld>
+  <p:clrMapOvr>
+    <a:masterClrMapping/>
+  </p:clrMapOvr>
+  <p:timing>
+    <p:tnLst>
+      <p:par>
+        <p:cTn id="1" dur="indefinite" restart="never" nodeType="tmRoot"/>
+      </p:par>
+    </p:tnLst>
+  </p:timing>
+</p:sld>
+</file>
+
+<file path=ppt/slides/slide15.xml><?xml version="1.0" encoding="utf-8"?>
+<p:sld xmlns:a="http://schemas.openxmlformats.org/drawingml/2006/main" xmlns:r="http://schemas.openxmlformats.org/officeDocument/2006/relationships" xmlns:p="http://schemas.openxmlformats.org/presentationml/2006/main">
+  <p:cSld>
+    <p:spTree>
+      <p:nvGrpSpPr>
+        <p:cNvPr id="1" name=""/>
+        <p:cNvGrpSpPr/>
+        <p:nvPr/>
+      </p:nvGrpSpPr>
+      <p:grpSpPr>
+        <a:xfrm>
+          <a:off x="0" y="0"/>
+          <a:ext cx="0" cy="0"/>
+          <a:chOff x="0" y="0"/>
+          <a:chExt cx="0" cy="0"/>
+        </a:xfrm>
+      </p:grpSpPr>
+      <p:sp>
+        <p:nvSpPr>
+          <p:cNvPr id="2" name="Title 1"/>
+          <p:cNvSpPr>
+            <a:spLocks noGrp="1"/>
+          </p:cNvSpPr>
+          <p:nvPr>
+            <p:ph type="title"/>
+          </p:nvPr>
+        </p:nvSpPr>
+        <p:spPr/>
+        <p:txBody>
+          <a:bodyPr/>
+          <a:lstStyle/>
+          <a:p>
+            <a:endParaRPr lang="en-US" dirty="0"/>
+          </a:p>
+        </p:txBody>
+      </p:sp>
+      <p:pic>
+        <p:nvPicPr>
+          <p:cNvPr id="4" name="Content Placeholder 3"/>
+          <p:cNvPicPr>
+            <a:picLocks noGrp="1" noChangeAspect="1"/>
+          </p:cNvPicPr>
+          <p:nvPr>
+            <p:ph idx="1"/>
+          </p:nvPr>
+        </p:nvPicPr>
+        <p:blipFill>
+          <a:blip r:embed="rId2"/>
+          <a:stretch>
+            <a:fillRect/>
+          </a:stretch>
+        </p:blipFill>
+        <p:spPr>
+          <a:xfrm>
+            <a:off x="2164846" y="300435"/>
+            <a:ext cx="7461753" cy="6557565"/>
+          </a:xfrm>
+          <a:prstGeom prst="rect">
+            <a:avLst/>
+          </a:prstGeom>
+        </p:spPr>
+      </p:pic>
+    </p:spTree>
+    <p:extLst>
+      <p:ext uri="{BB962C8B-B14F-4D97-AF65-F5344CB8AC3E}">
+        <p14:creationId xmlns:p14="http://schemas.microsoft.com/office/powerpoint/2010/main" val="2846928360"/>
+      </p:ext>
+    </p:extLst>
+  </p:cSld>
+  <p:clrMapOvr>
+    <a:masterClrMapping/>
+  </p:clrMapOvr>
+  <p:timing>
+    <p:tnLst>
+      <p:par>
+        <p:cTn id="1" dur="indefinite" restart="never" nodeType="tmRoot"/>
+      </p:par>
+    </p:tnLst>
+  </p:timing>
+</p:sld>
+</file>
+
+<file path=ppt/slides/slide16.xml><?xml version="1.0" encoding="utf-8"?>
+<p:sld xmlns:a="http://schemas.openxmlformats.org/drawingml/2006/main" xmlns:r="http://schemas.openxmlformats.org/officeDocument/2006/relationships" xmlns:p="http://schemas.openxmlformats.org/presentationml/2006/main">
+  <p:cSld>
+    <p:spTree>
+      <p:nvGrpSpPr>
+        <p:cNvPr id="1" name=""/>
+        <p:cNvGrpSpPr/>
+        <p:nvPr/>
+      </p:nvGrpSpPr>
+      <p:grpSpPr>
+        <a:xfrm>
+          <a:off x="0" y="0"/>
+          <a:ext cx="0" cy="0"/>
+          <a:chOff x="0" y="0"/>
+          <a:chExt cx="0" cy="0"/>
+        </a:xfrm>
+      </p:grpSpPr>
+      <p:sp>
+        <p:nvSpPr>
+          <p:cNvPr id="2" name="Title 1"/>
+          <p:cNvSpPr>
+            <a:spLocks noGrp="1"/>
+          </p:cNvSpPr>
+          <p:nvPr>
+            <p:ph type="title"/>
+          </p:nvPr>
+        </p:nvSpPr>
+        <p:spPr/>
+        <p:txBody>
+          <a:bodyPr/>
+          <a:lstStyle/>
+          <a:p>
+            <a:r>
+              <a:rPr lang="en-US" dirty="0" smtClean="0"/>
+              <a:t>Understanding the </a:t>
+            </a:r>
+            <a:r>
+              <a:rPr lang="en-US" dirty="0" err="1" smtClean="0"/>
+              <a:t>DocumentDB</a:t>
+            </a:r>
+            <a:r>
+              <a:rPr lang="en-US" dirty="0" smtClean="0"/>
+              <a:t> structure</a:t>
+            </a:r>
+            <a:endParaRPr lang="en-US" dirty="0"/>
+          </a:p>
+        </p:txBody>
+      </p:sp>
+      <p:pic>
+        <p:nvPicPr>
+          <p:cNvPr id="5122" name="Picture 2" descr="https://acomdpsstorage.blob.core.windows.net/dpsmedia-prod/azure.microsoft.com/en-us/documentation/articles/documentdb-interactions-with-resources/20140904052621/interactions-with-resources1.png"/>
+          <p:cNvPicPr>
+            <a:picLocks noChangeAspect="1" noChangeArrowheads="1"/>
+          </p:cNvPicPr>
+          <p:nvPr/>
+        </p:nvPicPr>
+        <p:blipFill>
+          <a:blip r:embed="rId3">
+            <a:extLst>
+              <a:ext uri="{28A0092B-C50C-407E-A947-70E740481C1C}">
+                <a14:useLocalDpi xmlns:a14="http://schemas.microsoft.com/office/drawing/2010/main" val="0"/>
+              </a:ext>
+            </a:extLst>
+          </a:blip>
+          <a:srcRect/>
+          <a:stretch>
+            <a:fillRect/>
+          </a:stretch>
+        </p:blipFill>
+        <p:spPr bwMode="auto">
+          <a:xfrm>
+            <a:off x="2381413" y="1437775"/>
+            <a:ext cx="6720177" cy="5345413"/>
+          </a:xfrm>
+          <a:prstGeom prst="rect">
+            <a:avLst/>
+          </a:prstGeom>
+          <a:noFill/>
+          <a:extLst>
+            <a:ext uri="{909E8E84-426E-40DD-AFC4-6F175D3DCCD1}">
+              <a14:hiddenFill xmlns:a14="http://schemas.microsoft.com/office/drawing/2010/main">
+                <a:solidFill>
+                  <a:srgbClr val="FFFFFF"/>
+                </a:solidFill>
+              </a14:hiddenFill>
+            </a:ext>
+          </a:extLst>
+        </p:spPr>
+      </p:pic>
+    </p:spTree>
+    <p:extLst>
+      <p:ext uri="{BB962C8B-B14F-4D97-AF65-F5344CB8AC3E}">
+        <p14:creationId xmlns:p14="http://schemas.microsoft.com/office/powerpoint/2010/main" val="3275448005"/>
+      </p:ext>
+    </p:extLst>
+  </p:cSld>
+  <p:clrMapOvr>
+    <a:masterClrMapping/>
+  </p:clrMapOvr>
+  <p:timing>
+    <p:tnLst>
+      <p:par>
+        <p:cTn id="1" dur="indefinite" restart="never" nodeType="tmRoot"/>
+      </p:par>
+    </p:tnLst>
+  </p:timing>
+</p:sld>
+</file>
+
+<file path=ppt/slides/slide17.xml><?xml version="1.0" encoding="utf-8"?>
+<p:sld xmlns:a="http://schemas.openxmlformats.org/drawingml/2006/main" xmlns:r="http://schemas.openxmlformats.org/officeDocument/2006/relationships" xmlns:p="http://schemas.openxmlformats.org/presentationml/2006/main">
+  <p:cSld>
+    <p:spTree>
+      <p:nvGrpSpPr>
+        <p:cNvPr id="1" name=""/>
+        <p:cNvGrpSpPr/>
+        <p:nvPr/>
+      </p:nvGrpSpPr>
+      <p:grpSpPr>
+        <a:xfrm>
+          <a:off x="0" y="0"/>
+          <a:ext cx="0" cy="0"/>
+          <a:chOff x="0" y="0"/>
+          <a:chExt cx="0" cy="0"/>
+        </a:xfrm>
+      </p:grpSpPr>
+      <p:sp>
+        <p:nvSpPr>
+          <p:cNvPr id="2" name="Title 1"/>
+          <p:cNvSpPr>
+            <a:spLocks noGrp="1"/>
+          </p:cNvSpPr>
+          <p:nvPr>
+            <p:ph type="title"/>
+          </p:nvPr>
+        </p:nvSpPr>
+        <p:spPr/>
+        <p:txBody>
+          <a:bodyPr/>
+          <a:lstStyle/>
+          <a:p>
+            <a:r>
+              <a:rPr lang="en-US" dirty="0" smtClean="0"/>
+              <a:t>Structure: Database</a:t>
+            </a:r>
+            <a:endParaRPr lang="en-US" dirty="0"/>
+          </a:p>
+        </p:txBody>
+      </p:sp>
+      <p:sp>
+        <p:nvSpPr>
+          <p:cNvPr id="3" name="Content Placeholder 2"/>
+          <p:cNvSpPr>
+            <a:spLocks noGrp="1"/>
+          </p:cNvSpPr>
+          <p:nvPr>
+            <p:ph idx="1"/>
+          </p:nvPr>
+        </p:nvSpPr>
+        <p:spPr/>
+        <p:txBody>
+          <a:bodyPr/>
+          <a:lstStyle/>
+          <a:p>
+            <a:r>
+              <a:rPr lang="en-US" dirty="0" smtClean="0"/>
+              <a:t>The container that houses your data</a:t>
+            </a:r>
+          </a:p>
+          <a:p>
+            <a:r>
+              <a:rPr lang="en-US" dirty="0" smtClean="0"/>
+              <a:t>/</a:t>
+            </a:r>
+            <a:r>
+              <a:rPr lang="en-US" dirty="0" err="1" smtClean="0"/>
+              <a:t>db</a:t>
+            </a:r>
+            <a:r>
+              <a:rPr lang="en-US" dirty="0" smtClean="0"/>
+              <a:t>/{id} is not your ID</a:t>
+            </a:r>
+          </a:p>
+          <a:p>
+            <a:pPr lvl="1"/>
+            <a:r>
+              <a:rPr lang="en-US" dirty="0" smtClean="0"/>
+              <a:t>Hash known as a “Self Link”</a:t>
+            </a:r>
+            <a:endParaRPr lang="en-US" dirty="0"/>
+          </a:p>
+        </p:txBody>
+      </p:sp>
+    </p:spTree>
+    <p:extLst>
+      <p:ext uri="{BB962C8B-B14F-4D97-AF65-F5344CB8AC3E}">
+        <p14:creationId xmlns:p14="http://schemas.microsoft.com/office/powerpoint/2010/main" val="3522213352"/>
+      </p:ext>
+    </p:extLst>
+  </p:cSld>
+  <p:clrMapOvr>
+    <a:masterClrMapping/>
+  </p:clrMapOvr>
+  <p:timing>
+    <p:tnLst>
+      <p:par>
+        <p:cTn id="1" dur="indefinite" restart="never" nodeType="tmRoot"/>
+      </p:par>
+    </p:tnLst>
+  </p:timing>
+</p:sld>
+</file>
+
+<file path=ppt/slides/slide18.xml><?xml version="1.0" encoding="utf-8"?>
+<p:sld xmlns:a="http://schemas.openxmlformats.org/drawingml/2006/main" xmlns:r="http://schemas.openxmlformats.org/officeDocument/2006/relationships" xmlns:p="http://schemas.openxmlformats.org/presentationml/2006/main">
+  <p:cSld>
+    <p:spTree>
+      <p:nvGrpSpPr>
+        <p:cNvPr id="1" name=""/>
+        <p:cNvGrpSpPr/>
+        <p:nvPr/>
+      </p:nvGrpSpPr>
+      <p:grpSpPr>
+        <a:xfrm>
+          <a:off x="0" y="0"/>
+          <a:ext cx="0" cy="0"/>
+          <a:chOff x="0" y="0"/>
+          <a:chExt cx="0" cy="0"/>
+        </a:xfrm>
+      </p:grpSpPr>
+      <p:sp>
+        <p:nvSpPr>
+          <p:cNvPr id="2" name="Title 1"/>
+          <p:cNvSpPr>
+            <a:spLocks noGrp="1"/>
+          </p:cNvSpPr>
+          <p:nvPr>
+            <p:ph type="title"/>
+          </p:nvPr>
+        </p:nvSpPr>
+        <p:spPr/>
+        <p:txBody>
+          <a:bodyPr/>
+          <a:lstStyle/>
+          <a:p>
+            <a:r>
+              <a:rPr lang="en-US" dirty="0" smtClean="0"/>
+              <a:t>Structure: Attachment</a:t>
+            </a:r>
+            <a:endParaRPr lang="en-US" dirty="0"/>
+          </a:p>
+        </p:txBody>
+      </p:sp>
+      <p:sp>
+        <p:nvSpPr>
+          <p:cNvPr id="3" name="Content Placeholder 2"/>
+          <p:cNvSpPr>
+            <a:spLocks noGrp="1"/>
+          </p:cNvSpPr>
+          <p:nvPr>
+            <p:ph idx="1"/>
+          </p:nvPr>
+        </p:nvSpPr>
+        <p:spPr/>
+        <p:txBody>
+          <a:bodyPr/>
+          <a:lstStyle/>
+          <a:p>
+            <a:r>
+              <a:rPr lang="en-US" dirty="0" smtClean="0"/>
+              <a:t>Video</a:t>
+            </a:r>
+          </a:p>
+          <a:p>
+            <a:r>
+              <a:rPr lang="en-US" dirty="0" smtClean="0"/>
+              <a:t>Audio</a:t>
+            </a:r>
+          </a:p>
+          <a:p>
+            <a:r>
+              <a:rPr lang="en-US" dirty="0" smtClean="0"/>
+              <a:t>Blob</a:t>
+            </a:r>
+          </a:p>
+          <a:p>
+            <a:r>
+              <a:rPr lang="en-US" dirty="0" smtClean="0"/>
+              <a:t>Etc.</a:t>
+            </a:r>
+          </a:p>
+        </p:txBody>
+      </p:sp>
+    </p:spTree>
+    <p:extLst>
+      <p:ext uri="{BB962C8B-B14F-4D97-AF65-F5344CB8AC3E}">
+        <p14:creationId xmlns:p14="http://schemas.microsoft.com/office/powerpoint/2010/main" val="1698247688"/>
+      </p:ext>
+    </p:extLst>
+  </p:cSld>
+  <p:clrMapOvr>
+    <a:masterClrMapping/>
+  </p:clrMapOvr>
+  <p:timing>
+    <p:tnLst>
+      <p:par>
+        <p:cTn id="1" dur="indefinite" restart="never" nodeType="tmRoot"/>
+      </p:par>
+    </p:tnLst>
+  </p:timing>
+</p:sld>
+</file>
+
+<file path=ppt/slides/slide19.xml><?xml version="1.0" encoding="utf-8"?>
+<p:sld xmlns:a="http://schemas.openxmlformats.org/drawingml/2006/main" xmlns:r="http://schemas.openxmlformats.org/officeDocument/2006/relationships" xmlns:p="http://schemas.openxmlformats.org/presentationml/2006/main">
+  <p:cSld>
+    <p:spTree>
+      <p:nvGrpSpPr>
+        <p:cNvPr id="1" name=""/>
+        <p:cNvGrpSpPr/>
+        <p:nvPr/>
+      </p:nvGrpSpPr>
+      <p:grpSpPr>
+        <a:xfrm>
+          <a:off x="0" y="0"/>
+          <a:ext cx="0" cy="0"/>
+          <a:chOff x="0" y="0"/>
+          <a:chExt cx="0" cy="0"/>
+        </a:xfrm>
+      </p:grpSpPr>
+      <p:sp>
+        <p:nvSpPr>
+          <p:cNvPr id="2" name="Title 1"/>
+          <p:cNvSpPr>
+            <a:spLocks noGrp="1"/>
+          </p:cNvSpPr>
+          <p:nvPr>
+            <p:ph type="title"/>
+          </p:nvPr>
+        </p:nvSpPr>
+        <p:spPr/>
+        <p:txBody>
+          <a:bodyPr/>
+          <a:lstStyle/>
+          <a:p>
+            <a:r>
+              <a:rPr lang="en-US" dirty="0" smtClean="0"/>
+              <a:t>Structure: User</a:t>
+            </a:r>
+            <a:endParaRPr lang="en-US" dirty="0"/>
+          </a:p>
+        </p:txBody>
+      </p:sp>
+      <p:sp>
+        <p:nvSpPr>
+          <p:cNvPr id="3" name="Content Placeholder 2"/>
+          <p:cNvSpPr>
+            <a:spLocks noGrp="1"/>
+          </p:cNvSpPr>
+          <p:nvPr>
+            <p:ph idx="1"/>
+          </p:nvPr>
+        </p:nvSpPr>
+        <p:spPr/>
+        <p:txBody>
+          <a:bodyPr/>
+          <a:lstStyle/>
+          <a:p>
+            <a:r>
+              <a:rPr lang="en-US" dirty="0" smtClean="0"/>
+              <a:t>Invite in an existing azure account</a:t>
+            </a:r>
+          </a:p>
+          <a:p>
+            <a:r>
+              <a:rPr lang="en-US" dirty="0" smtClean="0"/>
+              <a:t>Allows you to set permissions on each concept of </a:t>
+            </a:r>
+            <a:r>
+              <a:rPr lang="en-US" dirty="0" err="1" smtClean="0"/>
+              <a:t>db</a:t>
+            </a:r>
+            <a:endParaRPr lang="en-US" dirty="0"/>
+          </a:p>
+        </p:txBody>
+      </p:sp>
+    </p:spTree>
+    <p:extLst>
+      <p:ext uri="{BB962C8B-B14F-4D97-AF65-F5344CB8AC3E}">
+        <p14:creationId xmlns:p14="http://schemas.microsoft.com/office/powerpoint/2010/main" val="2646894778"/>
+      </p:ext>
+    </p:extLst>
+  </p:cSld>
+  <p:clrMapOvr>
+    <a:masterClrMapping/>
+  </p:clrMapOvr>
+  <p:timing>
+    <p:tnLst>
+      <p:par>
+        <p:cTn id="1" dur="indefinite" restart="never" nodeType="tmRoot"/>
+      </p:par>
+    </p:tnLst>
+  </p:timing>
+</p:sld>
+</file>
+
+<file path=ppt/slides/slide2.xml><?xml version="1.0" encoding="utf-8"?>
+<p:sld xmlns:a="http://schemas.openxmlformats.org/drawingml/2006/main" xmlns:r="http://schemas.openxmlformats.org/officeDocument/2006/relationships" xmlns:p="http://schemas.openxmlformats.org/presentationml/2006/main">
+  <p:cSld>
+    <p:spTree>
+      <p:nvGrpSpPr>
+        <p:cNvPr id="1" name=""/>
+        <p:cNvGrpSpPr/>
+        <p:nvPr/>
+      </p:nvGrpSpPr>
+      <p:grpSpPr>
+        <a:xfrm>
+          <a:off x="0" y="0"/>
+          <a:ext cx="0" cy="0"/>
+          <a:chOff x="0" y="0"/>
+          <a:chExt cx="0" cy="0"/>
+        </a:xfrm>
+      </p:grpSpPr>
+      <p:sp>
+        <p:nvSpPr>
           <p:cNvPr id="3" name="Subtitle 2"/>
           <p:cNvSpPr>
             <a:spLocks noGrp="1"/>
@@ -4101,15 +6233,7 @@
               <a:srgbClr val="FFFFFF"/>
             </a:contourClr>
           </a:sp3d>
-          <a:extLst>
-            <a:ext uri="{909E8E84-426E-40DD-AFC4-6F175D3DCCD1}">
-              <a14:hiddenFill xmlns:a14="http://schemas.microsoft.com/office/drawing/2010/main">
-                <a:solidFill>
-                  <a:srgbClr val="FFFFFF"/>
-                </a:solidFill>
-              </a14:hiddenFill>
-            </a:ext>
-          </a:extLst>
+          <a:extLst/>
         </p:spPr>
       </p:pic>
       <p:sp>
@@ -4162,7 +6286,7 @@
 </p:sld>
 </file>
 
-<file path=ppt/slides/slide10.xml><?xml version="1.0" encoding="utf-8"?>
+<file path=ppt/slides/slide20.xml><?xml version="1.0" encoding="utf-8"?>
 <p:sld xmlns:a="http://schemas.openxmlformats.org/drawingml/2006/main" xmlns:r="http://schemas.openxmlformats.org/officeDocument/2006/relationships" xmlns:p="http://schemas.openxmlformats.org/presentationml/2006/main">
   <p:cSld>
     <p:spTree>
@@ -4196,6 +6320,3494 @@
           <a:p>
             <a:r>
               <a:rPr lang="en-US" dirty="0" smtClean="0"/>
+              <a:t>Structure: Permission</a:t>
+            </a:r>
+            <a:endParaRPr lang="en-US" dirty="0"/>
+          </a:p>
+        </p:txBody>
+      </p:sp>
+      <p:sp>
+        <p:nvSpPr>
+          <p:cNvPr id="3" name="Content Placeholder 2"/>
+          <p:cNvSpPr>
+            <a:spLocks noGrp="1"/>
+          </p:cNvSpPr>
+          <p:nvPr>
+            <p:ph idx="1"/>
+          </p:nvPr>
+        </p:nvSpPr>
+        <p:spPr/>
+        <p:txBody>
+          <a:bodyPr/>
+          <a:lstStyle/>
+          <a:p>
+            <a:r>
+              <a:rPr lang="en-US" dirty="0" smtClean="0"/>
+              <a:t>Authorization token</a:t>
+            </a:r>
+          </a:p>
+          <a:p>
+            <a:r>
+              <a:rPr lang="en-US" dirty="0" smtClean="0"/>
+              <a:t>Associated with a user</a:t>
+            </a:r>
+          </a:p>
+          <a:p>
+            <a:r>
+              <a:rPr lang="en-US" dirty="0" smtClean="0"/>
+              <a:t>Grants access to a given resource</a:t>
+            </a:r>
+            <a:endParaRPr lang="en-US" dirty="0"/>
+          </a:p>
+        </p:txBody>
+      </p:sp>
+    </p:spTree>
+    <p:extLst>
+      <p:ext uri="{BB962C8B-B14F-4D97-AF65-F5344CB8AC3E}">
+        <p14:creationId xmlns:p14="http://schemas.microsoft.com/office/powerpoint/2010/main" val="1683640550"/>
+      </p:ext>
+    </p:extLst>
+  </p:cSld>
+  <p:clrMapOvr>
+    <a:masterClrMapping/>
+  </p:clrMapOvr>
+  <p:timing>
+    <p:tnLst>
+      <p:par>
+        <p:cTn id="1" dur="indefinite" restart="never" nodeType="tmRoot"/>
+      </p:par>
+    </p:tnLst>
+  </p:timing>
+</p:sld>
+</file>
+
+<file path=ppt/slides/slide21.xml><?xml version="1.0" encoding="utf-8"?>
+<p:sld xmlns:a="http://schemas.openxmlformats.org/drawingml/2006/main" xmlns:r="http://schemas.openxmlformats.org/officeDocument/2006/relationships" xmlns:p="http://schemas.openxmlformats.org/presentationml/2006/main">
+  <p:cSld>
+    <p:spTree>
+      <p:nvGrpSpPr>
+        <p:cNvPr id="1" name=""/>
+        <p:cNvGrpSpPr/>
+        <p:nvPr/>
+      </p:nvGrpSpPr>
+      <p:grpSpPr>
+        <a:xfrm>
+          <a:off x="0" y="0"/>
+          <a:ext cx="0" cy="0"/>
+          <a:chOff x="0" y="0"/>
+          <a:chExt cx="0" cy="0"/>
+        </a:xfrm>
+      </p:grpSpPr>
+      <p:sp>
+        <p:nvSpPr>
+          <p:cNvPr id="2" name="Title 1"/>
+          <p:cNvSpPr>
+            <a:spLocks noGrp="1"/>
+          </p:cNvSpPr>
+          <p:nvPr>
+            <p:ph type="title"/>
+          </p:nvPr>
+        </p:nvSpPr>
+        <p:spPr/>
+        <p:txBody>
+          <a:bodyPr/>
+          <a:lstStyle/>
+          <a:p>
+            <a:r>
+              <a:rPr lang="en-US" dirty="0" smtClean="0"/>
+              <a:t>Structure: Collection</a:t>
+            </a:r>
+            <a:endParaRPr lang="en-US" dirty="0"/>
+          </a:p>
+        </p:txBody>
+      </p:sp>
+      <p:sp>
+        <p:nvSpPr>
+          <p:cNvPr id="3" name="Content Placeholder 2"/>
+          <p:cNvSpPr>
+            <a:spLocks noGrp="1"/>
+          </p:cNvSpPr>
+          <p:nvPr>
+            <p:ph idx="1"/>
+          </p:nvPr>
+        </p:nvSpPr>
+        <p:spPr/>
+        <p:txBody>
+          <a:bodyPr/>
+          <a:lstStyle/>
+          <a:p>
+            <a:r>
+              <a:rPr lang="en-US" dirty="0" smtClean="0"/>
+              <a:t>Most like a “table”</a:t>
+            </a:r>
+          </a:p>
+          <a:p>
+            <a:r>
+              <a:rPr lang="en-US" dirty="0" smtClean="0"/>
+              <a:t>Structure is not defined</a:t>
+            </a:r>
+          </a:p>
+          <a:p>
+            <a:r>
+              <a:rPr lang="en-US" dirty="0" smtClean="0"/>
+              <a:t>Dynamic shapes based on what you put in it</a:t>
+            </a:r>
+            <a:endParaRPr lang="en-US" dirty="0"/>
+          </a:p>
+        </p:txBody>
+      </p:sp>
+    </p:spTree>
+    <p:extLst>
+      <p:ext uri="{BB962C8B-B14F-4D97-AF65-F5344CB8AC3E}">
+        <p14:creationId xmlns:p14="http://schemas.microsoft.com/office/powerpoint/2010/main" val="3124898913"/>
+      </p:ext>
+    </p:extLst>
+  </p:cSld>
+  <p:clrMapOvr>
+    <a:masterClrMapping/>
+  </p:clrMapOvr>
+  <p:timing>
+    <p:tnLst>
+      <p:par>
+        <p:cTn id="1" dur="indefinite" restart="never" nodeType="tmRoot"/>
+      </p:par>
+    </p:tnLst>
+  </p:timing>
+</p:sld>
+</file>
+
+<file path=ppt/slides/slide22.xml><?xml version="1.0" encoding="utf-8"?>
+<p:sld xmlns:a="http://schemas.openxmlformats.org/drawingml/2006/main" xmlns:r="http://schemas.openxmlformats.org/officeDocument/2006/relationships" xmlns:p="http://schemas.openxmlformats.org/presentationml/2006/main">
+  <p:cSld>
+    <p:spTree>
+      <p:nvGrpSpPr>
+        <p:cNvPr id="1" name=""/>
+        <p:cNvGrpSpPr/>
+        <p:nvPr/>
+      </p:nvGrpSpPr>
+      <p:grpSpPr>
+        <a:xfrm>
+          <a:off x="0" y="0"/>
+          <a:ext cx="0" cy="0"/>
+          <a:chOff x="0" y="0"/>
+          <a:chExt cx="0" cy="0"/>
+        </a:xfrm>
+      </p:grpSpPr>
+      <p:sp>
+        <p:nvSpPr>
+          <p:cNvPr id="2" name="Title 1"/>
+          <p:cNvSpPr>
+            <a:spLocks noGrp="1"/>
+          </p:cNvSpPr>
+          <p:nvPr>
+            <p:ph type="title"/>
+          </p:nvPr>
+        </p:nvSpPr>
+        <p:spPr/>
+        <p:txBody>
+          <a:bodyPr/>
+          <a:lstStyle/>
+          <a:p>
+            <a:r>
+              <a:rPr lang="en-US" dirty="0" smtClean="0"/>
+              <a:t>Structure: Document</a:t>
+            </a:r>
+            <a:endParaRPr lang="en-US" dirty="0"/>
+          </a:p>
+        </p:txBody>
+      </p:sp>
+      <p:sp>
+        <p:nvSpPr>
+          <p:cNvPr id="3" name="Content Placeholder 2"/>
+          <p:cNvSpPr>
+            <a:spLocks noGrp="1"/>
+          </p:cNvSpPr>
+          <p:nvPr>
+            <p:ph idx="1"/>
+          </p:nvPr>
+        </p:nvSpPr>
+        <p:spPr/>
+        <p:txBody>
+          <a:bodyPr/>
+          <a:lstStyle/>
+          <a:p>
+            <a:r>
+              <a:rPr lang="en-US" dirty="0" smtClean="0"/>
+              <a:t>A blob of JSON representing your data</a:t>
+            </a:r>
+          </a:p>
+          <a:p>
+            <a:r>
+              <a:rPr lang="en-US" dirty="0" smtClean="0"/>
+              <a:t>Can be a deeply nested shape</a:t>
+            </a:r>
+          </a:p>
+          <a:p>
+            <a:r>
+              <a:rPr lang="en-US" dirty="0" smtClean="0"/>
+              <a:t>No specialty types </a:t>
+            </a:r>
+          </a:p>
+          <a:p>
+            <a:r>
+              <a:rPr lang="en-US" dirty="0" smtClean="0"/>
+              <a:t>No specific encoding types</a:t>
+            </a:r>
+            <a:endParaRPr lang="en-US" dirty="0"/>
+          </a:p>
+        </p:txBody>
+      </p:sp>
+    </p:spTree>
+    <p:extLst>
+      <p:ext uri="{BB962C8B-B14F-4D97-AF65-F5344CB8AC3E}">
+        <p14:creationId xmlns:p14="http://schemas.microsoft.com/office/powerpoint/2010/main" val="3445843548"/>
+      </p:ext>
+    </p:extLst>
+  </p:cSld>
+  <p:clrMapOvr>
+    <a:masterClrMapping/>
+  </p:clrMapOvr>
+  <p:timing>
+    <p:tnLst>
+      <p:par>
+        <p:cTn id="1" dur="indefinite" restart="never" nodeType="tmRoot"/>
+      </p:par>
+    </p:tnLst>
+  </p:timing>
+</p:sld>
+</file>
+
+<file path=ppt/slides/slide23.xml><?xml version="1.0" encoding="utf-8"?>
+<p:sld xmlns:a="http://schemas.openxmlformats.org/drawingml/2006/main" xmlns:r="http://schemas.openxmlformats.org/officeDocument/2006/relationships" xmlns:p="http://schemas.openxmlformats.org/presentationml/2006/main">
+  <p:cSld>
+    <p:spTree>
+      <p:nvGrpSpPr>
+        <p:cNvPr id="1" name=""/>
+        <p:cNvGrpSpPr/>
+        <p:nvPr/>
+      </p:nvGrpSpPr>
+      <p:grpSpPr>
+        <a:xfrm>
+          <a:off x="0" y="0"/>
+          <a:ext cx="0" cy="0"/>
+          <a:chOff x="0" y="0"/>
+          <a:chExt cx="0" cy="0"/>
+        </a:xfrm>
+      </p:grpSpPr>
+      <p:sp>
+        <p:nvSpPr>
+          <p:cNvPr id="2" name="Title 1"/>
+          <p:cNvSpPr>
+            <a:spLocks noGrp="1"/>
+          </p:cNvSpPr>
+          <p:nvPr>
+            <p:ph type="title"/>
+          </p:nvPr>
+        </p:nvSpPr>
+        <p:spPr/>
+        <p:txBody>
+          <a:bodyPr/>
+          <a:lstStyle/>
+          <a:p>
+            <a:r>
+              <a:rPr lang="en-US" dirty="0" smtClean="0"/>
+              <a:t>Structure: Attachment</a:t>
+            </a:r>
+            <a:endParaRPr lang="en-US" dirty="0"/>
+          </a:p>
+        </p:txBody>
+      </p:sp>
+      <p:sp>
+        <p:nvSpPr>
+          <p:cNvPr id="3" name="Content Placeholder 2"/>
+          <p:cNvSpPr>
+            <a:spLocks noGrp="1"/>
+          </p:cNvSpPr>
+          <p:nvPr>
+            <p:ph idx="1"/>
+          </p:nvPr>
+        </p:nvSpPr>
+        <p:spPr/>
+        <p:txBody>
+          <a:bodyPr/>
+          <a:lstStyle/>
+          <a:p>
+            <a:r>
+              <a:rPr lang="en-US" dirty="0" smtClean="0"/>
+              <a:t>Think media – at the document level!</a:t>
+            </a:r>
+            <a:endParaRPr lang="en-US" dirty="0"/>
+          </a:p>
+        </p:txBody>
+      </p:sp>
+    </p:spTree>
+    <p:extLst>
+      <p:ext uri="{BB962C8B-B14F-4D97-AF65-F5344CB8AC3E}">
+        <p14:creationId xmlns:p14="http://schemas.microsoft.com/office/powerpoint/2010/main" val="1379401921"/>
+      </p:ext>
+    </p:extLst>
+  </p:cSld>
+  <p:clrMapOvr>
+    <a:masterClrMapping/>
+  </p:clrMapOvr>
+  <p:timing>
+    <p:tnLst>
+      <p:par>
+        <p:cTn id="1" dur="indefinite" restart="never" nodeType="tmRoot"/>
+      </p:par>
+    </p:tnLst>
+  </p:timing>
+</p:sld>
+</file>
+
+<file path=ppt/slides/slide24.xml><?xml version="1.0" encoding="utf-8"?>
+<p:sld xmlns:a="http://schemas.openxmlformats.org/drawingml/2006/main" xmlns:r="http://schemas.openxmlformats.org/officeDocument/2006/relationships" xmlns:p="http://schemas.openxmlformats.org/presentationml/2006/main">
+  <p:cSld>
+    <p:spTree>
+      <p:nvGrpSpPr>
+        <p:cNvPr id="1" name=""/>
+        <p:cNvGrpSpPr/>
+        <p:nvPr/>
+      </p:nvGrpSpPr>
+      <p:grpSpPr>
+        <a:xfrm>
+          <a:off x="0" y="0"/>
+          <a:ext cx="0" cy="0"/>
+          <a:chOff x="0" y="0"/>
+          <a:chExt cx="0" cy="0"/>
+        </a:xfrm>
+      </p:grpSpPr>
+      <p:sp>
+        <p:nvSpPr>
+          <p:cNvPr id="2" name="Title 1"/>
+          <p:cNvSpPr>
+            <a:spLocks noGrp="1"/>
+          </p:cNvSpPr>
+          <p:nvPr>
+            <p:ph type="title"/>
+          </p:nvPr>
+        </p:nvSpPr>
+        <p:spPr/>
+        <p:txBody>
+          <a:bodyPr/>
+          <a:lstStyle/>
+          <a:p>
+            <a:r>
+              <a:rPr lang="en-US" dirty="0" smtClean="0"/>
+              <a:t>Structure: Stored Procedure</a:t>
+            </a:r>
+            <a:endParaRPr lang="en-US" dirty="0"/>
+          </a:p>
+        </p:txBody>
+      </p:sp>
+      <p:sp>
+        <p:nvSpPr>
+          <p:cNvPr id="3" name="Content Placeholder 2"/>
+          <p:cNvSpPr>
+            <a:spLocks noGrp="1"/>
+          </p:cNvSpPr>
+          <p:nvPr>
+            <p:ph idx="1"/>
+          </p:nvPr>
+        </p:nvSpPr>
+        <p:spPr/>
+        <p:txBody>
+          <a:bodyPr/>
+          <a:lstStyle/>
+          <a:p>
+            <a:r>
+              <a:rPr lang="en-US" dirty="0" smtClean="0"/>
+              <a:t>Written in </a:t>
+            </a:r>
+            <a:r>
+              <a:rPr lang="en-US" dirty="0" err="1" smtClean="0"/>
+              <a:t>javascript</a:t>
+            </a:r>
+            <a:r>
+              <a:rPr lang="en-US" dirty="0" smtClean="0"/>
+              <a:t>!</a:t>
+            </a:r>
+          </a:p>
+          <a:p>
+            <a:r>
+              <a:rPr lang="en-US" dirty="0" smtClean="0"/>
+              <a:t>Is transactional</a:t>
+            </a:r>
+          </a:p>
+          <a:p>
+            <a:r>
+              <a:rPr lang="en-US" dirty="0" smtClean="0"/>
+              <a:t>Executed by the database engine</a:t>
+            </a:r>
+          </a:p>
+          <a:p>
+            <a:r>
+              <a:rPr lang="en-US" dirty="0" smtClean="0"/>
+              <a:t>Can live in the store</a:t>
+            </a:r>
+          </a:p>
+          <a:p>
+            <a:r>
+              <a:rPr lang="en-US" dirty="0" smtClean="0"/>
+              <a:t>Can be sent over the wire</a:t>
+            </a:r>
+            <a:endParaRPr lang="en-US" dirty="0"/>
+          </a:p>
+        </p:txBody>
+      </p:sp>
+    </p:spTree>
+    <p:extLst>
+      <p:ext uri="{BB962C8B-B14F-4D97-AF65-F5344CB8AC3E}">
+        <p14:creationId xmlns:p14="http://schemas.microsoft.com/office/powerpoint/2010/main" val="990336292"/>
+      </p:ext>
+    </p:extLst>
+  </p:cSld>
+  <p:clrMapOvr>
+    <a:masterClrMapping/>
+  </p:clrMapOvr>
+  <p:timing>
+    <p:tnLst>
+      <p:par>
+        <p:cTn id="1" dur="indefinite" restart="never" nodeType="tmRoot"/>
+      </p:par>
+    </p:tnLst>
+  </p:timing>
+</p:sld>
+</file>
+
+<file path=ppt/slides/slide25.xml><?xml version="1.0" encoding="utf-8"?>
+<p:sld xmlns:a="http://schemas.openxmlformats.org/drawingml/2006/main" xmlns:r="http://schemas.openxmlformats.org/officeDocument/2006/relationships" xmlns:p="http://schemas.openxmlformats.org/presentationml/2006/main">
+  <p:cSld>
+    <p:spTree>
+      <p:nvGrpSpPr>
+        <p:cNvPr id="1" name=""/>
+        <p:cNvGrpSpPr/>
+        <p:nvPr/>
+      </p:nvGrpSpPr>
+      <p:grpSpPr>
+        <a:xfrm>
+          <a:off x="0" y="0"/>
+          <a:ext cx="0" cy="0"/>
+          <a:chOff x="0" y="0"/>
+          <a:chExt cx="0" cy="0"/>
+        </a:xfrm>
+      </p:grpSpPr>
+      <p:pic>
+        <p:nvPicPr>
+          <p:cNvPr id="5" name="Content Placeholder 4"/>
+          <p:cNvPicPr>
+            <a:picLocks noGrp="1" noChangeAspect="1"/>
+          </p:cNvPicPr>
+          <p:nvPr>
+            <p:ph idx="1"/>
+          </p:nvPr>
+        </p:nvPicPr>
+        <p:blipFill>
+          <a:blip r:embed="rId2"/>
+          <a:stretch>
+            <a:fillRect/>
+          </a:stretch>
+        </p:blipFill>
+        <p:spPr>
+          <a:xfrm>
+            <a:off x="1689100" y="202450"/>
+            <a:ext cx="7720859" cy="6655550"/>
+          </a:xfrm>
+          <a:prstGeom prst="rect">
+            <a:avLst/>
+          </a:prstGeom>
+        </p:spPr>
+      </p:pic>
+      <p:sp>
+        <p:nvSpPr>
+          <p:cNvPr id="2" name="Title 1"/>
+          <p:cNvSpPr>
+            <a:spLocks noGrp="1"/>
+          </p:cNvSpPr>
+          <p:nvPr>
+            <p:ph type="title"/>
+          </p:nvPr>
+        </p:nvSpPr>
+        <p:spPr/>
+        <p:txBody>
+          <a:bodyPr/>
+          <a:lstStyle/>
+          <a:p>
+            <a:endParaRPr lang="en-US" dirty="0"/>
+          </a:p>
+        </p:txBody>
+      </p:sp>
+    </p:spTree>
+    <p:extLst>
+      <p:ext uri="{BB962C8B-B14F-4D97-AF65-F5344CB8AC3E}">
+        <p14:creationId xmlns:p14="http://schemas.microsoft.com/office/powerpoint/2010/main" val="4110805229"/>
+      </p:ext>
+    </p:extLst>
+  </p:cSld>
+  <p:clrMapOvr>
+    <a:masterClrMapping/>
+  </p:clrMapOvr>
+  <p:timing>
+    <p:tnLst>
+      <p:par>
+        <p:cTn id="1" dur="indefinite" restart="never" nodeType="tmRoot"/>
+      </p:par>
+    </p:tnLst>
+  </p:timing>
+</p:sld>
+</file>
+
+<file path=ppt/slides/slide26.xml><?xml version="1.0" encoding="utf-8"?>
+<p:sld xmlns:a="http://schemas.openxmlformats.org/drawingml/2006/main" xmlns:r="http://schemas.openxmlformats.org/officeDocument/2006/relationships" xmlns:p="http://schemas.openxmlformats.org/presentationml/2006/main">
+  <p:cSld>
+    <p:spTree>
+      <p:nvGrpSpPr>
+        <p:cNvPr id="1" name=""/>
+        <p:cNvGrpSpPr/>
+        <p:nvPr/>
+      </p:nvGrpSpPr>
+      <p:grpSpPr>
+        <a:xfrm>
+          <a:off x="0" y="0"/>
+          <a:ext cx="0" cy="0"/>
+          <a:chOff x="0" y="0"/>
+          <a:chExt cx="0" cy="0"/>
+        </a:xfrm>
+      </p:grpSpPr>
+      <p:sp>
+        <p:nvSpPr>
+          <p:cNvPr id="2" name="Title 1"/>
+          <p:cNvSpPr>
+            <a:spLocks noGrp="1"/>
+          </p:cNvSpPr>
+          <p:nvPr>
+            <p:ph type="title"/>
+          </p:nvPr>
+        </p:nvSpPr>
+        <p:spPr/>
+        <p:txBody>
+          <a:bodyPr/>
+          <a:lstStyle/>
+          <a:p>
+            <a:r>
+              <a:rPr lang="en-US" dirty="0" smtClean="0"/>
+              <a:t>Structure: Triggers</a:t>
+            </a:r>
+            <a:endParaRPr lang="en-US" dirty="0"/>
+          </a:p>
+        </p:txBody>
+      </p:sp>
+      <p:sp>
+        <p:nvSpPr>
+          <p:cNvPr id="3" name="Content Placeholder 2"/>
+          <p:cNvSpPr>
+            <a:spLocks noGrp="1"/>
+          </p:cNvSpPr>
+          <p:nvPr>
+            <p:ph idx="1"/>
+          </p:nvPr>
+        </p:nvSpPr>
+        <p:spPr/>
+        <p:txBody>
+          <a:bodyPr/>
+          <a:lstStyle/>
+          <a:p>
+            <a:r>
+              <a:rPr lang="en-US" dirty="0" smtClean="0"/>
+              <a:t>Can be Pre or Post (before or after)</a:t>
+            </a:r>
+          </a:p>
+          <a:p>
+            <a:r>
+              <a:rPr lang="en-US" dirty="0" smtClean="0"/>
+              <a:t>Can operate on the following actions</a:t>
+            </a:r>
+          </a:p>
+          <a:p>
+            <a:pPr lvl="1"/>
+            <a:r>
+              <a:rPr lang="en-US" dirty="0" smtClean="0"/>
+              <a:t>Create</a:t>
+            </a:r>
+          </a:p>
+          <a:p>
+            <a:pPr lvl="1"/>
+            <a:r>
+              <a:rPr lang="en-US" dirty="0" smtClean="0"/>
+              <a:t>Replace</a:t>
+            </a:r>
+          </a:p>
+          <a:p>
+            <a:pPr lvl="1"/>
+            <a:r>
+              <a:rPr lang="en-US" dirty="0" smtClean="0"/>
+              <a:t>Delete</a:t>
+            </a:r>
+          </a:p>
+          <a:p>
+            <a:pPr lvl="1"/>
+            <a:r>
+              <a:rPr lang="en-US" dirty="0" smtClean="0"/>
+              <a:t>All</a:t>
+            </a:r>
+          </a:p>
+          <a:p>
+            <a:r>
+              <a:rPr lang="en-US" dirty="0" smtClean="0"/>
+              <a:t>Also written in </a:t>
+            </a:r>
+            <a:r>
+              <a:rPr lang="en-US" dirty="0" err="1" smtClean="0"/>
+              <a:t>javascript</a:t>
+            </a:r>
+            <a:r>
+              <a:rPr lang="en-US" dirty="0" smtClean="0"/>
+              <a:t>!</a:t>
+            </a:r>
+            <a:endParaRPr lang="en-US" dirty="0"/>
+          </a:p>
+        </p:txBody>
+      </p:sp>
+    </p:spTree>
+    <p:extLst>
+      <p:ext uri="{BB962C8B-B14F-4D97-AF65-F5344CB8AC3E}">
+        <p14:creationId xmlns:p14="http://schemas.microsoft.com/office/powerpoint/2010/main" val="3465895868"/>
+      </p:ext>
+    </p:extLst>
+  </p:cSld>
+  <p:clrMapOvr>
+    <a:masterClrMapping/>
+  </p:clrMapOvr>
+  <p:timing>
+    <p:tnLst>
+      <p:par>
+        <p:cTn id="1" dur="indefinite" restart="never" nodeType="tmRoot"/>
+      </p:par>
+    </p:tnLst>
+  </p:timing>
+</p:sld>
+</file>
+
+<file path=ppt/slides/slide27.xml><?xml version="1.0" encoding="utf-8"?>
+<p:sld xmlns:a="http://schemas.openxmlformats.org/drawingml/2006/main" xmlns:r="http://schemas.openxmlformats.org/officeDocument/2006/relationships" xmlns:p="http://schemas.openxmlformats.org/presentationml/2006/main">
+  <p:cSld>
+    <p:spTree>
+      <p:nvGrpSpPr>
+        <p:cNvPr id="1" name=""/>
+        <p:cNvGrpSpPr/>
+        <p:nvPr/>
+      </p:nvGrpSpPr>
+      <p:grpSpPr>
+        <a:xfrm>
+          <a:off x="0" y="0"/>
+          <a:ext cx="0" cy="0"/>
+          <a:chOff x="0" y="0"/>
+          <a:chExt cx="0" cy="0"/>
+        </a:xfrm>
+      </p:grpSpPr>
+      <p:sp>
+        <p:nvSpPr>
+          <p:cNvPr id="2" name="Title 1"/>
+          <p:cNvSpPr>
+            <a:spLocks noGrp="1"/>
+          </p:cNvSpPr>
+          <p:nvPr>
+            <p:ph type="title"/>
+          </p:nvPr>
+        </p:nvSpPr>
+        <p:spPr/>
+        <p:txBody>
+          <a:bodyPr/>
+          <a:lstStyle/>
+          <a:p>
+            <a:r>
+              <a:rPr lang="en-US" dirty="0" smtClean="0"/>
+              <a:t>Structure: UDF</a:t>
+            </a:r>
+            <a:endParaRPr lang="en-US" dirty="0"/>
+          </a:p>
+        </p:txBody>
+      </p:sp>
+      <p:sp>
+        <p:nvSpPr>
+          <p:cNvPr id="3" name="Content Placeholder 2"/>
+          <p:cNvSpPr>
+            <a:spLocks noGrp="1"/>
+          </p:cNvSpPr>
+          <p:nvPr>
+            <p:ph idx="1"/>
+          </p:nvPr>
+        </p:nvSpPr>
+        <p:spPr/>
+        <p:txBody>
+          <a:bodyPr/>
+          <a:lstStyle/>
+          <a:p>
+            <a:r>
+              <a:rPr lang="en-US" dirty="0" smtClean="0"/>
+              <a:t>Can only be ran on a query</a:t>
+            </a:r>
+          </a:p>
+          <a:p>
+            <a:r>
+              <a:rPr lang="en-US" dirty="0" smtClean="0"/>
+              <a:t>Modifies the result of a given query</a:t>
+            </a:r>
+          </a:p>
+          <a:p>
+            <a:r>
+              <a:rPr lang="en-US" dirty="0" err="1" smtClean="0"/>
+              <a:t>mathSqrt</a:t>
+            </a:r>
+            <a:r>
+              <a:rPr lang="en-US" dirty="0" smtClean="0"/>
+              <a:t>()</a:t>
+            </a:r>
+          </a:p>
+          <a:p>
+            <a:endParaRPr lang="en-US" dirty="0"/>
+          </a:p>
+        </p:txBody>
+      </p:sp>
+      <p:pic>
+        <p:nvPicPr>
+          <p:cNvPr id="4" name="Picture 3"/>
+          <p:cNvPicPr>
+            <a:picLocks noChangeAspect="1"/>
+          </p:cNvPicPr>
+          <p:nvPr/>
+        </p:nvPicPr>
+        <p:blipFill>
+          <a:blip r:embed="rId2"/>
+          <a:stretch>
+            <a:fillRect/>
+          </a:stretch>
+        </p:blipFill>
+        <p:spPr>
+          <a:xfrm>
+            <a:off x="934414" y="3459161"/>
+            <a:ext cx="10419385" cy="2179123"/>
+          </a:xfrm>
+          <a:prstGeom prst="rect">
+            <a:avLst/>
+          </a:prstGeom>
+        </p:spPr>
+      </p:pic>
+    </p:spTree>
+    <p:extLst>
+      <p:ext uri="{BB962C8B-B14F-4D97-AF65-F5344CB8AC3E}">
+        <p14:creationId xmlns:p14="http://schemas.microsoft.com/office/powerpoint/2010/main" val="3882897210"/>
+      </p:ext>
+    </p:extLst>
+  </p:cSld>
+  <p:clrMapOvr>
+    <a:masterClrMapping/>
+  </p:clrMapOvr>
+  <p:timing>
+    <p:tnLst>
+      <p:par>
+        <p:cTn id="1" dur="indefinite" restart="never" nodeType="tmRoot"/>
+      </p:par>
+    </p:tnLst>
+  </p:timing>
+</p:sld>
+</file>
+
+<file path=ppt/slides/slide28.xml><?xml version="1.0" encoding="utf-8"?>
+<p:sld xmlns:a="http://schemas.openxmlformats.org/drawingml/2006/main" xmlns:r="http://schemas.openxmlformats.org/officeDocument/2006/relationships" xmlns:p="http://schemas.openxmlformats.org/presentationml/2006/main">
+  <p:cSld>
+    <p:spTree>
+      <p:nvGrpSpPr>
+        <p:cNvPr id="1" name=""/>
+        <p:cNvGrpSpPr/>
+        <p:nvPr/>
+      </p:nvGrpSpPr>
+      <p:grpSpPr>
+        <a:xfrm>
+          <a:off x="0" y="0"/>
+          <a:ext cx="0" cy="0"/>
+          <a:chOff x="0" y="0"/>
+          <a:chExt cx="0" cy="0"/>
+        </a:xfrm>
+      </p:grpSpPr>
+      <p:sp>
+        <p:nvSpPr>
+          <p:cNvPr id="2" name="Title 1"/>
+          <p:cNvSpPr>
+            <a:spLocks noGrp="1"/>
+          </p:cNvSpPr>
+          <p:nvPr>
+            <p:ph type="title"/>
+          </p:nvPr>
+        </p:nvSpPr>
+        <p:spPr/>
+        <p:txBody>
+          <a:bodyPr/>
+          <a:lstStyle/>
+          <a:p>
+            <a:r>
+              <a:rPr lang="en-US" dirty="0" smtClean="0"/>
+              <a:t>Code: Create document store</a:t>
+            </a:r>
+            <a:endParaRPr lang="en-US" dirty="0"/>
+          </a:p>
+        </p:txBody>
+      </p:sp>
+      <p:sp>
+        <p:nvSpPr>
+          <p:cNvPr id="3" name="Rectangle 2"/>
+          <p:cNvSpPr/>
+          <p:nvPr/>
+        </p:nvSpPr>
+        <p:spPr>
+          <a:xfrm>
+            <a:off x="838200" y="5862935"/>
+            <a:ext cx="10312400" cy="369332"/>
+          </a:xfrm>
+          <a:prstGeom prst="rect">
+            <a:avLst/>
+          </a:prstGeom>
+        </p:spPr>
+        <p:txBody>
+          <a:bodyPr wrap="square">
+            <a:spAutoFit/>
+          </a:bodyPr>
+          <a:lstStyle/>
+          <a:p>
+            <a:r>
+              <a:rPr lang="en-US" dirty="0">
+                <a:solidFill>
+                  <a:srgbClr val="000000"/>
+                </a:solidFill>
+                <a:highlight>
+                  <a:srgbClr val="FFFFFF"/>
+                </a:highlight>
+                <a:latin typeface="Consolas" panose="020B0609020204030204" pitchFamily="49" charset="0"/>
+              </a:rPr>
+              <a:t>database = </a:t>
+            </a:r>
+            <a:r>
+              <a:rPr lang="en-US" dirty="0">
+                <a:solidFill>
+                  <a:srgbClr val="0000FF"/>
+                </a:solidFill>
+                <a:highlight>
+                  <a:srgbClr val="FFFFFF"/>
+                </a:highlight>
+                <a:latin typeface="Consolas" panose="020B0609020204030204" pitchFamily="49" charset="0"/>
+              </a:rPr>
+              <a:t>await</a:t>
+            </a:r>
+            <a:r>
+              <a:rPr lang="en-US" dirty="0">
+                <a:solidFill>
+                  <a:srgbClr val="000000"/>
+                </a:solidFill>
+                <a:highlight>
+                  <a:srgbClr val="FFFFFF"/>
+                </a:highlight>
+                <a:latin typeface="Consolas" panose="020B0609020204030204" pitchFamily="49" charset="0"/>
+              </a:rPr>
+              <a:t> </a:t>
+            </a:r>
+            <a:r>
+              <a:rPr lang="en-US" dirty="0" err="1">
+                <a:solidFill>
+                  <a:srgbClr val="000000"/>
+                </a:solidFill>
+                <a:highlight>
+                  <a:srgbClr val="FFFFFF"/>
+                </a:highlight>
+                <a:latin typeface="Consolas" panose="020B0609020204030204" pitchFamily="49" charset="0"/>
+              </a:rPr>
+              <a:t>GetClient</a:t>
+            </a:r>
+            <a:r>
+              <a:rPr lang="en-US" dirty="0">
+                <a:solidFill>
+                  <a:srgbClr val="000000"/>
+                </a:solidFill>
+                <a:highlight>
+                  <a:srgbClr val="FFFFFF"/>
+                </a:highlight>
+                <a:latin typeface="Consolas" panose="020B0609020204030204" pitchFamily="49" charset="0"/>
+              </a:rPr>
+              <a:t>().</a:t>
+            </a:r>
+            <a:r>
+              <a:rPr lang="en-US" dirty="0" err="1">
+                <a:solidFill>
+                  <a:srgbClr val="000000"/>
+                </a:solidFill>
+                <a:highlight>
+                  <a:srgbClr val="FFFFFF"/>
+                </a:highlight>
+                <a:latin typeface="Consolas" panose="020B0609020204030204" pitchFamily="49" charset="0"/>
+              </a:rPr>
+              <a:t>CreateDatabaseAsync</a:t>
+            </a:r>
+            <a:r>
+              <a:rPr lang="en-US" dirty="0">
+                <a:solidFill>
+                  <a:srgbClr val="000000"/>
+                </a:solidFill>
+                <a:highlight>
+                  <a:srgbClr val="FFFFFF"/>
+                </a:highlight>
+                <a:latin typeface="Consolas" panose="020B0609020204030204" pitchFamily="49" charset="0"/>
+              </a:rPr>
+              <a:t>(</a:t>
+            </a:r>
+            <a:r>
+              <a:rPr lang="en-US" dirty="0">
+                <a:solidFill>
+                  <a:srgbClr val="0000FF"/>
+                </a:solidFill>
+                <a:highlight>
+                  <a:srgbClr val="FFFFFF"/>
+                </a:highlight>
+                <a:latin typeface="Consolas" panose="020B0609020204030204" pitchFamily="49" charset="0"/>
+              </a:rPr>
+              <a:t>new</a:t>
+            </a:r>
+            <a:r>
+              <a:rPr lang="en-US" dirty="0">
+                <a:solidFill>
+                  <a:srgbClr val="000000"/>
+                </a:solidFill>
+                <a:highlight>
+                  <a:srgbClr val="FFFFFF"/>
+                </a:highlight>
+                <a:latin typeface="Consolas" panose="020B0609020204030204" pitchFamily="49" charset="0"/>
+              </a:rPr>
+              <a:t> </a:t>
+            </a:r>
+            <a:r>
+              <a:rPr lang="en-US" dirty="0">
+                <a:solidFill>
+                  <a:srgbClr val="2B91AF"/>
+                </a:solidFill>
+                <a:highlight>
+                  <a:srgbClr val="FFFFFF"/>
+                </a:highlight>
+                <a:latin typeface="Consolas" panose="020B0609020204030204" pitchFamily="49" charset="0"/>
+              </a:rPr>
+              <a:t>Database</a:t>
+            </a:r>
+            <a:r>
+              <a:rPr lang="en-US" dirty="0">
+                <a:solidFill>
+                  <a:srgbClr val="000000"/>
+                </a:solidFill>
+                <a:highlight>
+                  <a:srgbClr val="FFFFFF"/>
+                </a:highlight>
+                <a:latin typeface="Consolas" panose="020B0609020204030204" pitchFamily="49" charset="0"/>
+              </a:rPr>
+              <a:t> { Id = id });</a:t>
+            </a:r>
+            <a:endParaRPr lang="en-US" dirty="0"/>
+          </a:p>
+        </p:txBody>
+      </p:sp>
+      <p:sp>
+        <p:nvSpPr>
+          <p:cNvPr id="6" name="Content Placeholder 2"/>
+          <p:cNvSpPr>
+            <a:spLocks noGrp="1"/>
+          </p:cNvSpPr>
+          <p:nvPr>
+            <p:ph idx="1"/>
+          </p:nvPr>
+        </p:nvSpPr>
+        <p:spPr>
+          <a:xfrm>
+            <a:off x="838200" y="1825625"/>
+            <a:ext cx="10515600" cy="3343275"/>
+          </a:xfrm>
+        </p:spPr>
+        <p:txBody>
+          <a:bodyPr>
+            <a:normAutofit/>
+          </a:bodyPr>
+          <a:lstStyle/>
+          <a:p>
+            <a:r>
+              <a:rPr lang="en-US" dirty="0" smtClean="0"/>
+              <a:t>Everything is done asynchronously!</a:t>
+            </a:r>
+          </a:p>
+          <a:p>
+            <a:r>
+              <a:rPr lang="en-US" dirty="0" smtClean="0"/>
+              <a:t>The ID of a new database is the friendly name</a:t>
+            </a:r>
+            <a:endParaRPr lang="en-US" dirty="0"/>
+          </a:p>
+        </p:txBody>
+      </p:sp>
+    </p:spTree>
+    <p:extLst>
+      <p:ext uri="{BB962C8B-B14F-4D97-AF65-F5344CB8AC3E}">
+        <p14:creationId xmlns:p14="http://schemas.microsoft.com/office/powerpoint/2010/main" val="2201547066"/>
+      </p:ext>
+    </p:extLst>
+  </p:cSld>
+  <p:clrMapOvr>
+    <a:masterClrMapping/>
+  </p:clrMapOvr>
+  <p:timing>
+    <p:tnLst>
+      <p:par>
+        <p:cTn id="1" dur="indefinite" restart="never" nodeType="tmRoot"/>
+      </p:par>
+    </p:tnLst>
+  </p:timing>
+</p:sld>
+</file>
+
+<file path=ppt/slides/slide29.xml><?xml version="1.0" encoding="utf-8"?>
+<p:sld xmlns:a="http://schemas.openxmlformats.org/drawingml/2006/main" xmlns:r="http://schemas.openxmlformats.org/officeDocument/2006/relationships" xmlns:p="http://schemas.openxmlformats.org/presentationml/2006/main">
+  <p:cSld>
+    <p:spTree>
+      <p:nvGrpSpPr>
+        <p:cNvPr id="1" name=""/>
+        <p:cNvGrpSpPr/>
+        <p:nvPr/>
+      </p:nvGrpSpPr>
+      <p:grpSpPr>
+        <a:xfrm>
+          <a:off x="0" y="0"/>
+          <a:ext cx="0" cy="0"/>
+          <a:chOff x="0" y="0"/>
+          <a:chExt cx="0" cy="0"/>
+        </a:xfrm>
+      </p:grpSpPr>
+      <p:sp>
+        <p:nvSpPr>
+          <p:cNvPr id="2" name="Title 1"/>
+          <p:cNvSpPr>
+            <a:spLocks noGrp="1"/>
+          </p:cNvSpPr>
+          <p:nvPr>
+            <p:ph type="title"/>
+          </p:nvPr>
+        </p:nvSpPr>
+        <p:spPr/>
+        <p:txBody>
+          <a:bodyPr/>
+          <a:lstStyle/>
+          <a:p>
+            <a:r>
+              <a:rPr lang="en-US" dirty="0" smtClean="0"/>
+              <a:t>Querying</a:t>
+            </a:r>
+            <a:endParaRPr lang="en-US" dirty="0"/>
+          </a:p>
+        </p:txBody>
+      </p:sp>
+      <p:sp>
+        <p:nvSpPr>
+          <p:cNvPr id="6" name="TextBox 5"/>
+          <p:cNvSpPr txBox="1"/>
+          <p:nvPr/>
+        </p:nvSpPr>
+        <p:spPr>
+          <a:xfrm>
+            <a:off x="440635" y="6255440"/>
+            <a:ext cx="7965835" cy="369332"/>
+          </a:xfrm>
+          <a:prstGeom prst="rect">
+            <a:avLst/>
+          </a:prstGeom>
+          <a:noFill/>
+        </p:spPr>
+        <p:txBody>
+          <a:bodyPr wrap="none" rtlCol="0">
+            <a:spAutoFit/>
+          </a:bodyPr>
+          <a:lstStyle/>
+          <a:p>
+            <a:r>
+              <a:rPr lang="en-US" dirty="0" smtClean="0"/>
+              <a:t>http://azure.microsoft.com/en-us/documentation/articles/documentdb-sql-query/</a:t>
+            </a:r>
+            <a:endParaRPr lang="en-US" dirty="0"/>
+          </a:p>
+        </p:txBody>
+      </p:sp>
+      <p:sp>
+        <p:nvSpPr>
+          <p:cNvPr id="7" name="Content Placeholder 2"/>
+          <p:cNvSpPr>
+            <a:spLocks noGrp="1"/>
+          </p:cNvSpPr>
+          <p:nvPr>
+            <p:ph idx="1"/>
+          </p:nvPr>
+        </p:nvSpPr>
+        <p:spPr>
+          <a:xfrm>
+            <a:off x="838200" y="1825626"/>
+            <a:ext cx="10515600" cy="4206874"/>
+          </a:xfrm>
+        </p:spPr>
+        <p:txBody>
+          <a:bodyPr>
+            <a:normAutofit/>
+          </a:bodyPr>
+          <a:lstStyle/>
+          <a:p>
+            <a:r>
+              <a:rPr lang="en-US" dirty="0" smtClean="0"/>
+              <a:t>Everything is done asynchronously in the SDK</a:t>
+            </a:r>
+          </a:p>
+          <a:p>
+            <a:r>
+              <a:rPr lang="en-US" dirty="0" smtClean="0"/>
+              <a:t>The ID of a new database is the friendly name</a:t>
+            </a:r>
+          </a:p>
+          <a:p>
+            <a:r>
+              <a:rPr lang="en-US" dirty="0" smtClean="0"/>
+              <a:t>Everything references the “</a:t>
+            </a:r>
+            <a:r>
+              <a:rPr lang="en-US" dirty="0" err="1" smtClean="0"/>
+              <a:t>SelfLink</a:t>
+            </a:r>
+            <a:r>
+              <a:rPr lang="en-US" dirty="0" smtClean="0"/>
+              <a:t>”</a:t>
+            </a:r>
+          </a:p>
+          <a:p>
+            <a:pPr lvl="1"/>
+            <a:r>
+              <a:rPr lang="en-US" dirty="0" smtClean="0"/>
+              <a:t>This is the internal ID of the resource you are working with</a:t>
+            </a:r>
+          </a:p>
+          <a:p>
+            <a:pPr lvl="1"/>
+            <a:r>
+              <a:rPr lang="en-US" dirty="0" smtClean="0"/>
+              <a:t>Used to build up the API call</a:t>
+            </a:r>
+            <a:endParaRPr lang="en-US" dirty="0"/>
+          </a:p>
+        </p:txBody>
+      </p:sp>
+    </p:spTree>
+    <p:extLst>
+      <p:ext uri="{BB962C8B-B14F-4D97-AF65-F5344CB8AC3E}">
+        <p14:creationId xmlns:p14="http://schemas.microsoft.com/office/powerpoint/2010/main" val="1062708154"/>
+      </p:ext>
+    </p:extLst>
+  </p:cSld>
+  <p:clrMapOvr>
+    <a:masterClrMapping/>
+  </p:clrMapOvr>
+  <p:timing>
+    <p:tnLst>
+      <p:par>
+        <p:cTn id="1" dur="indefinite" restart="never" nodeType="tmRoot"/>
+      </p:par>
+    </p:tnLst>
+  </p:timing>
+</p:sld>
+</file>
+
+<file path=ppt/slides/slide3.xml><?xml version="1.0" encoding="utf-8"?>
+<p:sld xmlns:a="http://schemas.openxmlformats.org/drawingml/2006/main" xmlns:r="http://schemas.openxmlformats.org/officeDocument/2006/relationships" xmlns:p="http://schemas.openxmlformats.org/presentationml/2006/main">
+  <p:cSld>
+    <p:spTree>
+      <p:nvGrpSpPr>
+        <p:cNvPr id="1" name=""/>
+        <p:cNvGrpSpPr/>
+        <p:nvPr/>
+      </p:nvGrpSpPr>
+      <p:grpSpPr>
+        <a:xfrm>
+          <a:off x="0" y="0"/>
+          <a:ext cx="0" cy="0"/>
+          <a:chOff x="0" y="0"/>
+          <a:chExt cx="0" cy="0"/>
+        </a:xfrm>
+      </p:grpSpPr>
+      <p:sp>
+        <p:nvSpPr>
+          <p:cNvPr id="2" name="Title 1"/>
+          <p:cNvSpPr>
+            <a:spLocks noGrp="1"/>
+          </p:cNvSpPr>
+          <p:nvPr>
+            <p:ph type="title"/>
+          </p:nvPr>
+        </p:nvSpPr>
+        <p:spPr/>
+        <p:txBody>
+          <a:bodyPr/>
+          <a:lstStyle/>
+          <a:p>
+            <a:endParaRPr lang="en-US" dirty="0"/>
+          </a:p>
+        </p:txBody>
+      </p:sp>
+      <p:pic>
+        <p:nvPicPr>
+          <p:cNvPr id="2058" name="Picture 10" descr="http://ecx.images-amazon.com/images/I/51iuMAinfEL.jpg"/>
+          <p:cNvPicPr>
+            <a:picLocks noGrp="1" noChangeAspect="1" noChangeArrowheads="1"/>
+          </p:cNvPicPr>
+          <p:nvPr>
+            <p:ph idx="1"/>
+          </p:nvPr>
+        </p:nvPicPr>
+        <p:blipFill>
+          <a:blip r:embed="rId3">
+            <a:extLst>
+              <a:ext uri="{28A0092B-C50C-407E-A947-70E740481C1C}">
+                <a14:useLocalDpi xmlns:a14="http://schemas.microsoft.com/office/drawing/2010/main" val="0"/>
+              </a:ext>
+            </a:extLst>
+          </a:blip>
+          <a:srcRect/>
+          <a:stretch>
+            <a:fillRect/>
+          </a:stretch>
+        </p:blipFill>
+        <p:spPr bwMode="auto">
+          <a:xfrm>
+            <a:off x="3111109" y="1582895"/>
+            <a:ext cx="3012855" cy="3719575"/>
+          </a:xfrm>
+          <a:prstGeom prst="rect">
+            <a:avLst/>
+          </a:prstGeom>
+          <a:noFill/>
+          <a:extLst>
+            <a:ext uri="{909E8E84-426E-40DD-AFC4-6F175D3DCCD1}">
+              <a14:hiddenFill xmlns:a14="http://schemas.microsoft.com/office/drawing/2010/main">
+                <a:solidFill>
+                  <a:srgbClr val="FFFFFF"/>
+                </a:solidFill>
+              </a14:hiddenFill>
+            </a:ext>
+          </a:extLst>
+        </p:spPr>
+      </p:pic>
+      <p:pic>
+        <p:nvPicPr>
+          <p:cNvPr id="2060" name="Picture 12" descr="http://ecx.images-amazon.com/images/I/417iYgvSCIL.jpg"/>
+          <p:cNvPicPr>
+            <a:picLocks noChangeAspect="1" noChangeArrowheads="1"/>
+          </p:cNvPicPr>
+          <p:nvPr/>
+        </p:nvPicPr>
+        <p:blipFill>
+          <a:blip r:embed="rId4">
+            <a:extLst>
+              <a:ext uri="{28A0092B-C50C-407E-A947-70E740481C1C}">
+                <a14:useLocalDpi xmlns:a14="http://schemas.microsoft.com/office/drawing/2010/main" val="0"/>
+              </a:ext>
+            </a:extLst>
+          </a:blip>
+          <a:srcRect/>
+          <a:stretch>
+            <a:fillRect/>
+          </a:stretch>
+        </p:blipFill>
+        <p:spPr bwMode="auto">
+          <a:xfrm>
+            <a:off x="16778" y="1582895"/>
+            <a:ext cx="3010441" cy="3716594"/>
+          </a:xfrm>
+          <a:prstGeom prst="rect">
+            <a:avLst/>
+          </a:prstGeom>
+          <a:noFill/>
+          <a:extLst>
+            <a:ext uri="{909E8E84-426E-40DD-AFC4-6F175D3DCCD1}">
+              <a14:hiddenFill xmlns:a14="http://schemas.microsoft.com/office/drawing/2010/main">
+                <a:solidFill>
+                  <a:srgbClr val="FFFFFF"/>
+                </a:solidFill>
+              </a14:hiddenFill>
+            </a:ext>
+          </a:extLst>
+        </p:spPr>
+      </p:pic>
+      <p:pic>
+        <p:nvPicPr>
+          <p:cNvPr id="2062" name="Picture 14" descr="http://ecx.images-amazon.com/images/I/51P9q7fcJZL.jpg"/>
+          <p:cNvPicPr>
+            <a:picLocks noChangeAspect="1" noChangeArrowheads="1"/>
+          </p:cNvPicPr>
+          <p:nvPr/>
+        </p:nvPicPr>
+        <p:blipFill>
+          <a:blip r:embed="rId5">
+            <a:extLst>
+              <a:ext uri="{28A0092B-C50C-407E-A947-70E740481C1C}">
+                <a14:useLocalDpi xmlns:a14="http://schemas.microsoft.com/office/drawing/2010/main" val="0"/>
+              </a:ext>
+            </a:extLst>
+          </a:blip>
+          <a:srcRect/>
+          <a:stretch>
+            <a:fillRect/>
+          </a:stretch>
+        </p:blipFill>
+        <p:spPr bwMode="auto">
+          <a:xfrm>
+            <a:off x="6211762" y="1585877"/>
+            <a:ext cx="3006533" cy="3711769"/>
+          </a:xfrm>
+          <a:prstGeom prst="rect">
+            <a:avLst/>
+          </a:prstGeom>
+          <a:noFill/>
+          <a:extLst>
+            <a:ext uri="{909E8E84-426E-40DD-AFC4-6F175D3DCCD1}">
+              <a14:hiddenFill xmlns:a14="http://schemas.microsoft.com/office/drawing/2010/main">
+                <a:solidFill>
+                  <a:srgbClr val="FFFFFF"/>
+                </a:solidFill>
+              </a14:hiddenFill>
+            </a:ext>
+          </a:extLst>
+        </p:spPr>
+      </p:pic>
+      <p:sp>
+        <p:nvSpPr>
+          <p:cNvPr id="8" name="AutoShape 16" descr="Fodder cover page"/>
+          <p:cNvSpPr>
+            <a:spLocks noChangeAspect="1" noChangeArrowheads="1"/>
+          </p:cNvSpPr>
+          <p:nvPr/>
+        </p:nvSpPr>
+        <p:spPr bwMode="auto">
+          <a:xfrm>
+            <a:off x="155575" y="-144463"/>
+            <a:ext cx="304800" cy="304801"/>
+          </a:xfrm>
+          <a:prstGeom prst="rect">
+            <a:avLst/>
+          </a:prstGeom>
+          <a:noFill/>
+          <a:extLst>
+            <a:ext uri="{909E8E84-426E-40DD-AFC4-6F175D3DCCD1}">
+              <a14:hiddenFill xmlns:a14="http://schemas.microsoft.com/office/drawing/2010/main">
+                <a:solidFill>
+                  <a:srgbClr val="FFFFFF"/>
+                </a:solidFill>
+              </a14:hiddenFill>
+            </a:ext>
+          </a:extLst>
+        </p:spPr>
+        <p:txBody>
+          <a:bodyPr vert="horz" wrap="square" lIns="91440" tIns="45720" rIns="91440" bIns="45720" numCol="1" anchor="t" anchorCtr="0" compatLnSpc="1">
+            <a:prstTxWarp prst="textNoShape">
+              <a:avLst/>
+            </a:prstTxWarp>
+          </a:bodyPr>
+          <a:lstStyle/>
+          <a:p>
+            <a:endParaRPr lang="en-US"/>
+          </a:p>
+        </p:txBody>
+      </p:sp>
+      <p:pic>
+        <p:nvPicPr>
+          <p:cNvPr id="2066" name="Picture 18" descr="Fodder cover page"/>
+          <p:cNvPicPr>
+            <a:picLocks noChangeAspect="1" noChangeArrowheads="1"/>
+          </p:cNvPicPr>
+          <p:nvPr/>
+        </p:nvPicPr>
+        <p:blipFill>
+          <a:blip r:embed="rId6">
+            <a:extLst>
+              <a:ext uri="{28A0092B-C50C-407E-A947-70E740481C1C}">
+                <a14:useLocalDpi xmlns:a14="http://schemas.microsoft.com/office/drawing/2010/main" val="0"/>
+              </a:ext>
+            </a:extLst>
+          </a:blip>
+          <a:srcRect/>
+          <a:stretch>
+            <a:fillRect/>
+          </a:stretch>
+        </p:blipFill>
+        <p:spPr bwMode="auto">
+          <a:xfrm>
+            <a:off x="9308197" y="1582895"/>
+            <a:ext cx="2867025" cy="3714751"/>
+          </a:xfrm>
+          <a:prstGeom prst="rect">
+            <a:avLst/>
+          </a:prstGeom>
+          <a:noFill/>
+          <a:extLst>
+            <a:ext uri="{909E8E84-426E-40DD-AFC4-6F175D3DCCD1}">
+              <a14:hiddenFill xmlns:a14="http://schemas.microsoft.com/office/drawing/2010/main">
+                <a:solidFill>
+                  <a:srgbClr val="FFFFFF"/>
+                </a:solidFill>
+              </a14:hiddenFill>
+            </a:ext>
+          </a:extLst>
+        </p:spPr>
+      </p:pic>
+    </p:spTree>
+    <p:extLst>
+      <p:ext uri="{BB962C8B-B14F-4D97-AF65-F5344CB8AC3E}">
+        <p14:creationId xmlns:p14="http://schemas.microsoft.com/office/powerpoint/2010/main" val="3130564640"/>
+      </p:ext>
+    </p:extLst>
+  </p:cSld>
+  <p:clrMapOvr>
+    <a:masterClrMapping/>
+  </p:clrMapOvr>
+  <p:timing>
+    <p:tnLst>
+      <p:par>
+        <p:cTn id="1" dur="indefinite" restart="never" nodeType="tmRoot"/>
+      </p:par>
+    </p:tnLst>
+  </p:timing>
+</p:sld>
+</file>
+
+<file path=ppt/slides/slide30.xml><?xml version="1.0" encoding="utf-8"?>
+<p:sld xmlns:a="http://schemas.openxmlformats.org/drawingml/2006/main" xmlns:r="http://schemas.openxmlformats.org/officeDocument/2006/relationships" xmlns:p="http://schemas.openxmlformats.org/presentationml/2006/main">
+  <p:cSld>
+    <p:spTree>
+      <p:nvGrpSpPr>
+        <p:cNvPr id="1" name=""/>
+        <p:cNvGrpSpPr/>
+        <p:nvPr/>
+      </p:nvGrpSpPr>
+      <p:grpSpPr>
+        <a:xfrm>
+          <a:off x="0" y="0"/>
+          <a:ext cx="0" cy="0"/>
+          <a:chOff x="0" y="0"/>
+          <a:chExt cx="0" cy="0"/>
+        </a:xfrm>
+      </p:grpSpPr>
+      <p:sp>
+        <p:nvSpPr>
+          <p:cNvPr id="2" name="Title 1"/>
+          <p:cNvSpPr>
+            <a:spLocks noGrp="1"/>
+          </p:cNvSpPr>
+          <p:nvPr>
+            <p:ph type="title"/>
+          </p:nvPr>
+        </p:nvSpPr>
+        <p:spPr/>
+        <p:txBody>
+          <a:bodyPr/>
+          <a:lstStyle/>
+          <a:p>
+            <a:r>
+              <a:rPr lang="en-US" dirty="0" smtClean="0"/>
+              <a:t>Querying: Simple</a:t>
+            </a:r>
+            <a:endParaRPr lang="en-US" dirty="0"/>
+          </a:p>
+        </p:txBody>
+      </p:sp>
+      <p:sp>
+        <p:nvSpPr>
+          <p:cNvPr id="4" name="Rectangle 3"/>
+          <p:cNvSpPr/>
+          <p:nvPr/>
+        </p:nvSpPr>
+        <p:spPr>
+          <a:xfrm>
+            <a:off x="-635000" y="3233515"/>
+            <a:ext cx="12826999" cy="2585323"/>
+          </a:xfrm>
+          <a:prstGeom prst="rect">
+            <a:avLst/>
+          </a:prstGeom>
+        </p:spPr>
+        <p:txBody>
+          <a:bodyPr wrap="square">
+            <a:spAutoFit/>
+          </a:bodyPr>
+          <a:lstStyle/>
+          <a:p>
+            <a:r>
+              <a:rPr lang="en-US" dirty="0">
+                <a:solidFill>
+                  <a:srgbClr val="000000"/>
+                </a:solidFill>
+                <a:highlight>
+                  <a:srgbClr val="FFFFFF"/>
+                </a:highlight>
+                <a:latin typeface="Consolas" panose="020B0609020204030204" pitchFamily="49" charset="0"/>
+              </a:rPr>
+              <a:t> </a:t>
+            </a:r>
+            <a:r>
+              <a:rPr lang="en-US" dirty="0" smtClean="0">
+                <a:solidFill>
+                  <a:srgbClr val="000000"/>
+                </a:solidFill>
+                <a:highlight>
+                  <a:srgbClr val="FFFFFF"/>
+                </a:highlight>
+                <a:latin typeface="Consolas" panose="020B0609020204030204" pitchFamily="49" charset="0"/>
+              </a:rPr>
+              <a:t>           </a:t>
+            </a:r>
+            <a:r>
+              <a:rPr lang="en-US" dirty="0" err="1" smtClean="0">
+                <a:solidFill>
+                  <a:srgbClr val="0000FF"/>
+                </a:solidFill>
+                <a:highlight>
+                  <a:srgbClr val="FFFFFF"/>
+                </a:highlight>
+                <a:latin typeface="Consolas" panose="020B0609020204030204" pitchFamily="49" charset="0"/>
+              </a:rPr>
+              <a:t>var</a:t>
+            </a:r>
+            <a:r>
+              <a:rPr lang="en-US" dirty="0" smtClean="0">
+                <a:solidFill>
+                  <a:srgbClr val="000000"/>
+                </a:solidFill>
+                <a:highlight>
+                  <a:srgbClr val="FFFFFF"/>
+                </a:highlight>
+                <a:latin typeface="Consolas" panose="020B0609020204030204" pitchFamily="49" charset="0"/>
+              </a:rPr>
+              <a:t> </a:t>
+            </a:r>
+            <a:r>
+              <a:rPr lang="en-US" dirty="0">
+                <a:solidFill>
+                  <a:srgbClr val="000000"/>
+                </a:solidFill>
+                <a:highlight>
+                  <a:srgbClr val="FFFFFF"/>
+                </a:highlight>
+                <a:latin typeface="Consolas" panose="020B0609020204030204" pitchFamily="49" charset="0"/>
+              </a:rPr>
+              <a:t>client = </a:t>
+            </a:r>
+            <a:r>
+              <a:rPr lang="en-US" dirty="0" err="1">
+                <a:solidFill>
+                  <a:srgbClr val="000000"/>
+                </a:solidFill>
+                <a:highlight>
+                  <a:srgbClr val="FFFFFF"/>
+                </a:highlight>
+                <a:latin typeface="Consolas" panose="020B0609020204030204" pitchFamily="49" charset="0"/>
+              </a:rPr>
+              <a:t>GetClient</a:t>
+            </a:r>
+            <a:r>
+              <a:rPr lang="en-US" dirty="0">
+                <a:solidFill>
+                  <a:srgbClr val="000000"/>
+                </a:solidFill>
+                <a:highlight>
+                  <a:srgbClr val="FFFFFF"/>
+                </a:highlight>
+                <a:latin typeface="Consolas" panose="020B0609020204030204" pitchFamily="49" charset="0"/>
+              </a:rPr>
+              <a:t>();</a:t>
+            </a:r>
+          </a:p>
+          <a:p>
+            <a:r>
+              <a:rPr lang="en-US" dirty="0">
+                <a:solidFill>
+                  <a:srgbClr val="000000"/>
+                </a:solidFill>
+                <a:highlight>
+                  <a:srgbClr val="FFFFFF"/>
+                </a:highlight>
+                <a:latin typeface="Consolas" panose="020B0609020204030204" pitchFamily="49" charset="0"/>
+              </a:rPr>
+              <a:t>            </a:t>
+            </a:r>
+            <a:r>
+              <a:rPr lang="en-US" dirty="0" err="1">
+                <a:solidFill>
+                  <a:srgbClr val="0000FF"/>
+                </a:solidFill>
+                <a:highlight>
+                  <a:srgbClr val="FFFFFF"/>
+                </a:highlight>
+                <a:latin typeface="Consolas" panose="020B0609020204030204" pitchFamily="49" charset="0"/>
+              </a:rPr>
+              <a:t>var</a:t>
+            </a:r>
+            <a:r>
+              <a:rPr lang="en-US" dirty="0">
+                <a:solidFill>
+                  <a:srgbClr val="000000"/>
+                </a:solidFill>
+                <a:highlight>
+                  <a:srgbClr val="FFFFFF"/>
+                </a:highlight>
+                <a:latin typeface="Consolas" panose="020B0609020204030204" pitchFamily="49" charset="0"/>
+              </a:rPr>
+              <a:t> collection = </a:t>
+            </a:r>
+            <a:r>
+              <a:rPr lang="en-US" dirty="0">
+                <a:solidFill>
+                  <a:srgbClr val="0000FF"/>
+                </a:solidFill>
+                <a:highlight>
+                  <a:srgbClr val="FFFFFF"/>
+                </a:highlight>
+                <a:latin typeface="Consolas" panose="020B0609020204030204" pitchFamily="49" charset="0"/>
+              </a:rPr>
+              <a:t>await</a:t>
+            </a:r>
+            <a:r>
+              <a:rPr lang="en-US" dirty="0">
+                <a:solidFill>
+                  <a:srgbClr val="000000"/>
+                </a:solidFill>
+                <a:highlight>
+                  <a:srgbClr val="FFFFFF"/>
+                </a:highlight>
+                <a:latin typeface="Consolas" panose="020B0609020204030204" pitchFamily="49" charset="0"/>
+              </a:rPr>
+              <a:t> </a:t>
+            </a:r>
+            <a:r>
+              <a:rPr lang="en-US" dirty="0" err="1">
+                <a:solidFill>
+                  <a:srgbClr val="000000"/>
+                </a:solidFill>
+                <a:highlight>
+                  <a:srgbClr val="FFFFFF"/>
+                </a:highlight>
+                <a:latin typeface="Consolas" panose="020B0609020204030204" pitchFamily="49" charset="0"/>
+              </a:rPr>
+              <a:t>GetCollection</a:t>
+            </a:r>
+            <a:r>
+              <a:rPr lang="en-US" dirty="0">
+                <a:solidFill>
+                  <a:srgbClr val="000000"/>
+                </a:solidFill>
+                <a:highlight>
+                  <a:srgbClr val="FFFFFF"/>
+                </a:highlight>
+                <a:latin typeface="Consolas" panose="020B0609020204030204" pitchFamily="49" charset="0"/>
+              </a:rPr>
+              <a:t>(client, </a:t>
+            </a:r>
+            <a:r>
+              <a:rPr lang="en-US" dirty="0" err="1">
+                <a:solidFill>
+                  <a:srgbClr val="2B91AF"/>
+                </a:solidFill>
+                <a:highlight>
+                  <a:srgbClr val="FFFFFF"/>
+                </a:highlight>
+                <a:latin typeface="Consolas" panose="020B0609020204030204" pitchFamily="49" charset="0"/>
+              </a:rPr>
+              <a:t>Keys</a:t>
+            </a:r>
+            <a:r>
+              <a:rPr lang="en-US" dirty="0" err="1">
+                <a:solidFill>
+                  <a:srgbClr val="000000"/>
+                </a:solidFill>
+                <a:highlight>
+                  <a:srgbClr val="FFFFFF"/>
+                </a:highlight>
+                <a:latin typeface="Consolas" panose="020B0609020204030204" pitchFamily="49" charset="0"/>
+              </a:rPr>
+              <a:t>.ListingsDbName</a:t>
+            </a:r>
+            <a:r>
+              <a:rPr lang="en-US" dirty="0">
+                <a:solidFill>
+                  <a:srgbClr val="000000"/>
+                </a:solidFill>
+                <a:highlight>
+                  <a:srgbClr val="FFFFFF"/>
+                </a:highlight>
+                <a:latin typeface="Consolas" panose="020B0609020204030204" pitchFamily="49" charset="0"/>
+              </a:rPr>
+              <a:t>, </a:t>
+            </a:r>
+            <a:endParaRPr lang="en-US" dirty="0" smtClean="0">
+              <a:solidFill>
+                <a:srgbClr val="000000"/>
+              </a:solidFill>
+              <a:highlight>
+                <a:srgbClr val="FFFFFF"/>
+              </a:highlight>
+              <a:latin typeface="Consolas" panose="020B0609020204030204" pitchFamily="49" charset="0"/>
+            </a:endParaRPr>
+          </a:p>
+          <a:p>
+            <a:r>
+              <a:rPr lang="en-US" dirty="0">
+                <a:solidFill>
+                  <a:srgbClr val="000000"/>
+                </a:solidFill>
+                <a:highlight>
+                  <a:srgbClr val="FFFFFF"/>
+                </a:highlight>
+                <a:latin typeface="Consolas" panose="020B0609020204030204" pitchFamily="49" charset="0"/>
+              </a:rPr>
+              <a:t> </a:t>
+            </a:r>
+            <a:r>
+              <a:rPr lang="en-US" dirty="0" smtClean="0">
+                <a:solidFill>
+                  <a:srgbClr val="000000"/>
+                </a:solidFill>
+                <a:highlight>
+                  <a:srgbClr val="FFFFFF"/>
+                </a:highlight>
+                <a:latin typeface="Consolas" panose="020B0609020204030204" pitchFamily="49" charset="0"/>
+              </a:rPr>
+              <a:t>              </a:t>
+            </a:r>
+            <a:r>
+              <a:rPr lang="en-US" dirty="0" err="1" smtClean="0">
+                <a:solidFill>
+                  <a:srgbClr val="2B91AF"/>
+                </a:solidFill>
+                <a:highlight>
+                  <a:srgbClr val="FFFFFF"/>
+                </a:highlight>
+                <a:latin typeface="Consolas" panose="020B0609020204030204" pitchFamily="49" charset="0"/>
+              </a:rPr>
+              <a:t>Keys</a:t>
+            </a:r>
+            <a:r>
+              <a:rPr lang="en-US" dirty="0" err="1" smtClean="0">
+                <a:solidFill>
+                  <a:srgbClr val="000000"/>
+                </a:solidFill>
+                <a:highlight>
+                  <a:srgbClr val="FFFFFF"/>
+                </a:highlight>
+                <a:latin typeface="Consolas" panose="020B0609020204030204" pitchFamily="49" charset="0"/>
+              </a:rPr>
+              <a:t>.ListingDbCollectionName</a:t>
+            </a:r>
+            <a:r>
+              <a:rPr lang="en-US" dirty="0" smtClean="0">
+                <a:solidFill>
+                  <a:srgbClr val="000000"/>
+                </a:solidFill>
+                <a:highlight>
+                  <a:srgbClr val="FFFFFF"/>
+                </a:highlight>
+                <a:latin typeface="Consolas" panose="020B0609020204030204" pitchFamily="49" charset="0"/>
+              </a:rPr>
+              <a:t>);</a:t>
+            </a:r>
+          </a:p>
+          <a:p>
+            <a:endParaRPr lang="en-US" dirty="0">
+              <a:solidFill>
+                <a:srgbClr val="000000"/>
+              </a:solidFill>
+              <a:highlight>
+                <a:srgbClr val="FFFFFF"/>
+              </a:highlight>
+              <a:latin typeface="Consolas" panose="020B0609020204030204" pitchFamily="49" charset="0"/>
+            </a:endParaRPr>
+          </a:p>
+          <a:p>
+            <a:r>
+              <a:rPr lang="en-US" dirty="0">
+                <a:solidFill>
+                  <a:srgbClr val="000000"/>
+                </a:solidFill>
+                <a:highlight>
+                  <a:srgbClr val="FFFFFF"/>
+                </a:highlight>
+                <a:latin typeface="Consolas" panose="020B0609020204030204" pitchFamily="49" charset="0"/>
+              </a:rPr>
+              <a:t>            </a:t>
+            </a:r>
+            <a:r>
+              <a:rPr lang="en-US" dirty="0">
+                <a:solidFill>
+                  <a:srgbClr val="0000FF"/>
+                </a:solidFill>
+                <a:highlight>
+                  <a:srgbClr val="FFFFFF"/>
+                </a:highlight>
+                <a:latin typeface="Consolas" panose="020B0609020204030204" pitchFamily="49" charset="0"/>
+              </a:rPr>
+              <a:t>string</a:t>
+            </a:r>
+            <a:r>
+              <a:rPr lang="en-US" dirty="0">
+                <a:solidFill>
+                  <a:srgbClr val="000000"/>
+                </a:solidFill>
+                <a:highlight>
+                  <a:srgbClr val="FFFFFF"/>
+                </a:highlight>
+                <a:latin typeface="Consolas" panose="020B0609020204030204" pitchFamily="49" charset="0"/>
+              </a:rPr>
+              <a:t> </a:t>
+            </a:r>
+            <a:r>
+              <a:rPr lang="en-US" dirty="0" err="1">
+                <a:solidFill>
+                  <a:srgbClr val="000000"/>
+                </a:solidFill>
+                <a:highlight>
+                  <a:srgbClr val="FFFFFF"/>
+                </a:highlight>
+                <a:latin typeface="Consolas" panose="020B0609020204030204" pitchFamily="49" charset="0"/>
+              </a:rPr>
+              <a:t>sql</a:t>
+            </a:r>
+            <a:r>
+              <a:rPr lang="en-US" dirty="0">
+                <a:solidFill>
+                  <a:srgbClr val="000000"/>
+                </a:solidFill>
+                <a:highlight>
+                  <a:srgbClr val="FFFFFF"/>
+                </a:highlight>
+                <a:latin typeface="Consolas" panose="020B0609020204030204" pitchFamily="49" charset="0"/>
+              </a:rPr>
+              <a:t> = </a:t>
+            </a:r>
+            <a:r>
+              <a:rPr lang="en-US" dirty="0" err="1">
+                <a:solidFill>
+                  <a:srgbClr val="2B91AF"/>
+                </a:solidFill>
+                <a:highlight>
+                  <a:srgbClr val="FFFFFF"/>
+                </a:highlight>
+                <a:latin typeface="Consolas" panose="020B0609020204030204" pitchFamily="49" charset="0"/>
+              </a:rPr>
+              <a:t>String</a:t>
+            </a:r>
+            <a:r>
+              <a:rPr lang="en-US" dirty="0" err="1">
+                <a:solidFill>
+                  <a:srgbClr val="000000"/>
+                </a:solidFill>
+                <a:highlight>
+                  <a:srgbClr val="FFFFFF"/>
+                </a:highlight>
+                <a:latin typeface="Consolas" panose="020B0609020204030204" pitchFamily="49" charset="0"/>
+              </a:rPr>
+              <a:t>.Format</a:t>
+            </a:r>
+            <a:r>
+              <a:rPr lang="en-US" dirty="0">
+                <a:solidFill>
+                  <a:srgbClr val="000000"/>
+                </a:solidFill>
+                <a:highlight>
+                  <a:srgbClr val="FFFFFF"/>
+                </a:highlight>
+                <a:latin typeface="Consolas" panose="020B0609020204030204" pitchFamily="49" charset="0"/>
+              </a:rPr>
+              <a:t>(</a:t>
+            </a:r>
+            <a:r>
+              <a:rPr lang="en-US" dirty="0">
+                <a:solidFill>
+                  <a:srgbClr val="A31515"/>
+                </a:solidFill>
+                <a:highlight>
+                  <a:srgbClr val="FFFFFF"/>
+                </a:highlight>
+                <a:latin typeface="Consolas" panose="020B0609020204030204" pitchFamily="49" charset="0"/>
+              </a:rPr>
+              <a:t>"SELECT * FROM </a:t>
+            </a:r>
+            <a:r>
+              <a:rPr lang="en-US" dirty="0">
+                <a:solidFill>
+                  <a:srgbClr val="3CB371"/>
+                </a:solidFill>
+                <a:highlight>
+                  <a:srgbClr val="FFFFFF"/>
+                </a:highlight>
+                <a:latin typeface="Consolas" panose="020B0609020204030204" pitchFamily="49" charset="0"/>
+              </a:rPr>
+              <a:t>{0}</a:t>
+            </a:r>
+            <a:r>
+              <a:rPr lang="en-US" dirty="0">
+                <a:solidFill>
+                  <a:srgbClr val="A31515"/>
+                </a:solidFill>
+                <a:highlight>
+                  <a:srgbClr val="FFFFFF"/>
+                </a:highlight>
+                <a:latin typeface="Consolas" panose="020B0609020204030204" pitchFamily="49" charset="0"/>
+              </a:rPr>
+              <a:t>"</a:t>
+            </a:r>
+            <a:r>
+              <a:rPr lang="en-US" dirty="0">
+                <a:solidFill>
+                  <a:srgbClr val="000000"/>
+                </a:solidFill>
+                <a:highlight>
+                  <a:srgbClr val="FFFFFF"/>
+                </a:highlight>
+                <a:latin typeface="Consolas" panose="020B0609020204030204" pitchFamily="49" charset="0"/>
+              </a:rPr>
+              <a:t>, </a:t>
+            </a:r>
+            <a:r>
+              <a:rPr lang="en-US" dirty="0" err="1">
+                <a:solidFill>
+                  <a:srgbClr val="2B91AF"/>
+                </a:solidFill>
+                <a:highlight>
+                  <a:srgbClr val="FFFFFF"/>
+                </a:highlight>
+                <a:latin typeface="Consolas" panose="020B0609020204030204" pitchFamily="49" charset="0"/>
+              </a:rPr>
+              <a:t>Keys</a:t>
+            </a:r>
+            <a:r>
+              <a:rPr lang="en-US" dirty="0" err="1">
+                <a:solidFill>
+                  <a:srgbClr val="000000"/>
+                </a:solidFill>
+                <a:highlight>
+                  <a:srgbClr val="FFFFFF"/>
+                </a:highlight>
+                <a:latin typeface="Consolas" panose="020B0609020204030204" pitchFamily="49" charset="0"/>
+              </a:rPr>
+              <a:t>.ListingDbCollectionName</a:t>
+            </a:r>
+            <a:r>
+              <a:rPr lang="en-US" dirty="0" smtClean="0">
+                <a:solidFill>
+                  <a:srgbClr val="000000"/>
+                </a:solidFill>
+                <a:highlight>
+                  <a:srgbClr val="FFFFFF"/>
+                </a:highlight>
+                <a:latin typeface="Consolas" panose="020B0609020204030204" pitchFamily="49" charset="0"/>
+              </a:rPr>
+              <a:t>);</a:t>
+            </a:r>
+          </a:p>
+          <a:p>
+            <a:endParaRPr lang="en-US" dirty="0">
+              <a:solidFill>
+                <a:srgbClr val="000000"/>
+              </a:solidFill>
+              <a:highlight>
+                <a:srgbClr val="FFFFFF"/>
+              </a:highlight>
+              <a:latin typeface="Consolas" panose="020B0609020204030204" pitchFamily="49" charset="0"/>
+            </a:endParaRPr>
+          </a:p>
+          <a:p>
+            <a:r>
+              <a:rPr lang="en-US" dirty="0">
+                <a:solidFill>
+                  <a:srgbClr val="000000"/>
+                </a:solidFill>
+                <a:highlight>
+                  <a:srgbClr val="FFFFFF"/>
+                </a:highlight>
+                <a:latin typeface="Consolas" panose="020B0609020204030204" pitchFamily="49" charset="0"/>
+              </a:rPr>
+              <a:t>            </a:t>
+            </a:r>
+            <a:r>
+              <a:rPr lang="en-US" dirty="0" err="1">
+                <a:solidFill>
+                  <a:srgbClr val="0000FF"/>
+                </a:solidFill>
+                <a:highlight>
+                  <a:srgbClr val="FFFFFF"/>
+                </a:highlight>
+                <a:latin typeface="Consolas" panose="020B0609020204030204" pitchFamily="49" charset="0"/>
+              </a:rPr>
+              <a:t>var</a:t>
+            </a:r>
+            <a:r>
+              <a:rPr lang="en-US" dirty="0">
+                <a:solidFill>
+                  <a:srgbClr val="000000"/>
+                </a:solidFill>
+                <a:highlight>
+                  <a:srgbClr val="FFFFFF"/>
+                </a:highlight>
+                <a:latin typeface="Consolas" panose="020B0609020204030204" pitchFamily="49" charset="0"/>
+              </a:rPr>
+              <a:t> </a:t>
+            </a:r>
+            <a:r>
+              <a:rPr lang="en-US" dirty="0" err="1">
+                <a:solidFill>
+                  <a:srgbClr val="000000"/>
+                </a:solidFill>
+                <a:highlight>
+                  <a:srgbClr val="FFFFFF"/>
+                </a:highlight>
+                <a:latin typeface="Consolas" panose="020B0609020204030204" pitchFamily="49" charset="0"/>
+              </a:rPr>
+              <a:t>jeepsQuery</a:t>
+            </a:r>
+            <a:r>
+              <a:rPr lang="en-US" dirty="0">
+                <a:solidFill>
+                  <a:srgbClr val="000000"/>
+                </a:solidFill>
+                <a:highlight>
+                  <a:srgbClr val="FFFFFF"/>
+                </a:highlight>
+                <a:latin typeface="Consolas" panose="020B0609020204030204" pitchFamily="49" charset="0"/>
+              </a:rPr>
+              <a:t> = </a:t>
+            </a:r>
+            <a:r>
+              <a:rPr lang="en-US" dirty="0" err="1">
+                <a:solidFill>
+                  <a:srgbClr val="000000"/>
+                </a:solidFill>
+                <a:highlight>
+                  <a:srgbClr val="FFFFFF"/>
+                </a:highlight>
+                <a:latin typeface="Consolas" panose="020B0609020204030204" pitchFamily="49" charset="0"/>
+              </a:rPr>
+              <a:t>client.CreateDocumentQuery</a:t>
+            </a:r>
+            <a:r>
+              <a:rPr lang="en-US" dirty="0">
+                <a:solidFill>
+                  <a:srgbClr val="000000"/>
+                </a:solidFill>
+                <a:highlight>
+                  <a:srgbClr val="FFFFFF"/>
+                </a:highlight>
+                <a:latin typeface="Consolas" panose="020B0609020204030204" pitchFamily="49" charset="0"/>
+              </a:rPr>
+              <a:t>&lt;</a:t>
+            </a:r>
+            <a:r>
+              <a:rPr lang="en-US" dirty="0">
+                <a:solidFill>
+                  <a:srgbClr val="2B91AF"/>
+                </a:solidFill>
+                <a:highlight>
+                  <a:srgbClr val="FFFFFF"/>
+                </a:highlight>
+                <a:latin typeface="Consolas" panose="020B0609020204030204" pitchFamily="49" charset="0"/>
+              </a:rPr>
+              <a:t>Listing</a:t>
+            </a:r>
+            <a:r>
+              <a:rPr lang="en-US" dirty="0">
+                <a:solidFill>
+                  <a:srgbClr val="000000"/>
+                </a:solidFill>
+                <a:highlight>
+                  <a:srgbClr val="FFFFFF"/>
+                </a:highlight>
+                <a:latin typeface="Consolas" panose="020B0609020204030204" pitchFamily="49" charset="0"/>
+              </a:rPr>
+              <a:t>&gt;(</a:t>
+            </a:r>
+            <a:r>
+              <a:rPr lang="en-US" dirty="0" err="1">
+                <a:solidFill>
+                  <a:srgbClr val="000000"/>
+                </a:solidFill>
+                <a:highlight>
+                  <a:srgbClr val="FFFFFF"/>
+                </a:highlight>
+                <a:latin typeface="Consolas" panose="020B0609020204030204" pitchFamily="49" charset="0"/>
+              </a:rPr>
+              <a:t>collection.SelfLink</a:t>
+            </a:r>
+            <a:r>
+              <a:rPr lang="en-US" dirty="0">
+                <a:solidFill>
+                  <a:srgbClr val="000000"/>
+                </a:solidFill>
+                <a:highlight>
+                  <a:srgbClr val="FFFFFF"/>
+                </a:highlight>
+                <a:latin typeface="Consolas" panose="020B0609020204030204" pitchFamily="49" charset="0"/>
+              </a:rPr>
+              <a:t>, </a:t>
+            </a:r>
+            <a:r>
+              <a:rPr lang="en-US" dirty="0" smtClean="0">
+                <a:solidFill>
+                  <a:srgbClr val="000000"/>
+                </a:solidFill>
+                <a:highlight>
+                  <a:srgbClr val="FFFFFF"/>
+                </a:highlight>
+                <a:latin typeface="Consolas" panose="020B0609020204030204" pitchFamily="49" charset="0"/>
+              </a:rPr>
+              <a:t>     </a:t>
+            </a:r>
+          </a:p>
+          <a:p>
+            <a:r>
+              <a:rPr lang="en-US" dirty="0">
+                <a:solidFill>
+                  <a:srgbClr val="000000"/>
+                </a:solidFill>
+                <a:highlight>
+                  <a:srgbClr val="FFFFFF"/>
+                </a:highlight>
+                <a:latin typeface="Consolas" panose="020B0609020204030204" pitchFamily="49" charset="0"/>
+              </a:rPr>
+              <a:t> </a:t>
+            </a:r>
+            <a:r>
+              <a:rPr lang="en-US" dirty="0" smtClean="0">
+                <a:solidFill>
+                  <a:srgbClr val="000000"/>
+                </a:solidFill>
+                <a:highlight>
+                  <a:srgbClr val="FFFFFF"/>
+                </a:highlight>
+                <a:latin typeface="Consolas" panose="020B0609020204030204" pitchFamily="49" charset="0"/>
+              </a:rPr>
+              <a:t>              </a:t>
+            </a:r>
+            <a:r>
+              <a:rPr lang="en-US" dirty="0" err="1" smtClean="0">
+                <a:solidFill>
+                  <a:srgbClr val="000000"/>
+                </a:solidFill>
+                <a:highlight>
+                  <a:srgbClr val="FFFFFF"/>
+                </a:highlight>
+                <a:latin typeface="Consolas" panose="020B0609020204030204" pitchFamily="49" charset="0"/>
+              </a:rPr>
+              <a:t>sql</a:t>
+            </a:r>
+            <a:r>
+              <a:rPr lang="en-US" dirty="0">
+                <a:solidFill>
+                  <a:srgbClr val="000000"/>
+                </a:solidFill>
+                <a:highlight>
+                  <a:srgbClr val="FFFFFF"/>
+                </a:highlight>
+                <a:latin typeface="Consolas" panose="020B0609020204030204" pitchFamily="49" charset="0"/>
+              </a:rPr>
+              <a:t>).</a:t>
+            </a:r>
+            <a:r>
+              <a:rPr lang="en-US" dirty="0" err="1">
+                <a:solidFill>
+                  <a:srgbClr val="000000"/>
+                </a:solidFill>
+                <a:highlight>
+                  <a:srgbClr val="FFFFFF"/>
+                </a:highlight>
+                <a:latin typeface="Consolas" panose="020B0609020204030204" pitchFamily="49" charset="0"/>
+              </a:rPr>
+              <a:t>ToArray</a:t>
+            </a:r>
+            <a:r>
+              <a:rPr lang="en-US" dirty="0">
+                <a:solidFill>
+                  <a:srgbClr val="000000"/>
+                </a:solidFill>
+                <a:highlight>
+                  <a:srgbClr val="FFFFFF"/>
+                </a:highlight>
+                <a:latin typeface="Consolas" panose="020B0609020204030204" pitchFamily="49" charset="0"/>
+              </a:rPr>
+              <a:t>();</a:t>
+            </a:r>
+          </a:p>
+          <a:p>
+            <a:r>
+              <a:rPr lang="en-US" dirty="0">
+                <a:solidFill>
+                  <a:srgbClr val="000000"/>
+                </a:solidFill>
+                <a:highlight>
+                  <a:srgbClr val="FFFFFF"/>
+                </a:highlight>
+                <a:latin typeface="Consolas" panose="020B0609020204030204" pitchFamily="49" charset="0"/>
+              </a:rPr>
+              <a:t>            </a:t>
+            </a:r>
+            <a:r>
+              <a:rPr lang="en-US" dirty="0" err="1">
+                <a:solidFill>
+                  <a:srgbClr val="0000FF"/>
+                </a:solidFill>
+                <a:highlight>
+                  <a:srgbClr val="FFFFFF"/>
+                </a:highlight>
+                <a:latin typeface="Consolas" panose="020B0609020204030204" pitchFamily="49" charset="0"/>
+              </a:rPr>
+              <a:t>var</a:t>
+            </a:r>
+            <a:r>
+              <a:rPr lang="en-US" dirty="0">
+                <a:solidFill>
+                  <a:srgbClr val="000000"/>
+                </a:solidFill>
+                <a:highlight>
+                  <a:srgbClr val="FFFFFF"/>
+                </a:highlight>
+                <a:latin typeface="Consolas" panose="020B0609020204030204" pitchFamily="49" charset="0"/>
+              </a:rPr>
+              <a:t> jeeps = </a:t>
+            </a:r>
+            <a:r>
+              <a:rPr lang="en-US" dirty="0" err="1">
+                <a:solidFill>
+                  <a:srgbClr val="000000"/>
+                </a:solidFill>
+                <a:highlight>
+                  <a:srgbClr val="FFFFFF"/>
+                </a:highlight>
+                <a:latin typeface="Consolas" panose="020B0609020204030204" pitchFamily="49" charset="0"/>
+              </a:rPr>
+              <a:t>jeepsQuery.ToArray</a:t>
+            </a:r>
+            <a:r>
+              <a:rPr lang="en-US" dirty="0">
+                <a:solidFill>
+                  <a:srgbClr val="000000"/>
+                </a:solidFill>
+                <a:highlight>
+                  <a:srgbClr val="FFFFFF"/>
+                </a:highlight>
+                <a:latin typeface="Consolas" panose="020B0609020204030204" pitchFamily="49" charset="0"/>
+              </a:rPr>
+              <a:t>();</a:t>
+            </a:r>
+            <a:endParaRPr lang="en-US" dirty="0"/>
+          </a:p>
+        </p:txBody>
+      </p:sp>
+      <p:sp>
+        <p:nvSpPr>
+          <p:cNvPr id="5" name="Content Placeholder 4"/>
+          <p:cNvSpPr>
+            <a:spLocks noGrp="1"/>
+          </p:cNvSpPr>
+          <p:nvPr>
+            <p:ph idx="1"/>
+          </p:nvPr>
+        </p:nvSpPr>
+        <p:spPr/>
+        <p:txBody>
+          <a:bodyPr/>
+          <a:lstStyle/>
+          <a:p>
+            <a:r>
+              <a:rPr lang="en-US" dirty="0" smtClean="0"/>
+              <a:t>SELECT * FROM</a:t>
+            </a:r>
+            <a:endParaRPr lang="en-US" dirty="0"/>
+          </a:p>
+        </p:txBody>
+      </p:sp>
+    </p:spTree>
+    <p:extLst>
+      <p:ext uri="{BB962C8B-B14F-4D97-AF65-F5344CB8AC3E}">
+        <p14:creationId xmlns:p14="http://schemas.microsoft.com/office/powerpoint/2010/main" val="362370721"/>
+      </p:ext>
+    </p:extLst>
+  </p:cSld>
+  <p:clrMapOvr>
+    <a:masterClrMapping/>
+  </p:clrMapOvr>
+  <p:timing>
+    <p:tnLst>
+      <p:par>
+        <p:cTn id="1" dur="indefinite" restart="never" nodeType="tmRoot"/>
+      </p:par>
+    </p:tnLst>
+  </p:timing>
+</p:sld>
+</file>
+
+<file path=ppt/slides/slide31.xml><?xml version="1.0" encoding="utf-8"?>
+<p:sld xmlns:a="http://schemas.openxmlformats.org/drawingml/2006/main" xmlns:r="http://schemas.openxmlformats.org/officeDocument/2006/relationships" xmlns:p="http://schemas.openxmlformats.org/presentationml/2006/main">
+  <p:cSld>
+    <p:spTree>
+      <p:nvGrpSpPr>
+        <p:cNvPr id="1" name=""/>
+        <p:cNvGrpSpPr/>
+        <p:nvPr/>
+      </p:nvGrpSpPr>
+      <p:grpSpPr>
+        <a:xfrm>
+          <a:off x="0" y="0"/>
+          <a:ext cx="0" cy="0"/>
+          <a:chOff x="0" y="0"/>
+          <a:chExt cx="0" cy="0"/>
+        </a:xfrm>
+      </p:grpSpPr>
+      <p:sp>
+        <p:nvSpPr>
+          <p:cNvPr id="2" name="Title 1"/>
+          <p:cNvSpPr>
+            <a:spLocks noGrp="1"/>
+          </p:cNvSpPr>
+          <p:nvPr>
+            <p:ph type="title"/>
+          </p:nvPr>
+        </p:nvSpPr>
+        <p:spPr/>
+        <p:txBody>
+          <a:bodyPr/>
+          <a:lstStyle/>
+          <a:p>
+            <a:r>
+              <a:rPr lang="en-US" dirty="0" smtClean="0"/>
+              <a:t>Querying: More complex</a:t>
+            </a:r>
+            <a:endParaRPr lang="en-US" dirty="0"/>
+          </a:p>
+        </p:txBody>
+      </p:sp>
+      <p:sp>
+        <p:nvSpPr>
+          <p:cNvPr id="3" name="Content Placeholder 2"/>
+          <p:cNvSpPr>
+            <a:spLocks noGrp="1"/>
+          </p:cNvSpPr>
+          <p:nvPr>
+            <p:ph idx="1"/>
+          </p:nvPr>
+        </p:nvSpPr>
+        <p:spPr>
+          <a:xfrm>
+            <a:off x="838200" y="1825625"/>
+            <a:ext cx="10515600" cy="1387475"/>
+          </a:xfrm>
+        </p:spPr>
+        <p:txBody>
+          <a:bodyPr/>
+          <a:lstStyle/>
+          <a:p>
+            <a:r>
+              <a:rPr lang="en-US" dirty="0" smtClean="0"/>
+              <a:t>Joining requires the shape to be specified</a:t>
+            </a:r>
+            <a:endParaRPr lang="en-US" dirty="0"/>
+          </a:p>
+        </p:txBody>
+      </p:sp>
+      <p:sp>
+        <p:nvSpPr>
+          <p:cNvPr id="4" name="Rectangle 3"/>
+          <p:cNvSpPr/>
+          <p:nvPr/>
+        </p:nvSpPr>
+        <p:spPr>
+          <a:xfrm>
+            <a:off x="0" y="3034943"/>
+            <a:ext cx="12192000" cy="3416320"/>
+          </a:xfrm>
+          <a:prstGeom prst="rect">
+            <a:avLst/>
+          </a:prstGeom>
+        </p:spPr>
+        <p:txBody>
+          <a:bodyPr wrap="square">
+            <a:spAutoFit/>
+          </a:bodyPr>
+          <a:lstStyle/>
+          <a:p>
+            <a:r>
+              <a:rPr lang="en-US" dirty="0">
+                <a:solidFill>
+                  <a:srgbClr val="000000"/>
+                </a:solidFill>
+                <a:highlight>
+                  <a:srgbClr val="FFFFFF"/>
+                </a:highlight>
+                <a:latin typeface="Consolas" panose="020B0609020204030204" pitchFamily="49" charset="0"/>
+              </a:rPr>
+              <a:t> </a:t>
+            </a:r>
+            <a:r>
+              <a:rPr lang="en-US" dirty="0" smtClean="0">
+                <a:solidFill>
+                  <a:srgbClr val="000000"/>
+                </a:solidFill>
+                <a:highlight>
+                  <a:srgbClr val="FFFFFF"/>
+                </a:highlight>
+                <a:latin typeface="Consolas" panose="020B0609020204030204" pitchFamily="49" charset="0"/>
+              </a:rPr>
+              <a:t>	     </a:t>
+            </a:r>
+            <a:r>
+              <a:rPr lang="en-US" dirty="0" err="1" smtClean="0">
+                <a:solidFill>
+                  <a:srgbClr val="0000FF"/>
+                </a:solidFill>
+                <a:highlight>
+                  <a:srgbClr val="FFFFFF"/>
+                </a:highlight>
+                <a:latin typeface="Consolas" panose="020B0609020204030204" pitchFamily="49" charset="0"/>
+              </a:rPr>
+              <a:t>var</a:t>
+            </a:r>
+            <a:r>
+              <a:rPr lang="en-US" dirty="0" smtClean="0">
+                <a:solidFill>
+                  <a:srgbClr val="000000"/>
+                </a:solidFill>
+                <a:highlight>
+                  <a:srgbClr val="FFFFFF"/>
+                </a:highlight>
+                <a:latin typeface="Consolas" panose="020B0609020204030204" pitchFamily="49" charset="0"/>
+              </a:rPr>
+              <a:t> </a:t>
+            </a:r>
+            <a:r>
+              <a:rPr lang="en-US" dirty="0">
+                <a:solidFill>
+                  <a:srgbClr val="000000"/>
+                </a:solidFill>
+                <a:highlight>
+                  <a:srgbClr val="FFFFFF"/>
+                </a:highlight>
+                <a:latin typeface="Consolas" panose="020B0609020204030204" pitchFamily="49" charset="0"/>
+              </a:rPr>
+              <a:t>client = </a:t>
+            </a:r>
+            <a:r>
+              <a:rPr lang="en-US" dirty="0" err="1">
+                <a:solidFill>
+                  <a:srgbClr val="000000"/>
+                </a:solidFill>
+                <a:highlight>
+                  <a:srgbClr val="FFFFFF"/>
+                </a:highlight>
+                <a:latin typeface="Consolas" panose="020B0609020204030204" pitchFamily="49" charset="0"/>
+              </a:rPr>
+              <a:t>GetClient</a:t>
+            </a:r>
+            <a:r>
+              <a:rPr lang="en-US" dirty="0">
+                <a:solidFill>
+                  <a:srgbClr val="000000"/>
+                </a:solidFill>
+                <a:highlight>
+                  <a:srgbClr val="FFFFFF"/>
+                </a:highlight>
+                <a:latin typeface="Consolas" panose="020B0609020204030204" pitchFamily="49" charset="0"/>
+              </a:rPr>
+              <a:t>();</a:t>
+            </a:r>
+          </a:p>
+          <a:p>
+            <a:r>
+              <a:rPr lang="en-US" dirty="0">
+                <a:solidFill>
+                  <a:srgbClr val="000000"/>
+                </a:solidFill>
+                <a:highlight>
+                  <a:srgbClr val="FFFFFF"/>
+                </a:highlight>
+                <a:latin typeface="Consolas" panose="020B0609020204030204" pitchFamily="49" charset="0"/>
+              </a:rPr>
+              <a:t>            </a:t>
+            </a:r>
+            <a:r>
+              <a:rPr lang="en-US" dirty="0" err="1">
+                <a:solidFill>
+                  <a:srgbClr val="0000FF"/>
+                </a:solidFill>
+                <a:highlight>
+                  <a:srgbClr val="FFFFFF"/>
+                </a:highlight>
+                <a:latin typeface="Consolas" panose="020B0609020204030204" pitchFamily="49" charset="0"/>
+              </a:rPr>
+              <a:t>var</a:t>
+            </a:r>
+            <a:r>
+              <a:rPr lang="en-US" dirty="0">
+                <a:solidFill>
+                  <a:srgbClr val="000000"/>
+                </a:solidFill>
+                <a:highlight>
+                  <a:srgbClr val="FFFFFF"/>
+                </a:highlight>
+                <a:latin typeface="Consolas" panose="020B0609020204030204" pitchFamily="49" charset="0"/>
+              </a:rPr>
+              <a:t> collection = </a:t>
+            </a:r>
+            <a:r>
+              <a:rPr lang="en-US" dirty="0">
+                <a:solidFill>
+                  <a:srgbClr val="0000FF"/>
+                </a:solidFill>
+                <a:highlight>
+                  <a:srgbClr val="FFFFFF"/>
+                </a:highlight>
+                <a:latin typeface="Consolas" panose="020B0609020204030204" pitchFamily="49" charset="0"/>
+              </a:rPr>
+              <a:t>await</a:t>
+            </a:r>
+            <a:r>
+              <a:rPr lang="en-US" dirty="0">
+                <a:solidFill>
+                  <a:srgbClr val="000000"/>
+                </a:solidFill>
+                <a:highlight>
+                  <a:srgbClr val="FFFFFF"/>
+                </a:highlight>
+                <a:latin typeface="Consolas" panose="020B0609020204030204" pitchFamily="49" charset="0"/>
+              </a:rPr>
+              <a:t> </a:t>
+            </a:r>
+            <a:r>
+              <a:rPr lang="en-US" dirty="0" err="1">
+                <a:solidFill>
+                  <a:srgbClr val="000000"/>
+                </a:solidFill>
+                <a:highlight>
+                  <a:srgbClr val="FFFFFF"/>
+                </a:highlight>
+                <a:latin typeface="Consolas" panose="020B0609020204030204" pitchFamily="49" charset="0"/>
+              </a:rPr>
+              <a:t>GetCollection</a:t>
+            </a:r>
+            <a:r>
+              <a:rPr lang="en-US" dirty="0">
+                <a:solidFill>
+                  <a:srgbClr val="000000"/>
+                </a:solidFill>
+                <a:highlight>
+                  <a:srgbClr val="FFFFFF"/>
+                </a:highlight>
+                <a:latin typeface="Consolas" panose="020B0609020204030204" pitchFamily="49" charset="0"/>
+              </a:rPr>
+              <a:t>(client, </a:t>
+            </a:r>
+            <a:r>
+              <a:rPr lang="en-US" dirty="0" err="1">
+                <a:solidFill>
+                  <a:srgbClr val="2B91AF"/>
+                </a:solidFill>
+                <a:highlight>
+                  <a:srgbClr val="FFFFFF"/>
+                </a:highlight>
+                <a:latin typeface="Consolas" panose="020B0609020204030204" pitchFamily="49" charset="0"/>
+              </a:rPr>
+              <a:t>Keys</a:t>
+            </a:r>
+            <a:r>
+              <a:rPr lang="en-US" dirty="0" err="1">
+                <a:solidFill>
+                  <a:srgbClr val="000000"/>
+                </a:solidFill>
+                <a:highlight>
+                  <a:srgbClr val="FFFFFF"/>
+                </a:highlight>
+                <a:latin typeface="Consolas" panose="020B0609020204030204" pitchFamily="49" charset="0"/>
+              </a:rPr>
+              <a:t>.ListingsDbName</a:t>
+            </a:r>
+            <a:r>
+              <a:rPr lang="en-US" dirty="0">
+                <a:solidFill>
+                  <a:srgbClr val="000000"/>
+                </a:solidFill>
+                <a:highlight>
+                  <a:srgbClr val="FFFFFF"/>
+                </a:highlight>
+                <a:latin typeface="Consolas" panose="020B0609020204030204" pitchFamily="49" charset="0"/>
+              </a:rPr>
+              <a:t>, </a:t>
+            </a:r>
+            <a:r>
+              <a:rPr lang="en-US" dirty="0" smtClean="0">
+                <a:solidFill>
+                  <a:srgbClr val="000000"/>
+                </a:solidFill>
+                <a:highlight>
+                  <a:srgbClr val="FFFFFF"/>
+                </a:highlight>
+                <a:latin typeface="Consolas" panose="020B0609020204030204" pitchFamily="49" charset="0"/>
+              </a:rPr>
+              <a:t>               </a:t>
+            </a:r>
+          </a:p>
+          <a:p>
+            <a:r>
+              <a:rPr lang="en-US" dirty="0">
+                <a:solidFill>
+                  <a:srgbClr val="000000"/>
+                </a:solidFill>
+                <a:highlight>
+                  <a:srgbClr val="FFFFFF"/>
+                </a:highlight>
+                <a:latin typeface="Consolas" panose="020B0609020204030204" pitchFamily="49" charset="0"/>
+              </a:rPr>
+              <a:t> </a:t>
+            </a:r>
+            <a:r>
+              <a:rPr lang="en-US" dirty="0" smtClean="0">
+                <a:solidFill>
+                  <a:srgbClr val="000000"/>
+                </a:solidFill>
+                <a:highlight>
+                  <a:srgbClr val="FFFFFF"/>
+                </a:highlight>
+                <a:latin typeface="Consolas" panose="020B0609020204030204" pitchFamily="49" charset="0"/>
+              </a:rPr>
+              <a:t>               </a:t>
+            </a:r>
+            <a:r>
+              <a:rPr lang="en-US" dirty="0" err="1" smtClean="0">
+                <a:solidFill>
+                  <a:srgbClr val="2B91AF"/>
+                </a:solidFill>
+                <a:highlight>
+                  <a:srgbClr val="FFFFFF"/>
+                </a:highlight>
+                <a:latin typeface="Consolas" panose="020B0609020204030204" pitchFamily="49" charset="0"/>
+              </a:rPr>
+              <a:t>Keys</a:t>
+            </a:r>
+            <a:r>
+              <a:rPr lang="en-US" dirty="0" err="1" smtClean="0">
+                <a:solidFill>
+                  <a:srgbClr val="000000"/>
+                </a:solidFill>
+                <a:highlight>
+                  <a:srgbClr val="FFFFFF"/>
+                </a:highlight>
+                <a:latin typeface="Consolas" panose="020B0609020204030204" pitchFamily="49" charset="0"/>
+              </a:rPr>
+              <a:t>.ListingDbCollectionName</a:t>
+            </a:r>
+            <a:r>
+              <a:rPr lang="en-US" dirty="0">
+                <a:solidFill>
+                  <a:srgbClr val="000000"/>
+                </a:solidFill>
+                <a:highlight>
+                  <a:srgbClr val="FFFFFF"/>
+                </a:highlight>
+                <a:latin typeface="Consolas" panose="020B0609020204030204" pitchFamily="49" charset="0"/>
+              </a:rPr>
+              <a:t>);</a:t>
+            </a:r>
+          </a:p>
+          <a:p>
+            <a:endParaRPr lang="en-US" dirty="0">
+              <a:solidFill>
+                <a:srgbClr val="000000"/>
+              </a:solidFill>
+              <a:highlight>
+                <a:srgbClr val="FFFFFF"/>
+              </a:highlight>
+              <a:latin typeface="Consolas" panose="020B0609020204030204" pitchFamily="49" charset="0"/>
+            </a:endParaRPr>
+          </a:p>
+          <a:p>
+            <a:r>
+              <a:rPr lang="en-US" dirty="0">
+                <a:solidFill>
+                  <a:srgbClr val="000000"/>
+                </a:solidFill>
+                <a:highlight>
+                  <a:srgbClr val="FFFFFF"/>
+                </a:highlight>
+                <a:latin typeface="Consolas" panose="020B0609020204030204" pitchFamily="49" charset="0"/>
+              </a:rPr>
+              <a:t>            </a:t>
+            </a:r>
+            <a:r>
+              <a:rPr lang="en-US" dirty="0">
+                <a:solidFill>
+                  <a:srgbClr val="0000FF"/>
+                </a:solidFill>
+                <a:highlight>
+                  <a:srgbClr val="FFFFFF"/>
+                </a:highlight>
+                <a:latin typeface="Consolas" panose="020B0609020204030204" pitchFamily="49" charset="0"/>
+              </a:rPr>
+              <a:t>string</a:t>
+            </a:r>
+            <a:r>
+              <a:rPr lang="en-US" dirty="0">
+                <a:solidFill>
+                  <a:srgbClr val="000000"/>
+                </a:solidFill>
+                <a:highlight>
+                  <a:srgbClr val="FFFFFF"/>
+                </a:highlight>
+                <a:latin typeface="Consolas" panose="020B0609020204030204" pitchFamily="49" charset="0"/>
+              </a:rPr>
+              <a:t> </a:t>
+            </a:r>
+            <a:r>
+              <a:rPr lang="en-US" dirty="0" err="1">
+                <a:solidFill>
+                  <a:srgbClr val="000000"/>
+                </a:solidFill>
+                <a:highlight>
+                  <a:srgbClr val="FFFFFF"/>
+                </a:highlight>
+                <a:latin typeface="Consolas" panose="020B0609020204030204" pitchFamily="49" charset="0"/>
+              </a:rPr>
+              <a:t>sql</a:t>
+            </a:r>
+            <a:r>
+              <a:rPr lang="en-US" dirty="0">
+                <a:solidFill>
+                  <a:srgbClr val="000000"/>
+                </a:solidFill>
+                <a:highlight>
+                  <a:srgbClr val="FFFFFF"/>
+                </a:highlight>
+                <a:latin typeface="Consolas" panose="020B0609020204030204" pitchFamily="49" charset="0"/>
+              </a:rPr>
+              <a:t> = </a:t>
+            </a:r>
+            <a:r>
+              <a:rPr lang="en-US" dirty="0" err="1">
+                <a:solidFill>
+                  <a:srgbClr val="2B91AF"/>
+                </a:solidFill>
+                <a:highlight>
+                  <a:srgbClr val="FFFFFF"/>
+                </a:highlight>
+                <a:latin typeface="Consolas" panose="020B0609020204030204" pitchFamily="49" charset="0"/>
+              </a:rPr>
+              <a:t>String</a:t>
+            </a:r>
+            <a:r>
+              <a:rPr lang="en-US" dirty="0" err="1">
+                <a:solidFill>
+                  <a:srgbClr val="000000"/>
+                </a:solidFill>
+                <a:highlight>
+                  <a:srgbClr val="FFFFFF"/>
+                </a:highlight>
+                <a:latin typeface="Consolas" panose="020B0609020204030204" pitchFamily="49" charset="0"/>
+              </a:rPr>
+              <a:t>.Format</a:t>
+            </a:r>
+            <a:r>
+              <a:rPr lang="en-US" dirty="0">
+                <a:solidFill>
+                  <a:srgbClr val="000000"/>
+                </a:solidFill>
+                <a:highlight>
+                  <a:srgbClr val="FFFFFF"/>
+                </a:highlight>
+                <a:latin typeface="Consolas" panose="020B0609020204030204" pitchFamily="49" charset="0"/>
+              </a:rPr>
+              <a:t>(</a:t>
+            </a:r>
+            <a:r>
+              <a:rPr lang="en-US" dirty="0">
+                <a:solidFill>
+                  <a:srgbClr val="A31515"/>
+                </a:solidFill>
+                <a:highlight>
+                  <a:srgbClr val="FFFFFF"/>
+                </a:highlight>
+                <a:latin typeface="Consolas" panose="020B0609020204030204" pitchFamily="49" charset="0"/>
+              </a:rPr>
+              <a:t>@"SELECT </a:t>
+            </a:r>
+            <a:r>
+              <a:rPr lang="en-US" dirty="0" err="1">
+                <a:solidFill>
+                  <a:srgbClr val="A31515"/>
+                </a:solidFill>
+                <a:highlight>
+                  <a:srgbClr val="FFFFFF"/>
+                </a:highlight>
+                <a:latin typeface="Consolas" panose="020B0609020204030204" pitchFamily="49" charset="0"/>
+              </a:rPr>
+              <a:t>l.Color</a:t>
+            </a:r>
+            <a:r>
+              <a:rPr lang="en-US" dirty="0">
+                <a:solidFill>
+                  <a:srgbClr val="A31515"/>
+                </a:solidFill>
+                <a:highlight>
+                  <a:srgbClr val="FFFFFF"/>
+                </a:highlight>
+                <a:latin typeface="Consolas" panose="020B0609020204030204" pitchFamily="49" charset="0"/>
+              </a:rPr>
+              <a:t>, </a:t>
+            </a:r>
+            <a:r>
+              <a:rPr lang="en-US" dirty="0" err="1">
+                <a:solidFill>
+                  <a:srgbClr val="A31515"/>
+                </a:solidFill>
+                <a:highlight>
+                  <a:srgbClr val="FFFFFF"/>
+                </a:highlight>
+                <a:latin typeface="Consolas" panose="020B0609020204030204" pitchFamily="49" charset="0"/>
+              </a:rPr>
+              <a:t>l.Options</a:t>
+            </a:r>
+            <a:r>
+              <a:rPr lang="en-US" dirty="0">
+                <a:solidFill>
+                  <a:srgbClr val="A31515"/>
+                </a:solidFill>
+                <a:highlight>
+                  <a:srgbClr val="FFFFFF"/>
+                </a:highlight>
+                <a:latin typeface="Consolas" panose="020B0609020204030204" pitchFamily="49" charset="0"/>
+              </a:rPr>
+              <a:t>, </a:t>
+            </a:r>
+            <a:r>
+              <a:rPr lang="en-US" dirty="0" err="1">
+                <a:solidFill>
+                  <a:srgbClr val="A31515"/>
+                </a:solidFill>
+                <a:highlight>
+                  <a:srgbClr val="FFFFFF"/>
+                </a:highlight>
+                <a:latin typeface="Consolas" panose="020B0609020204030204" pitchFamily="49" charset="0"/>
+              </a:rPr>
+              <a:t>l.Package</a:t>
+            </a:r>
+            <a:r>
+              <a:rPr lang="en-US" dirty="0">
+                <a:solidFill>
+                  <a:srgbClr val="A31515"/>
+                </a:solidFill>
+                <a:highlight>
+                  <a:srgbClr val="FFFFFF"/>
+                </a:highlight>
+                <a:latin typeface="Consolas" panose="020B0609020204030204" pitchFamily="49" charset="0"/>
+              </a:rPr>
+              <a:t>, </a:t>
+            </a:r>
+            <a:r>
+              <a:rPr lang="en-US" dirty="0" err="1">
+                <a:solidFill>
+                  <a:srgbClr val="A31515"/>
+                </a:solidFill>
+                <a:highlight>
+                  <a:srgbClr val="FFFFFF"/>
+                </a:highlight>
+                <a:latin typeface="Consolas" panose="020B0609020204030204" pitchFamily="49" charset="0"/>
+              </a:rPr>
+              <a:t>l.Type</a:t>
+            </a:r>
+            <a:r>
+              <a:rPr lang="en-US" dirty="0">
+                <a:solidFill>
+                  <a:srgbClr val="A31515"/>
+                </a:solidFill>
+                <a:highlight>
+                  <a:srgbClr val="FFFFFF"/>
+                </a:highlight>
+                <a:latin typeface="Consolas" panose="020B0609020204030204" pitchFamily="49" charset="0"/>
+              </a:rPr>
+              <a:t>, </a:t>
+            </a:r>
+            <a:r>
+              <a:rPr lang="en-US" dirty="0" err="1">
+                <a:solidFill>
+                  <a:srgbClr val="A31515"/>
+                </a:solidFill>
+                <a:highlight>
+                  <a:srgbClr val="FFFFFF"/>
+                </a:highlight>
+                <a:latin typeface="Consolas" panose="020B0609020204030204" pitchFamily="49" charset="0"/>
+              </a:rPr>
+              <a:t>l.Image</a:t>
+            </a:r>
+            <a:r>
+              <a:rPr lang="en-US" dirty="0">
+                <a:solidFill>
+                  <a:srgbClr val="A31515"/>
+                </a:solidFill>
+                <a:highlight>
+                  <a:srgbClr val="FFFFFF"/>
+                </a:highlight>
+                <a:latin typeface="Consolas" panose="020B0609020204030204" pitchFamily="49" charset="0"/>
+              </a:rPr>
+              <a:t>, </a:t>
+            </a:r>
+            <a:endParaRPr lang="en-US" dirty="0" smtClean="0">
+              <a:solidFill>
+                <a:srgbClr val="A31515"/>
+              </a:solidFill>
+              <a:highlight>
+                <a:srgbClr val="FFFFFF"/>
+              </a:highlight>
+              <a:latin typeface="Consolas" panose="020B0609020204030204" pitchFamily="49" charset="0"/>
+            </a:endParaRPr>
+          </a:p>
+          <a:p>
+            <a:r>
+              <a:rPr lang="en-US" dirty="0">
+                <a:solidFill>
+                  <a:srgbClr val="A31515"/>
+                </a:solidFill>
+                <a:highlight>
+                  <a:srgbClr val="FFFFFF"/>
+                </a:highlight>
+                <a:latin typeface="Consolas" panose="020B0609020204030204" pitchFamily="49" charset="0"/>
+              </a:rPr>
+              <a:t> </a:t>
+            </a:r>
+            <a:r>
+              <a:rPr lang="en-US" dirty="0" smtClean="0">
+                <a:solidFill>
+                  <a:srgbClr val="A31515"/>
+                </a:solidFill>
+                <a:highlight>
+                  <a:srgbClr val="FFFFFF"/>
+                </a:highlight>
+                <a:latin typeface="Consolas" panose="020B0609020204030204" pitchFamily="49" charset="0"/>
+              </a:rPr>
+              <a:t>               </a:t>
+            </a:r>
+            <a:r>
+              <a:rPr lang="en-US" dirty="0" err="1" smtClean="0">
+                <a:solidFill>
+                  <a:srgbClr val="A31515"/>
+                </a:solidFill>
+                <a:highlight>
+                  <a:srgbClr val="FFFFFF"/>
+                </a:highlight>
+                <a:latin typeface="Consolas" panose="020B0609020204030204" pitchFamily="49" charset="0"/>
+              </a:rPr>
+              <a:t>l.Dealer</a:t>
+            </a:r>
+            <a:r>
+              <a:rPr lang="en-US" dirty="0">
+                <a:solidFill>
+                  <a:srgbClr val="A31515"/>
+                </a:solidFill>
+                <a:highlight>
+                  <a:srgbClr val="FFFFFF"/>
+                </a:highlight>
+                <a:latin typeface="Consolas" panose="020B0609020204030204" pitchFamily="49" charset="0"/>
+              </a:rPr>
+              <a:t>, </a:t>
+            </a:r>
+            <a:r>
+              <a:rPr lang="en-US" dirty="0" err="1">
+                <a:solidFill>
+                  <a:srgbClr val="A31515"/>
+                </a:solidFill>
+                <a:highlight>
+                  <a:srgbClr val="FFFFFF"/>
+                </a:highlight>
+                <a:latin typeface="Consolas" panose="020B0609020204030204" pitchFamily="49" charset="0"/>
+              </a:rPr>
+              <a:t>l.Id</a:t>
+            </a:r>
+            <a:r>
+              <a:rPr lang="en-US" dirty="0">
+                <a:solidFill>
+                  <a:srgbClr val="A31515"/>
+                </a:solidFill>
+                <a:highlight>
+                  <a:srgbClr val="FFFFFF"/>
+                </a:highlight>
+                <a:latin typeface="Consolas" panose="020B0609020204030204" pitchFamily="49" charset="0"/>
+              </a:rPr>
+              <a:t> </a:t>
+            </a:r>
+            <a:endParaRPr lang="en-US" dirty="0">
+              <a:solidFill>
+                <a:srgbClr val="000000"/>
+              </a:solidFill>
+              <a:highlight>
+                <a:srgbClr val="FFFFFF"/>
+              </a:highlight>
+              <a:latin typeface="Consolas" panose="020B0609020204030204" pitchFamily="49" charset="0"/>
+            </a:endParaRPr>
+          </a:p>
+          <a:p>
+            <a:r>
+              <a:rPr lang="en-US" dirty="0">
+                <a:solidFill>
+                  <a:srgbClr val="A31515"/>
+                </a:solidFill>
+                <a:highlight>
+                  <a:srgbClr val="FFFFFF"/>
+                </a:highlight>
+                <a:latin typeface="Consolas" panose="020B0609020204030204" pitchFamily="49" charset="0"/>
+              </a:rPr>
+              <a:t>                FROM </a:t>
+            </a:r>
+            <a:r>
+              <a:rPr lang="en-US" dirty="0">
+                <a:solidFill>
+                  <a:srgbClr val="3CB371"/>
+                </a:solidFill>
+                <a:highlight>
+                  <a:srgbClr val="FFFFFF"/>
+                </a:highlight>
+                <a:latin typeface="Consolas" panose="020B0609020204030204" pitchFamily="49" charset="0"/>
+              </a:rPr>
+              <a:t>{0}</a:t>
+            </a:r>
+            <a:r>
+              <a:rPr lang="en-US" dirty="0">
+                <a:solidFill>
+                  <a:srgbClr val="A31515"/>
+                </a:solidFill>
+                <a:highlight>
+                  <a:srgbClr val="FFFFFF"/>
+                </a:highlight>
+                <a:latin typeface="Consolas" panose="020B0609020204030204" pitchFamily="49" charset="0"/>
+              </a:rPr>
+              <a:t> l </a:t>
+            </a:r>
+            <a:endParaRPr lang="en-US" dirty="0">
+              <a:solidFill>
+                <a:srgbClr val="000000"/>
+              </a:solidFill>
+              <a:highlight>
+                <a:srgbClr val="FFFFFF"/>
+              </a:highlight>
+              <a:latin typeface="Consolas" panose="020B0609020204030204" pitchFamily="49" charset="0"/>
+            </a:endParaRPr>
+          </a:p>
+          <a:p>
+            <a:r>
+              <a:rPr lang="en-US" dirty="0">
+                <a:solidFill>
+                  <a:srgbClr val="A31515"/>
+                </a:solidFill>
+                <a:highlight>
+                  <a:srgbClr val="FFFFFF"/>
+                </a:highlight>
+                <a:latin typeface="Consolas" panose="020B0609020204030204" pitchFamily="49" charset="0"/>
+              </a:rPr>
+              <a:t>                    JOIN o IN </a:t>
+            </a:r>
+            <a:r>
+              <a:rPr lang="en-US" dirty="0" err="1">
+                <a:solidFill>
+                  <a:srgbClr val="A31515"/>
+                </a:solidFill>
+                <a:highlight>
+                  <a:srgbClr val="FFFFFF"/>
+                </a:highlight>
+                <a:latin typeface="Consolas" panose="020B0609020204030204" pitchFamily="49" charset="0"/>
+              </a:rPr>
+              <a:t>l.Options</a:t>
+            </a:r>
+            <a:endParaRPr lang="en-US" dirty="0">
+              <a:solidFill>
+                <a:srgbClr val="000000"/>
+              </a:solidFill>
+              <a:highlight>
+                <a:srgbClr val="FFFFFF"/>
+              </a:highlight>
+              <a:latin typeface="Consolas" panose="020B0609020204030204" pitchFamily="49" charset="0"/>
+            </a:endParaRPr>
+          </a:p>
+          <a:p>
+            <a:r>
+              <a:rPr lang="en-US" dirty="0">
+                <a:solidFill>
+                  <a:srgbClr val="A31515"/>
+                </a:solidFill>
+                <a:highlight>
+                  <a:srgbClr val="FFFFFF"/>
+                </a:highlight>
+                <a:latin typeface="Consolas" panose="020B0609020204030204" pitchFamily="49" charset="0"/>
+              </a:rPr>
+              <a:t>                WHERE </a:t>
+            </a:r>
+            <a:r>
+              <a:rPr lang="en-US" dirty="0" err="1">
+                <a:solidFill>
+                  <a:srgbClr val="A31515"/>
+                </a:solidFill>
+                <a:highlight>
+                  <a:srgbClr val="FFFFFF"/>
+                </a:highlight>
+                <a:latin typeface="Consolas" panose="020B0609020204030204" pitchFamily="49" charset="0"/>
+              </a:rPr>
+              <a:t>o.Name</a:t>
+            </a:r>
+            <a:r>
+              <a:rPr lang="en-US" dirty="0">
+                <a:solidFill>
+                  <a:srgbClr val="A31515"/>
+                </a:solidFill>
+                <a:highlight>
+                  <a:srgbClr val="FFFFFF"/>
+                </a:highlight>
+                <a:latin typeface="Consolas" panose="020B0609020204030204" pitchFamily="49" charset="0"/>
+              </a:rPr>
+              <a:t> = 'hard top'"</a:t>
+            </a:r>
+            <a:r>
+              <a:rPr lang="en-US" dirty="0">
+                <a:solidFill>
+                  <a:srgbClr val="000000"/>
+                </a:solidFill>
+                <a:highlight>
+                  <a:srgbClr val="FFFFFF"/>
+                </a:highlight>
+                <a:latin typeface="Consolas" panose="020B0609020204030204" pitchFamily="49" charset="0"/>
+              </a:rPr>
+              <a:t>, </a:t>
+            </a:r>
+            <a:r>
+              <a:rPr lang="en-US" dirty="0" err="1">
+                <a:solidFill>
+                  <a:srgbClr val="2B91AF"/>
+                </a:solidFill>
+                <a:highlight>
+                  <a:srgbClr val="FFFFFF"/>
+                </a:highlight>
+                <a:latin typeface="Consolas" panose="020B0609020204030204" pitchFamily="49" charset="0"/>
+              </a:rPr>
+              <a:t>Keys</a:t>
+            </a:r>
+            <a:r>
+              <a:rPr lang="en-US" dirty="0" err="1">
+                <a:solidFill>
+                  <a:srgbClr val="000000"/>
+                </a:solidFill>
+                <a:highlight>
+                  <a:srgbClr val="FFFFFF"/>
+                </a:highlight>
+                <a:latin typeface="Consolas" panose="020B0609020204030204" pitchFamily="49" charset="0"/>
+              </a:rPr>
+              <a:t>.ListingDbCollectionName</a:t>
+            </a:r>
+            <a:r>
+              <a:rPr lang="en-US" dirty="0" smtClean="0">
+                <a:solidFill>
+                  <a:srgbClr val="000000"/>
+                </a:solidFill>
+                <a:highlight>
+                  <a:srgbClr val="FFFFFF"/>
+                </a:highlight>
+                <a:latin typeface="Consolas" panose="020B0609020204030204" pitchFamily="49" charset="0"/>
+              </a:rPr>
+              <a:t>);</a:t>
+            </a:r>
+          </a:p>
+          <a:p>
+            <a:endParaRPr lang="en-US" dirty="0">
+              <a:solidFill>
+                <a:srgbClr val="000000"/>
+              </a:solidFill>
+              <a:highlight>
+                <a:srgbClr val="FFFFFF"/>
+              </a:highlight>
+              <a:latin typeface="Consolas" panose="020B0609020204030204" pitchFamily="49" charset="0"/>
+            </a:endParaRPr>
+          </a:p>
+          <a:p>
+            <a:r>
+              <a:rPr lang="en-US" dirty="0">
+                <a:solidFill>
+                  <a:srgbClr val="000000"/>
+                </a:solidFill>
+                <a:highlight>
+                  <a:srgbClr val="FFFFFF"/>
+                </a:highlight>
+                <a:latin typeface="Consolas" panose="020B0609020204030204" pitchFamily="49" charset="0"/>
+              </a:rPr>
+              <a:t>            </a:t>
+            </a:r>
+            <a:r>
+              <a:rPr lang="en-US" dirty="0" err="1">
+                <a:solidFill>
+                  <a:srgbClr val="0000FF"/>
+                </a:solidFill>
+                <a:highlight>
+                  <a:srgbClr val="FFFFFF"/>
+                </a:highlight>
+                <a:latin typeface="Consolas" panose="020B0609020204030204" pitchFamily="49" charset="0"/>
+              </a:rPr>
+              <a:t>var</a:t>
+            </a:r>
+            <a:r>
+              <a:rPr lang="en-US" dirty="0">
+                <a:solidFill>
+                  <a:srgbClr val="000000"/>
+                </a:solidFill>
+                <a:highlight>
+                  <a:srgbClr val="FFFFFF"/>
+                </a:highlight>
+                <a:latin typeface="Consolas" panose="020B0609020204030204" pitchFamily="49" charset="0"/>
+              </a:rPr>
+              <a:t> </a:t>
+            </a:r>
+            <a:r>
+              <a:rPr lang="en-US" dirty="0" err="1">
+                <a:solidFill>
+                  <a:srgbClr val="000000"/>
+                </a:solidFill>
+                <a:highlight>
+                  <a:srgbClr val="FFFFFF"/>
+                </a:highlight>
+                <a:latin typeface="Consolas" panose="020B0609020204030204" pitchFamily="49" charset="0"/>
+              </a:rPr>
+              <a:t>hardtopQuery</a:t>
+            </a:r>
+            <a:r>
+              <a:rPr lang="en-US" dirty="0">
+                <a:solidFill>
+                  <a:srgbClr val="000000"/>
+                </a:solidFill>
+                <a:highlight>
+                  <a:srgbClr val="FFFFFF"/>
+                </a:highlight>
+                <a:latin typeface="Consolas" panose="020B0609020204030204" pitchFamily="49" charset="0"/>
+              </a:rPr>
+              <a:t> = </a:t>
+            </a:r>
+            <a:r>
+              <a:rPr lang="en-US" dirty="0" err="1">
+                <a:solidFill>
+                  <a:srgbClr val="000000"/>
+                </a:solidFill>
+                <a:highlight>
+                  <a:srgbClr val="FFFFFF"/>
+                </a:highlight>
+                <a:latin typeface="Consolas" panose="020B0609020204030204" pitchFamily="49" charset="0"/>
+              </a:rPr>
+              <a:t>client.CreateDocumentQuery</a:t>
+            </a:r>
+            <a:r>
+              <a:rPr lang="en-US" dirty="0">
+                <a:solidFill>
+                  <a:srgbClr val="000000"/>
+                </a:solidFill>
+                <a:highlight>
+                  <a:srgbClr val="FFFFFF"/>
+                </a:highlight>
+                <a:latin typeface="Consolas" panose="020B0609020204030204" pitchFamily="49" charset="0"/>
+              </a:rPr>
+              <a:t>&lt;</a:t>
+            </a:r>
+            <a:r>
+              <a:rPr lang="en-US" dirty="0">
+                <a:solidFill>
+                  <a:srgbClr val="2B91AF"/>
+                </a:solidFill>
+                <a:highlight>
+                  <a:srgbClr val="FFFFFF"/>
+                </a:highlight>
+                <a:latin typeface="Consolas" panose="020B0609020204030204" pitchFamily="49" charset="0"/>
+              </a:rPr>
+              <a:t>Listing</a:t>
+            </a:r>
+            <a:r>
+              <a:rPr lang="en-US" dirty="0">
+                <a:solidFill>
+                  <a:srgbClr val="000000"/>
+                </a:solidFill>
+                <a:highlight>
+                  <a:srgbClr val="FFFFFF"/>
+                </a:highlight>
+                <a:latin typeface="Consolas" panose="020B0609020204030204" pitchFamily="49" charset="0"/>
+              </a:rPr>
+              <a:t>&gt;(</a:t>
+            </a:r>
+            <a:r>
+              <a:rPr lang="en-US" dirty="0" err="1">
+                <a:solidFill>
+                  <a:srgbClr val="000000"/>
+                </a:solidFill>
+                <a:highlight>
+                  <a:srgbClr val="FFFFFF"/>
+                </a:highlight>
+                <a:latin typeface="Consolas" panose="020B0609020204030204" pitchFamily="49" charset="0"/>
+              </a:rPr>
+              <a:t>collection.SelfLink</a:t>
+            </a:r>
+            <a:r>
+              <a:rPr lang="en-US" dirty="0">
+                <a:solidFill>
+                  <a:srgbClr val="000000"/>
+                </a:solidFill>
+                <a:highlight>
+                  <a:srgbClr val="FFFFFF"/>
+                </a:highlight>
+                <a:latin typeface="Consolas" panose="020B0609020204030204" pitchFamily="49" charset="0"/>
+              </a:rPr>
+              <a:t>, </a:t>
+            </a:r>
+            <a:endParaRPr lang="en-US" dirty="0" smtClean="0">
+              <a:solidFill>
+                <a:srgbClr val="000000"/>
+              </a:solidFill>
+              <a:highlight>
+                <a:srgbClr val="FFFFFF"/>
+              </a:highlight>
+              <a:latin typeface="Consolas" panose="020B0609020204030204" pitchFamily="49" charset="0"/>
+            </a:endParaRPr>
+          </a:p>
+          <a:p>
+            <a:r>
+              <a:rPr lang="en-US" dirty="0">
+                <a:solidFill>
+                  <a:srgbClr val="000000"/>
+                </a:solidFill>
+                <a:highlight>
+                  <a:srgbClr val="FFFFFF"/>
+                </a:highlight>
+                <a:latin typeface="Consolas" panose="020B0609020204030204" pitchFamily="49" charset="0"/>
+              </a:rPr>
+              <a:t> </a:t>
+            </a:r>
+            <a:r>
+              <a:rPr lang="en-US" dirty="0" smtClean="0">
+                <a:solidFill>
+                  <a:srgbClr val="000000"/>
+                </a:solidFill>
+                <a:highlight>
+                  <a:srgbClr val="FFFFFF"/>
+                </a:highlight>
+                <a:latin typeface="Consolas" panose="020B0609020204030204" pitchFamily="49" charset="0"/>
+              </a:rPr>
+              <a:t>               </a:t>
+            </a:r>
+            <a:r>
+              <a:rPr lang="en-US" dirty="0" err="1" smtClean="0">
+                <a:solidFill>
+                  <a:srgbClr val="000000"/>
+                </a:solidFill>
+                <a:highlight>
+                  <a:srgbClr val="FFFFFF"/>
+                </a:highlight>
+                <a:latin typeface="Consolas" panose="020B0609020204030204" pitchFamily="49" charset="0"/>
+              </a:rPr>
+              <a:t>sql</a:t>
+            </a:r>
+            <a:r>
+              <a:rPr lang="en-US" dirty="0">
+                <a:solidFill>
+                  <a:srgbClr val="000000"/>
+                </a:solidFill>
+                <a:highlight>
+                  <a:srgbClr val="FFFFFF"/>
+                </a:highlight>
+                <a:latin typeface="Consolas" panose="020B0609020204030204" pitchFamily="49" charset="0"/>
+              </a:rPr>
+              <a:t>).</a:t>
+            </a:r>
+            <a:r>
+              <a:rPr lang="en-US" dirty="0" err="1">
+                <a:solidFill>
+                  <a:srgbClr val="000000"/>
+                </a:solidFill>
+                <a:highlight>
+                  <a:srgbClr val="FFFFFF"/>
+                </a:highlight>
+                <a:latin typeface="Consolas" panose="020B0609020204030204" pitchFamily="49" charset="0"/>
+              </a:rPr>
+              <a:t>ToArray</a:t>
+            </a:r>
+            <a:r>
+              <a:rPr lang="en-US" dirty="0" smtClean="0">
+                <a:solidFill>
+                  <a:srgbClr val="000000"/>
+                </a:solidFill>
+                <a:highlight>
+                  <a:srgbClr val="FFFFFF"/>
+                </a:highlight>
+                <a:latin typeface="Consolas" panose="020B0609020204030204" pitchFamily="49" charset="0"/>
+              </a:rPr>
+              <a:t>();</a:t>
+            </a:r>
+            <a:endParaRPr lang="en-US" dirty="0"/>
+          </a:p>
+        </p:txBody>
+      </p:sp>
+    </p:spTree>
+    <p:extLst>
+      <p:ext uri="{BB962C8B-B14F-4D97-AF65-F5344CB8AC3E}">
+        <p14:creationId xmlns:p14="http://schemas.microsoft.com/office/powerpoint/2010/main" val="2726806429"/>
+      </p:ext>
+    </p:extLst>
+  </p:cSld>
+  <p:clrMapOvr>
+    <a:masterClrMapping/>
+  </p:clrMapOvr>
+  <p:timing>
+    <p:tnLst>
+      <p:par>
+        <p:cTn id="1" dur="indefinite" restart="never" nodeType="tmRoot"/>
+      </p:par>
+    </p:tnLst>
+  </p:timing>
+</p:sld>
+</file>
+
+<file path=ppt/slides/slide32.xml><?xml version="1.0" encoding="utf-8"?>
+<p:sld xmlns:a="http://schemas.openxmlformats.org/drawingml/2006/main" xmlns:r="http://schemas.openxmlformats.org/officeDocument/2006/relationships" xmlns:p="http://schemas.openxmlformats.org/presentationml/2006/main">
+  <p:cSld>
+    <p:spTree>
+      <p:nvGrpSpPr>
+        <p:cNvPr id="1" name=""/>
+        <p:cNvGrpSpPr/>
+        <p:nvPr/>
+      </p:nvGrpSpPr>
+      <p:grpSpPr>
+        <a:xfrm>
+          <a:off x="0" y="0"/>
+          <a:ext cx="0" cy="0"/>
+          <a:chOff x="0" y="0"/>
+          <a:chExt cx="0" cy="0"/>
+        </a:xfrm>
+      </p:grpSpPr>
+      <p:sp>
+        <p:nvSpPr>
+          <p:cNvPr id="2" name="Title 1"/>
+          <p:cNvSpPr>
+            <a:spLocks noGrp="1"/>
+          </p:cNvSpPr>
+          <p:nvPr>
+            <p:ph type="title"/>
+          </p:nvPr>
+        </p:nvSpPr>
+        <p:spPr/>
+        <p:txBody>
+          <a:bodyPr/>
+          <a:lstStyle/>
+          <a:p>
+            <a:r>
+              <a:rPr lang="en-US" dirty="0" smtClean="0"/>
               <a:t>REST API</a:t>
             </a:r>
             <a:endParaRPr lang="en-US" dirty="0"/>
@@ -4218,7 +9830,7 @@
         </p:blipFill>
         <p:spPr>
           <a:xfrm>
-            <a:off x="6334218" y="1581884"/>
+            <a:off x="6334218" y="2547084"/>
             <a:ext cx="5496018" cy="3893013"/>
           </a:xfrm>
           <a:prstGeom prst="rect">
@@ -4242,7 +9854,7 @@
         </p:blipFill>
         <p:spPr>
           <a:xfrm>
-            <a:off x="475582" y="1581884"/>
+            <a:off x="475582" y="2547084"/>
             <a:ext cx="5496018" cy="3893013"/>
           </a:xfrm>
           <a:prstGeom prst="rect">
@@ -4258,7 +9870,7 @@
         </p:nvSpPr>
         <p:spPr>
           <a:xfrm>
-            <a:off x="2205780" y="5715000"/>
+            <a:off x="2205780" y="6464300"/>
             <a:ext cx="2035622" cy="369332"/>
           </a:xfrm>
           <a:prstGeom prst="rect">
@@ -4288,7 +9900,7 @@
         </p:nvSpPr>
         <p:spPr>
           <a:xfrm>
-            <a:off x="8082466" y="5715000"/>
+            <a:off x="8082466" y="6464300"/>
             <a:ext cx="1999522" cy="369332"/>
           </a:xfrm>
           <a:prstGeom prst="rect">
@@ -4317,7 +9929,7 @@
         </p:nvSpPr>
         <p:spPr>
           <a:xfrm>
-            <a:off x="7742583" y="3448613"/>
+            <a:off x="7742583" y="4451913"/>
             <a:ext cx="2872409" cy="288236"/>
           </a:xfrm>
           <a:prstGeom prst="rect">
@@ -4355,6 +9967,36 @@
           </a:p>
         </p:txBody>
       </p:sp>
+      <p:sp>
+        <p:nvSpPr>
+          <p:cNvPr id="10" name="Content Placeholder 2"/>
+          <p:cNvSpPr>
+            <a:spLocks noGrp="1"/>
+          </p:cNvSpPr>
+          <p:nvPr>
+            <p:ph idx="1"/>
+          </p:nvPr>
+        </p:nvSpPr>
+        <p:spPr>
+          <a:xfrm>
+            <a:off x="838200" y="1825626"/>
+            <a:ext cx="10515600" cy="1184274"/>
+          </a:xfrm>
+        </p:spPr>
+        <p:txBody>
+          <a:bodyPr>
+            <a:normAutofit/>
+          </a:bodyPr>
+          <a:lstStyle/>
+          <a:p>
+            <a:r>
+              <a:rPr lang="en-US" dirty="0" smtClean="0"/>
+              <a:t>Everything is done via a REST call!</a:t>
+            </a:r>
+            <a:endParaRPr lang="en-US" dirty="0"/>
+          </a:p>
+        </p:txBody>
+      </p:sp>
     </p:spTree>
     <p:extLst>
       <p:ext uri="{BB962C8B-B14F-4D97-AF65-F5344CB8AC3E}">
@@ -4375,7 +10017,7 @@
 </p:sld>
 </file>
 
-<file path=ppt/slides/slide11.xml><?xml version="1.0" encoding="utf-8"?>
+<file path=ppt/slides/slide33.xml><?xml version="1.0" encoding="utf-8"?>
 <p:sld xmlns:a="http://schemas.openxmlformats.org/drawingml/2006/main" xmlns:r="http://schemas.openxmlformats.org/officeDocument/2006/relationships" xmlns:p="http://schemas.openxmlformats.org/presentationml/2006/main">
   <p:cSld>
     <p:spTree>
@@ -4407,7 +10049,645 @@
           <a:bodyPr/>
           <a:lstStyle/>
           <a:p>
+            <a:r>
+              <a:rPr lang="en-US" dirty="0" smtClean="0"/>
+              <a:t>Quick questions on Document DB?</a:t>
+            </a:r>
+            <a:endParaRPr lang="en-US" dirty="0"/>
+          </a:p>
+        </p:txBody>
+      </p:sp>
+      <p:sp>
+        <p:nvSpPr>
+          <p:cNvPr id="3" name="Content Placeholder 2"/>
+          <p:cNvSpPr>
+            <a:spLocks noGrp="1"/>
+          </p:cNvSpPr>
+          <p:nvPr>
+            <p:ph idx="1"/>
+          </p:nvPr>
+        </p:nvSpPr>
+        <p:spPr/>
+        <p:txBody>
+          <a:bodyPr/>
+          <a:lstStyle/>
+          <a:p>
             <a:endParaRPr lang="en-US"/>
+          </a:p>
+        </p:txBody>
+      </p:sp>
+    </p:spTree>
+    <p:extLst>
+      <p:ext uri="{BB962C8B-B14F-4D97-AF65-F5344CB8AC3E}">
+        <p14:creationId xmlns:p14="http://schemas.microsoft.com/office/powerpoint/2010/main" val="282802539"/>
+      </p:ext>
+    </p:extLst>
+  </p:cSld>
+  <p:clrMapOvr>
+    <a:masterClrMapping/>
+  </p:clrMapOvr>
+  <p:timing>
+    <p:tnLst>
+      <p:par>
+        <p:cTn id="1" dur="indefinite" restart="never" nodeType="tmRoot"/>
+      </p:par>
+    </p:tnLst>
+  </p:timing>
+</p:sld>
+</file>
+
+<file path=ppt/slides/slide34.xml><?xml version="1.0" encoding="utf-8"?>
+<p:sld xmlns:a="http://schemas.openxmlformats.org/drawingml/2006/main" xmlns:r="http://schemas.openxmlformats.org/officeDocument/2006/relationships" xmlns:p="http://schemas.openxmlformats.org/presentationml/2006/main">
+  <p:cSld>
+    <p:spTree>
+      <p:nvGrpSpPr>
+        <p:cNvPr id="1" name=""/>
+        <p:cNvGrpSpPr/>
+        <p:nvPr/>
+      </p:nvGrpSpPr>
+      <p:grpSpPr>
+        <a:xfrm>
+          <a:off x="0" y="0"/>
+          <a:ext cx="0" cy="0"/>
+          <a:chOff x="0" y="0"/>
+          <a:chExt cx="0" cy="0"/>
+        </a:xfrm>
+      </p:grpSpPr>
+      <p:sp>
+        <p:nvSpPr>
+          <p:cNvPr id="2" name="Title 1"/>
+          <p:cNvSpPr>
+            <a:spLocks noGrp="1"/>
+          </p:cNvSpPr>
+          <p:nvPr>
+            <p:ph type="ctrTitle"/>
+          </p:nvPr>
+        </p:nvSpPr>
+        <p:spPr/>
+        <p:txBody>
+          <a:bodyPr/>
+          <a:lstStyle/>
+          <a:p>
+            <a:r>
+              <a:rPr lang="en-US" dirty="0" smtClean="0"/>
+              <a:t>Azure Search</a:t>
+            </a:r>
+            <a:endParaRPr lang="en-US" dirty="0"/>
+          </a:p>
+        </p:txBody>
+      </p:sp>
+      <p:sp>
+        <p:nvSpPr>
+          <p:cNvPr id="4" name="Subtitle 3"/>
+          <p:cNvSpPr>
+            <a:spLocks noGrp="1"/>
+          </p:cNvSpPr>
+          <p:nvPr>
+            <p:ph type="subTitle" idx="1"/>
+          </p:nvPr>
+        </p:nvSpPr>
+        <p:spPr/>
+        <p:txBody>
+          <a:bodyPr/>
+          <a:lstStyle/>
+          <a:p>
+            <a:endParaRPr lang="en-US"/>
+          </a:p>
+        </p:txBody>
+      </p:sp>
+    </p:spTree>
+    <p:extLst>
+      <p:ext uri="{BB962C8B-B14F-4D97-AF65-F5344CB8AC3E}">
+        <p14:creationId xmlns:p14="http://schemas.microsoft.com/office/powerpoint/2010/main" val="1358103112"/>
+      </p:ext>
+    </p:extLst>
+  </p:cSld>
+  <p:clrMapOvr>
+    <a:masterClrMapping/>
+  </p:clrMapOvr>
+  <p:timing>
+    <p:tnLst>
+      <p:par>
+        <p:cTn id="1" dur="indefinite" restart="never" nodeType="tmRoot"/>
+      </p:par>
+    </p:tnLst>
+  </p:timing>
+</p:sld>
+</file>
+
+<file path=ppt/slides/slide35.xml><?xml version="1.0" encoding="utf-8"?>
+<p:sld xmlns:a="http://schemas.openxmlformats.org/drawingml/2006/main" xmlns:r="http://schemas.openxmlformats.org/officeDocument/2006/relationships" xmlns:p="http://schemas.openxmlformats.org/presentationml/2006/main">
+  <p:cSld>
+    <p:spTree>
+      <p:nvGrpSpPr>
+        <p:cNvPr id="1" name=""/>
+        <p:cNvGrpSpPr/>
+        <p:nvPr/>
+      </p:nvGrpSpPr>
+      <p:grpSpPr>
+        <a:xfrm>
+          <a:off x="0" y="0"/>
+          <a:ext cx="0" cy="0"/>
+          <a:chOff x="0" y="0"/>
+          <a:chExt cx="0" cy="0"/>
+        </a:xfrm>
+      </p:grpSpPr>
+      <p:sp>
+        <p:nvSpPr>
+          <p:cNvPr id="2" name="Title 1"/>
+          <p:cNvSpPr>
+            <a:spLocks noGrp="1"/>
+          </p:cNvSpPr>
+          <p:nvPr>
+            <p:ph type="title"/>
+          </p:nvPr>
+        </p:nvSpPr>
+        <p:spPr/>
+        <p:txBody>
+          <a:bodyPr/>
+          <a:lstStyle/>
+          <a:p>
+            <a:r>
+              <a:rPr lang="en-US" dirty="0" smtClean="0"/>
+              <a:t>Let’s see how to setup Azure Search</a:t>
+            </a:r>
+            <a:endParaRPr lang="en-US" dirty="0"/>
+          </a:p>
+        </p:txBody>
+      </p:sp>
+      <p:sp>
+        <p:nvSpPr>
+          <p:cNvPr id="3" name="Content Placeholder 2"/>
+          <p:cNvSpPr>
+            <a:spLocks noGrp="1"/>
+          </p:cNvSpPr>
+          <p:nvPr>
+            <p:ph idx="1"/>
+          </p:nvPr>
+        </p:nvSpPr>
+        <p:spPr/>
+        <p:txBody>
+          <a:bodyPr/>
+          <a:lstStyle/>
+          <a:p>
+            <a:endParaRPr lang="en-US"/>
+          </a:p>
+        </p:txBody>
+      </p:sp>
+    </p:spTree>
+    <p:extLst>
+      <p:ext uri="{BB962C8B-B14F-4D97-AF65-F5344CB8AC3E}">
+        <p14:creationId xmlns:p14="http://schemas.microsoft.com/office/powerpoint/2010/main" val="3243107418"/>
+      </p:ext>
+    </p:extLst>
+  </p:cSld>
+  <p:clrMapOvr>
+    <a:masterClrMapping/>
+  </p:clrMapOvr>
+  <p:timing>
+    <p:tnLst>
+      <p:par>
+        <p:cTn id="1" dur="indefinite" restart="never" nodeType="tmRoot"/>
+      </p:par>
+    </p:tnLst>
+  </p:timing>
+</p:sld>
+</file>
+
+<file path=ppt/slides/slide36.xml><?xml version="1.0" encoding="utf-8"?>
+<p:sld xmlns:a="http://schemas.openxmlformats.org/drawingml/2006/main" xmlns:r="http://schemas.openxmlformats.org/officeDocument/2006/relationships" xmlns:p="http://schemas.openxmlformats.org/presentationml/2006/main">
+  <p:cSld>
+    <p:spTree>
+      <p:nvGrpSpPr>
+        <p:cNvPr id="1" name=""/>
+        <p:cNvGrpSpPr/>
+        <p:nvPr/>
+      </p:nvGrpSpPr>
+      <p:grpSpPr>
+        <a:xfrm>
+          <a:off x="0" y="0"/>
+          <a:ext cx="0" cy="0"/>
+          <a:chOff x="0" y="0"/>
+          <a:chExt cx="0" cy="0"/>
+        </a:xfrm>
+      </p:grpSpPr>
+      <p:sp>
+        <p:nvSpPr>
+          <p:cNvPr id="3" name="Content Placeholder 2"/>
+          <p:cNvSpPr>
+            <a:spLocks noGrp="1"/>
+          </p:cNvSpPr>
+          <p:nvPr>
+            <p:ph idx="1"/>
+          </p:nvPr>
+        </p:nvSpPr>
+        <p:spPr>
+          <a:xfrm>
+            <a:off x="838200" y="5413652"/>
+            <a:ext cx="10515600" cy="639279"/>
+          </a:xfrm>
+        </p:spPr>
+        <p:txBody>
+          <a:bodyPr/>
+          <a:lstStyle/>
+          <a:p>
+            <a:pPr marL="0" indent="0">
+              <a:buNone/>
+            </a:pPr>
+            <a:r>
+              <a:rPr lang="en-US" dirty="0" smtClean="0"/>
+              <a:t>Creating a search instance</a:t>
+            </a:r>
+            <a:endParaRPr lang="en-US" dirty="0"/>
+          </a:p>
+        </p:txBody>
+      </p:sp>
+      <p:pic>
+        <p:nvPicPr>
+          <p:cNvPr id="4" name="Picture 3"/>
+          <p:cNvPicPr>
+            <a:picLocks noChangeAspect="1"/>
+          </p:cNvPicPr>
+          <p:nvPr/>
+        </p:nvPicPr>
+        <p:blipFill>
+          <a:blip r:embed="rId2"/>
+          <a:stretch>
+            <a:fillRect/>
+          </a:stretch>
+        </p:blipFill>
+        <p:spPr>
+          <a:xfrm>
+            <a:off x="5" y="0"/>
+            <a:ext cx="3214676" cy="2103120"/>
+          </a:xfrm>
+          <a:prstGeom prst="rect">
+            <a:avLst/>
+          </a:prstGeom>
+        </p:spPr>
+      </p:pic>
+      <p:pic>
+        <p:nvPicPr>
+          <p:cNvPr id="5" name="Picture 4"/>
+          <p:cNvPicPr>
+            <a:picLocks noChangeAspect="1"/>
+          </p:cNvPicPr>
+          <p:nvPr/>
+        </p:nvPicPr>
+        <p:blipFill>
+          <a:blip r:embed="rId3"/>
+          <a:stretch>
+            <a:fillRect/>
+          </a:stretch>
+        </p:blipFill>
+        <p:spPr>
+          <a:xfrm>
+            <a:off x="3357198" y="0"/>
+            <a:ext cx="4370681" cy="4114800"/>
+          </a:xfrm>
+          <a:prstGeom prst="rect">
+            <a:avLst/>
+          </a:prstGeom>
+        </p:spPr>
+      </p:pic>
+      <p:pic>
+        <p:nvPicPr>
+          <p:cNvPr id="6" name="Picture 5"/>
+          <p:cNvPicPr>
+            <a:picLocks noChangeAspect="1"/>
+          </p:cNvPicPr>
+          <p:nvPr/>
+        </p:nvPicPr>
+        <p:blipFill>
+          <a:blip r:embed="rId4"/>
+          <a:stretch>
+            <a:fillRect/>
+          </a:stretch>
+        </p:blipFill>
+        <p:spPr>
+          <a:xfrm>
+            <a:off x="7727879" y="2377440"/>
+            <a:ext cx="4464121" cy="4480560"/>
+          </a:xfrm>
+          <a:prstGeom prst="rect">
+            <a:avLst/>
+          </a:prstGeom>
+        </p:spPr>
+      </p:pic>
+      <p:sp>
+        <p:nvSpPr>
+          <p:cNvPr id="7" name="Right Arrow 6"/>
+          <p:cNvSpPr/>
+          <p:nvPr/>
+        </p:nvSpPr>
+        <p:spPr>
+          <a:xfrm>
+            <a:off x="2017643" y="2375452"/>
+            <a:ext cx="974035" cy="437322"/>
+          </a:xfrm>
+          <a:prstGeom prst="rightArrow">
+            <a:avLst/>
+          </a:prstGeom>
+        </p:spPr>
+        <p:style>
+          <a:lnRef idx="2">
+            <a:schemeClr val="accent1">
+              <a:shade val="50000"/>
+            </a:schemeClr>
+          </a:lnRef>
+          <a:fillRef idx="1">
+            <a:schemeClr val="accent1"/>
+          </a:fillRef>
+          <a:effectRef idx="0">
+            <a:schemeClr val="accent1"/>
+          </a:effectRef>
+          <a:fontRef idx="minor">
+            <a:schemeClr val="lt1"/>
+          </a:fontRef>
+        </p:style>
+        <p:txBody>
+          <a:bodyPr rtlCol="0" anchor="ctr"/>
+          <a:lstStyle/>
+          <a:p>
+            <a:pPr algn="ctr"/>
+            <a:endParaRPr lang="en-US"/>
+          </a:p>
+        </p:txBody>
+      </p:sp>
+      <p:sp>
+        <p:nvSpPr>
+          <p:cNvPr id="8" name="Right Arrow 7"/>
+          <p:cNvSpPr/>
+          <p:nvPr/>
+        </p:nvSpPr>
+        <p:spPr>
+          <a:xfrm>
+            <a:off x="6402661" y="5006146"/>
+            <a:ext cx="974035" cy="437322"/>
+          </a:xfrm>
+          <a:prstGeom prst="rightArrow">
+            <a:avLst/>
+          </a:prstGeom>
+        </p:spPr>
+        <p:style>
+          <a:lnRef idx="2">
+            <a:schemeClr val="accent1">
+              <a:shade val="50000"/>
+            </a:schemeClr>
+          </a:lnRef>
+          <a:fillRef idx="1">
+            <a:schemeClr val="accent1"/>
+          </a:fillRef>
+          <a:effectRef idx="0">
+            <a:schemeClr val="accent1"/>
+          </a:effectRef>
+          <a:fontRef idx="minor">
+            <a:schemeClr val="lt1"/>
+          </a:fontRef>
+        </p:style>
+        <p:txBody>
+          <a:bodyPr rtlCol="0" anchor="ctr"/>
+          <a:lstStyle/>
+          <a:p>
+            <a:pPr algn="ctr"/>
+            <a:endParaRPr lang="en-US"/>
+          </a:p>
+        </p:txBody>
+      </p:sp>
+      <p:sp>
+        <p:nvSpPr>
+          <p:cNvPr id="9" name="Rectangle 8"/>
+          <p:cNvSpPr/>
+          <p:nvPr/>
+        </p:nvSpPr>
+        <p:spPr>
+          <a:xfrm>
+            <a:off x="3402495" y="3541712"/>
+            <a:ext cx="2073966" cy="503514"/>
+          </a:xfrm>
+          <a:prstGeom prst="rect">
+            <a:avLst/>
+          </a:prstGeom>
+          <a:noFill/>
+          <a:ln w="38100">
+            <a:solidFill>
+              <a:srgbClr val="C00000"/>
+            </a:solidFill>
+          </a:ln>
+        </p:spPr>
+        <p:style>
+          <a:lnRef idx="2">
+            <a:schemeClr val="accent1">
+              <a:shade val="50000"/>
+            </a:schemeClr>
+          </a:lnRef>
+          <a:fillRef idx="1">
+            <a:schemeClr val="accent1"/>
+          </a:fillRef>
+          <a:effectRef idx="0">
+            <a:schemeClr val="accent1"/>
+          </a:effectRef>
+          <a:fontRef idx="minor">
+            <a:schemeClr val="lt1"/>
+          </a:fontRef>
+        </p:style>
+        <p:txBody>
+          <a:bodyPr rtlCol="0" anchor="ctr"/>
+          <a:lstStyle/>
+          <a:p>
+            <a:pPr algn="ctr"/>
+            <a:endParaRPr lang="en-US"/>
+          </a:p>
+        </p:txBody>
+      </p:sp>
+      <p:sp>
+        <p:nvSpPr>
+          <p:cNvPr id="10" name="Down Arrow 9"/>
+          <p:cNvSpPr/>
+          <p:nvPr/>
+        </p:nvSpPr>
+        <p:spPr>
+          <a:xfrm>
+            <a:off x="4712651" y="2677008"/>
+            <a:ext cx="377712" cy="864704"/>
+          </a:xfrm>
+          <a:prstGeom prst="downArrow">
+            <a:avLst/>
+          </a:prstGeom>
+          <a:solidFill>
+            <a:srgbClr val="C00000"/>
+          </a:solidFill>
+          <a:ln>
+            <a:solidFill>
+              <a:srgbClr val="C00000"/>
+            </a:solidFill>
+          </a:ln>
+        </p:spPr>
+        <p:style>
+          <a:lnRef idx="2">
+            <a:schemeClr val="accent1">
+              <a:shade val="50000"/>
+            </a:schemeClr>
+          </a:lnRef>
+          <a:fillRef idx="1">
+            <a:schemeClr val="accent1"/>
+          </a:fillRef>
+          <a:effectRef idx="0">
+            <a:schemeClr val="accent1"/>
+          </a:effectRef>
+          <a:fontRef idx="minor">
+            <a:schemeClr val="lt1"/>
+          </a:fontRef>
+        </p:style>
+        <p:txBody>
+          <a:bodyPr rtlCol="0" anchor="ctr"/>
+          <a:lstStyle/>
+          <a:p>
+            <a:pPr algn="ctr"/>
+            <a:endParaRPr lang="en-US" dirty="0"/>
+          </a:p>
+        </p:txBody>
+      </p:sp>
+    </p:spTree>
+    <p:extLst>
+      <p:ext uri="{BB962C8B-B14F-4D97-AF65-F5344CB8AC3E}">
+        <p14:creationId xmlns:p14="http://schemas.microsoft.com/office/powerpoint/2010/main" val="4054387335"/>
+      </p:ext>
+    </p:extLst>
+  </p:cSld>
+  <p:clrMapOvr>
+    <a:masterClrMapping/>
+  </p:clrMapOvr>
+  <p:timing>
+    <p:tnLst>
+      <p:par>
+        <p:cTn id="1" dur="indefinite" restart="never" nodeType="tmRoot"/>
+      </p:par>
+    </p:tnLst>
+  </p:timing>
+</p:sld>
+</file>
+
+<file path=ppt/slides/slide37.xml><?xml version="1.0" encoding="utf-8"?>
+<p:sld xmlns:a="http://schemas.openxmlformats.org/drawingml/2006/main" xmlns:r="http://schemas.openxmlformats.org/officeDocument/2006/relationships" xmlns:p="http://schemas.openxmlformats.org/presentationml/2006/main">
+  <p:cSld>
+    <p:spTree>
+      <p:nvGrpSpPr>
+        <p:cNvPr id="1" name=""/>
+        <p:cNvGrpSpPr/>
+        <p:nvPr/>
+      </p:nvGrpSpPr>
+      <p:grpSpPr>
+        <a:xfrm>
+          <a:off x="0" y="0"/>
+          <a:ext cx="0" cy="0"/>
+          <a:chOff x="0" y="0"/>
+          <a:chExt cx="0" cy="0"/>
+        </a:xfrm>
+      </p:grpSpPr>
+      <p:sp>
+        <p:nvSpPr>
+          <p:cNvPr id="2" name="Title 1"/>
+          <p:cNvSpPr>
+            <a:spLocks noGrp="1"/>
+          </p:cNvSpPr>
+          <p:nvPr>
+            <p:ph type="title"/>
+          </p:nvPr>
+        </p:nvSpPr>
+        <p:spPr/>
+        <p:txBody>
+          <a:bodyPr/>
+          <a:lstStyle/>
+          <a:p>
+            <a:r>
+              <a:rPr lang="en-US" dirty="0" smtClean="0"/>
+              <a:t>Let’s set up Azure Search</a:t>
+            </a:r>
+            <a:endParaRPr lang="en-US" dirty="0"/>
+          </a:p>
+        </p:txBody>
+      </p:sp>
+      <p:sp>
+        <p:nvSpPr>
+          <p:cNvPr id="3" name="Content Placeholder 2"/>
+          <p:cNvSpPr>
+            <a:spLocks noGrp="1"/>
+          </p:cNvSpPr>
+          <p:nvPr>
+            <p:ph idx="1"/>
+          </p:nvPr>
+        </p:nvSpPr>
+        <p:spPr/>
+        <p:txBody>
+          <a:bodyPr/>
+          <a:lstStyle/>
+          <a:p>
+            <a:r>
+              <a:rPr lang="en-US" dirty="0" smtClean="0"/>
+              <a:t>…is Azure up and available?</a:t>
+            </a:r>
+            <a:endParaRPr lang="en-US" dirty="0"/>
+          </a:p>
+        </p:txBody>
+      </p:sp>
+    </p:spTree>
+    <p:extLst>
+      <p:ext uri="{BB962C8B-B14F-4D97-AF65-F5344CB8AC3E}">
+        <p14:creationId xmlns:p14="http://schemas.microsoft.com/office/powerpoint/2010/main" val="4273099662"/>
+      </p:ext>
+    </p:extLst>
+  </p:cSld>
+  <p:clrMapOvr>
+    <a:masterClrMapping/>
+  </p:clrMapOvr>
+  <p:timing>
+    <p:tnLst>
+      <p:par>
+        <p:cTn id="1" dur="indefinite" restart="never" nodeType="tmRoot"/>
+      </p:par>
+    </p:tnLst>
+  </p:timing>
+</p:sld>
+</file>
+
+<file path=ppt/slides/slide38.xml><?xml version="1.0" encoding="utf-8"?>
+<p:sld xmlns:a="http://schemas.openxmlformats.org/drawingml/2006/main" xmlns:r="http://schemas.openxmlformats.org/officeDocument/2006/relationships" xmlns:p="http://schemas.openxmlformats.org/presentationml/2006/main">
+  <p:cSld>
+    <p:spTree>
+      <p:nvGrpSpPr>
+        <p:cNvPr id="1" name=""/>
+        <p:cNvGrpSpPr/>
+        <p:nvPr/>
+      </p:nvGrpSpPr>
+      <p:grpSpPr>
+        <a:xfrm>
+          <a:off x="0" y="0"/>
+          <a:ext cx="0" cy="0"/>
+          <a:chOff x="0" y="0"/>
+          <a:chExt cx="0" cy="0"/>
+        </a:xfrm>
+      </p:grpSpPr>
+      <p:sp>
+        <p:nvSpPr>
+          <p:cNvPr id="2" name="Title 1"/>
+          <p:cNvSpPr>
+            <a:spLocks noGrp="1"/>
+          </p:cNvSpPr>
+          <p:nvPr>
+            <p:ph type="title"/>
+          </p:nvPr>
+        </p:nvSpPr>
+        <p:spPr/>
+        <p:txBody>
+          <a:bodyPr/>
+          <a:lstStyle/>
+          <a:p>
+            <a:r>
+              <a:rPr lang="en-US" dirty="0" smtClean="0"/>
+              <a:t>Set up Azure Search</a:t>
+            </a:r>
+            <a:endParaRPr lang="en-US" dirty="0"/>
           </a:p>
         </p:txBody>
       </p:sp>
@@ -4448,8 +10728,28 @@
           <a:p>
             <a:r>
               <a:rPr lang="en-US" dirty="0" smtClean="0"/>
-              <a:t>REST API access only – no SDK (yet)</a:t>
-            </a:r>
+              <a:t>REST API access only – no SDK </a:t>
+            </a:r>
+            <a:r>
+              <a:rPr lang="en-US" dirty="0" smtClean="0"/>
+              <a:t>from Microsoft yet</a:t>
+            </a:r>
+          </a:p>
+          <a:p>
+            <a:pPr lvl="1"/>
+            <a:r>
+              <a:rPr lang="en-US" dirty="0" err="1" smtClean="0"/>
+              <a:t>RedDog.Search</a:t>
+            </a:r>
+            <a:r>
+              <a:rPr lang="en-US" dirty="0" smtClean="0"/>
+              <a:t> is available on </a:t>
+            </a:r>
+            <a:r>
+              <a:rPr lang="en-US" dirty="0" err="1" smtClean="0"/>
+              <a:t>Nuget</a:t>
+            </a:r>
+            <a:endParaRPr lang="en-US" dirty="0" smtClean="0"/>
           </a:p>
           <a:p>
             <a:r>
@@ -4462,87 +10762,101 @@
           </a:p>
         </p:txBody>
       </p:sp>
-      <p:grpSp>
-        <p:nvGrpSpPr>
-          <p:cNvPr id="4" name="Group 3"/>
-          <p:cNvGrpSpPr/>
-          <p:nvPr/>
-        </p:nvGrpSpPr>
-        <p:grpSpPr>
-          <a:xfrm>
-            <a:off x="838200" y="370821"/>
-            <a:ext cx="6101561" cy="1263511"/>
-            <a:chOff x="1672051" y="4066229"/>
-            <a:chExt cx="6101561" cy="1263511"/>
-          </a:xfrm>
-        </p:grpSpPr>
-        <p:pic>
-          <p:nvPicPr>
-            <p:cNvPr id="5" name="Picture 4"/>
-            <p:cNvPicPr>
-              <a:picLocks noChangeAspect="1"/>
-            </p:cNvPicPr>
-            <p:nvPr/>
-          </p:nvPicPr>
-          <p:blipFill>
-            <a:blip r:embed="rId2"/>
-            <a:stretch>
-              <a:fillRect/>
-            </a:stretch>
-          </p:blipFill>
-          <p:spPr>
-            <a:xfrm>
-              <a:off x="1672051" y="4066229"/>
-              <a:ext cx="2316437" cy="1263511"/>
-            </a:xfrm>
-            <a:prstGeom prst="rect">
-              <a:avLst/>
-            </a:prstGeom>
-          </p:spPr>
-        </p:pic>
-        <p:sp>
-          <p:nvSpPr>
-            <p:cNvPr id="6" name="Rectangle 5"/>
-            <p:cNvSpPr/>
-            <p:nvPr/>
-          </p:nvSpPr>
-          <p:spPr>
-            <a:xfrm>
-              <a:off x="3935895" y="4236319"/>
-              <a:ext cx="3837717" cy="923330"/>
-            </a:xfrm>
-            <a:prstGeom prst="rect">
-              <a:avLst/>
-            </a:prstGeom>
-          </p:spPr>
-          <p:txBody>
-            <a:bodyPr wrap="none">
-              <a:spAutoFit/>
-            </a:bodyPr>
-            <a:lstStyle/>
-            <a:p>
-              <a:r>
-                <a:rPr lang="en-US" sz="5400" dirty="0">
-                  <a:solidFill>
-                    <a:prstClr val="black"/>
-                  </a:solidFill>
-                </a:rPr>
-                <a:t>Azure Search</a:t>
-              </a:r>
-            </a:p>
-          </p:txBody>
-        </p:sp>
-      </p:grpSp>
+    </p:spTree>
+    <p:extLst>
+      <p:ext uri="{BB962C8B-B14F-4D97-AF65-F5344CB8AC3E}">
+        <p14:creationId xmlns:p14="http://schemas.microsoft.com/office/powerpoint/2010/main" val="2252593111"/>
+      </p:ext>
+    </p:extLst>
+  </p:cSld>
+  <p:clrMapOvr>
+    <a:masterClrMapping/>
+  </p:clrMapOvr>
+  <p:timing>
+    <p:tnLst>
+      <p:par>
+        <p:cTn id="1" dur="indefinite" restart="never" nodeType="tmRoot"/>
+      </p:par>
+    </p:tnLst>
+  </p:timing>
+</p:sld>
+</file>
+
+<file path=ppt/slides/slide39.xml><?xml version="1.0" encoding="utf-8"?>
+<p:sld xmlns:a="http://schemas.openxmlformats.org/drawingml/2006/main" xmlns:r="http://schemas.openxmlformats.org/officeDocument/2006/relationships" xmlns:p="http://schemas.openxmlformats.org/presentationml/2006/main">
+  <p:cSld>
+    <p:spTree>
+      <p:nvGrpSpPr>
+        <p:cNvPr id="1" name=""/>
+        <p:cNvGrpSpPr/>
+        <p:nvPr/>
+      </p:nvGrpSpPr>
+      <p:grpSpPr>
+        <a:xfrm>
+          <a:off x="0" y="0"/>
+          <a:ext cx="0" cy="0"/>
+          <a:chOff x="0" y="0"/>
+          <a:chExt cx="0" cy="0"/>
+        </a:xfrm>
+      </p:grpSpPr>
+      <p:sp>
+        <p:nvSpPr>
+          <p:cNvPr id="2" name="Title 1"/>
+          <p:cNvSpPr>
+            <a:spLocks noGrp="1"/>
+          </p:cNvSpPr>
+          <p:nvPr>
+            <p:ph type="title"/>
+          </p:nvPr>
+        </p:nvSpPr>
+        <p:spPr/>
+        <p:txBody>
+          <a:bodyPr/>
+          <a:lstStyle/>
+          <a:p>
+            <a:r>
+              <a:rPr lang="en-US" dirty="0" smtClean="0"/>
+              <a:t>Quick specs</a:t>
+            </a:r>
+            <a:endParaRPr lang="en-US" dirty="0"/>
+          </a:p>
+        </p:txBody>
+      </p:sp>
+      <p:sp>
+        <p:nvSpPr>
+          <p:cNvPr id="3" name="Content Placeholder 2"/>
+          <p:cNvSpPr>
+            <a:spLocks noGrp="1"/>
+          </p:cNvSpPr>
+          <p:nvPr>
+            <p:ph idx="1"/>
+          </p:nvPr>
+        </p:nvSpPr>
+        <p:spPr/>
+        <p:txBody>
+          <a:bodyPr/>
+          <a:lstStyle/>
+          <a:p>
+            <a:endParaRPr lang="en-US" dirty="0"/>
+          </a:p>
+        </p:txBody>
+      </p:sp>
       <p:graphicFrame>
         <p:nvGraphicFramePr>
-          <p:cNvPr id="7" name="Table 6"/>
+          <p:cNvPr id="4" name="Table 3"/>
           <p:cNvGraphicFramePr>
             <a:graphicFrameLocks noGrp="1"/>
           </p:cNvGraphicFramePr>
-          <p:nvPr/>
+          <p:nvPr>
+            <p:extLst>
+              <p:ext uri="{D42A27DB-BD31-4B8C-83A1-F6EECF244321}">
+                <p14:modId xmlns:p14="http://schemas.microsoft.com/office/powerpoint/2010/main" val="732620428"/>
+              </p:ext>
+            </p:extLst>
+          </p:nvPr>
         </p:nvGraphicFramePr>
         <p:xfrm>
-          <a:off x="1832113" y="3951923"/>
+          <a:off x="1692413" y="2339023"/>
           <a:ext cx="8733183" cy="2225040"/>
         </p:xfrm>
         <a:graphic>
@@ -4839,7 +11153,7 @@
     </p:spTree>
     <p:extLst>
       <p:ext uri="{BB962C8B-B14F-4D97-AF65-F5344CB8AC3E}">
-        <p14:creationId xmlns:p14="http://schemas.microsoft.com/office/powerpoint/2010/main" val="2252593111"/>
+        <p14:creationId xmlns:p14="http://schemas.microsoft.com/office/powerpoint/2010/main" val="2658603530"/>
       </p:ext>
     </p:extLst>
   </p:cSld>
@@ -4856,876 +11170,7 @@
 </p:sld>
 </file>
 
-<file path=ppt/slides/slide12.xml><?xml version="1.0" encoding="utf-8"?>
-<p:sld xmlns:a="http://schemas.openxmlformats.org/drawingml/2006/main" xmlns:r="http://schemas.openxmlformats.org/officeDocument/2006/relationships" xmlns:p="http://schemas.openxmlformats.org/presentationml/2006/main">
-  <p:cSld>
-    <p:spTree>
-      <p:nvGrpSpPr>
-        <p:cNvPr id="1" name=""/>
-        <p:cNvGrpSpPr/>
-        <p:nvPr/>
-      </p:nvGrpSpPr>
-      <p:grpSpPr>
-        <a:xfrm>
-          <a:off x="0" y="0"/>
-          <a:ext cx="0" cy="0"/>
-          <a:chOff x="0" y="0"/>
-          <a:chExt cx="0" cy="0"/>
-        </a:xfrm>
-      </p:grpSpPr>
-      <p:sp>
-        <p:nvSpPr>
-          <p:cNvPr id="2" name="Title 1"/>
-          <p:cNvSpPr>
-            <a:spLocks noGrp="1"/>
-          </p:cNvSpPr>
-          <p:nvPr>
-            <p:ph type="title"/>
-          </p:nvPr>
-        </p:nvSpPr>
-        <p:spPr/>
-        <p:txBody>
-          <a:bodyPr/>
-          <a:lstStyle/>
-          <a:p>
-            <a:r>
-              <a:rPr lang="en-US" dirty="0" smtClean="0"/>
-              <a:t>Understanding “units”</a:t>
-            </a:r>
-            <a:endParaRPr lang="en-US" dirty="0"/>
-          </a:p>
-        </p:txBody>
-      </p:sp>
-      <p:sp>
-        <p:nvSpPr>
-          <p:cNvPr id="3" name="Content Placeholder 2"/>
-          <p:cNvSpPr>
-            <a:spLocks noGrp="1"/>
-          </p:cNvSpPr>
-          <p:nvPr>
-            <p:ph idx="1"/>
-          </p:nvPr>
-        </p:nvSpPr>
-        <p:spPr/>
-        <p:txBody>
-          <a:bodyPr/>
-          <a:lstStyle/>
-          <a:p>
-            <a:pPr marL="0" indent="0">
-              <a:buNone/>
-            </a:pPr>
-            <a:r>
-              <a:rPr lang="en-US" dirty="0" smtClean="0"/>
-              <a:t>More </a:t>
-            </a:r>
-            <a:r>
-              <a:rPr lang="en-US" b="1" dirty="0" smtClean="0"/>
-              <a:t>replicas</a:t>
-            </a:r>
-            <a:r>
-              <a:rPr lang="en-US" dirty="0" smtClean="0"/>
-              <a:t> equals more performance</a:t>
-            </a:r>
-          </a:p>
-          <a:p>
-            <a:pPr marL="0" indent="0">
-              <a:buNone/>
-            </a:pPr>
-            <a:r>
-              <a:rPr lang="en-US" dirty="0" smtClean="0"/>
-              <a:t>More </a:t>
-            </a:r>
-            <a:r>
-              <a:rPr lang="en-US" b="1" dirty="0" smtClean="0"/>
-              <a:t>partitions</a:t>
-            </a:r>
-            <a:r>
-              <a:rPr lang="en-US" dirty="0" smtClean="0"/>
-              <a:t> equals more documents and size</a:t>
-            </a:r>
-          </a:p>
-          <a:p>
-            <a:r>
-              <a:rPr lang="en-US" dirty="0" smtClean="0"/>
-              <a:t>1 </a:t>
-            </a:r>
-            <a:r>
-              <a:rPr lang="en-US" dirty="0"/>
-              <a:t>replica + 1 partition = 1 search unit</a:t>
-            </a:r>
-          </a:p>
-          <a:p>
-            <a:r>
-              <a:rPr lang="en-US" dirty="0"/>
-              <a:t>6 replicas + 1 partition = (1 replica &amp; 1 partition) + 5 replicas = 6 search units</a:t>
-            </a:r>
-          </a:p>
-          <a:p>
-            <a:r>
-              <a:rPr lang="en-US" dirty="0"/>
-              <a:t>2 replicas + 2 partitions = (1 replica &amp; 1 partition) + (1 replica &amp; 1 partition) = 2 search units</a:t>
-            </a:r>
-          </a:p>
-          <a:p>
-            <a:endParaRPr lang="en-US" dirty="0"/>
-          </a:p>
-        </p:txBody>
-      </p:sp>
-    </p:spTree>
-    <p:extLst>
-      <p:ext uri="{BB962C8B-B14F-4D97-AF65-F5344CB8AC3E}">
-        <p14:creationId xmlns:p14="http://schemas.microsoft.com/office/powerpoint/2010/main" val="2773784965"/>
-      </p:ext>
-    </p:extLst>
-  </p:cSld>
-  <p:clrMapOvr>
-    <a:masterClrMapping/>
-  </p:clrMapOvr>
-</p:sld>
-</file>
-
-<file path=ppt/slides/slide13.xml><?xml version="1.0" encoding="utf-8"?>
-<p:sld xmlns:a="http://schemas.openxmlformats.org/drawingml/2006/main" xmlns:r="http://schemas.openxmlformats.org/officeDocument/2006/relationships" xmlns:p="http://schemas.openxmlformats.org/presentationml/2006/main">
-  <p:cSld>
-    <p:spTree>
-      <p:nvGrpSpPr>
-        <p:cNvPr id="1" name=""/>
-        <p:cNvGrpSpPr/>
-        <p:nvPr/>
-      </p:nvGrpSpPr>
-      <p:grpSpPr>
-        <a:xfrm>
-          <a:off x="0" y="0"/>
-          <a:ext cx="0" cy="0"/>
-          <a:chOff x="0" y="0"/>
-          <a:chExt cx="0" cy="0"/>
-        </a:xfrm>
-      </p:grpSpPr>
-      <p:sp>
-        <p:nvSpPr>
-          <p:cNvPr id="2" name="Title 1"/>
-          <p:cNvSpPr>
-            <a:spLocks noGrp="1"/>
-          </p:cNvSpPr>
-          <p:nvPr>
-            <p:ph type="title"/>
-          </p:nvPr>
-        </p:nvSpPr>
-        <p:spPr/>
-        <p:txBody>
-          <a:bodyPr/>
-          <a:lstStyle/>
-          <a:p>
-            <a:r>
-              <a:rPr lang="en-US" dirty="0" smtClean="0"/>
-              <a:t>Index naming</a:t>
-            </a:r>
-            <a:endParaRPr lang="en-US" dirty="0"/>
-          </a:p>
-        </p:txBody>
-      </p:sp>
-      <p:sp>
-        <p:nvSpPr>
-          <p:cNvPr id="3" name="Content Placeholder 2"/>
-          <p:cNvSpPr>
-            <a:spLocks noGrp="1"/>
-          </p:cNvSpPr>
-          <p:nvPr>
-            <p:ph idx="1"/>
-          </p:nvPr>
-        </p:nvSpPr>
-        <p:spPr/>
-        <p:txBody>
-          <a:bodyPr>
-            <a:normAutofit/>
-          </a:bodyPr>
-          <a:lstStyle/>
-          <a:p>
-            <a:r>
-              <a:rPr lang="en-US" dirty="0" smtClean="0"/>
-              <a:t>I found this out the hard way</a:t>
-            </a:r>
-            <a:br>
-              <a:rPr lang="en-US" dirty="0" smtClean="0"/>
-            </a:br>
-            <a:r>
-              <a:rPr lang="en-US" dirty="0" smtClean="0"/>
-              <a:t/>
-            </a:r>
-            <a:br>
-              <a:rPr lang="en-US" dirty="0" smtClean="0"/>
-            </a:br>
-            <a:r>
-              <a:rPr lang="en-US" dirty="0" smtClean="0"/>
-              <a:t/>
-            </a:r>
-            <a:br>
-              <a:rPr lang="en-US" dirty="0" smtClean="0"/>
-            </a:br>
-            <a:r>
-              <a:rPr lang="en-US" dirty="0" smtClean="0"/>
-              <a:t/>
-            </a:r>
-            <a:br>
-              <a:rPr lang="en-US" dirty="0" smtClean="0"/>
-            </a:br>
-            <a:r>
-              <a:rPr lang="en-US" dirty="0" smtClean="0"/>
-              <a:t/>
-            </a:r>
-            <a:br>
-              <a:rPr lang="en-US" dirty="0" smtClean="0"/>
-            </a:br>
-            <a:r>
-              <a:rPr lang="en-US" dirty="0" smtClean="0"/>
-              <a:t/>
-            </a:r>
-            <a:br>
-              <a:rPr lang="en-US" dirty="0" smtClean="0"/>
-            </a:br>
-            <a:r>
-              <a:rPr lang="en-US" dirty="0" smtClean="0"/>
-              <a:t/>
-            </a:r>
-            <a:br>
-              <a:rPr lang="en-US" dirty="0" smtClean="0"/>
-            </a:br>
-            <a:r>
-              <a:rPr lang="en-US" dirty="0" smtClean="0"/>
-              <a:t/>
-            </a:r>
-            <a:br>
-              <a:rPr lang="en-US" dirty="0" smtClean="0"/>
-            </a:br>
-            <a:endParaRPr lang="en-US" dirty="0" smtClean="0"/>
-          </a:p>
-          <a:p>
-            <a:pPr marL="0" indent="0">
-              <a:buNone/>
-            </a:pPr>
-            <a:r>
-              <a:rPr lang="en-US" sz="2400" dirty="0" smtClean="0"/>
-              <a:t>…index names must be all lower case, digits, or dashes – 128 character max</a:t>
-            </a:r>
-          </a:p>
-          <a:p>
-            <a:endParaRPr lang="en-US" dirty="0"/>
-          </a:p>
-        </p:txBody>
-      </p:sp>
-      <p:pic>
-        <p:nvPicPr>
-          <p:cNvPr id="4" name="Picture 3"/>
-          <p:cNvPicPr>
-            <a:picLocks noChangeAspect="1"/>
-          </p:cNvPicPr>
-          <p:nvPr/>
-        </p:nvPicPr>
-        <p:blipFill>
-          <a:blip r:embed="rId2"/>
-          <a:stretch>
-            <a:fillRect/>
-          </a:stretch>
-        </p:blipFill>
-        <p:spPr>
-          <a:xfrm>
-            <a:off x="2932043" y="2627243"/>
-            <a:ext cx="6705600" cy="2438400"/>
-          </a:xfrm>
-          <a:prstGeom prst="rect">
-            <a:avLst/>
-          </a:prstGeom>
-        </p:spPr>
-      </p:pic>
-    </p:spTree>
-    <p:extLst>
-      <p:ext uri="{BB962C8B-B14F-4D97-AF65-F5344CB8AC3E}">
-        <p14:creationId xmlns:p14="http://schemas.microsoft.com/office/powerpoint/2010/main" val="2025252670"/>
-      </p:ext>
-    </p:extLst>
-  </p:cSld>
-  <p:clrMapOvr>
-    <a:masterClrMapping/>
-  </p:clrMapOvr>
-</p:sld>
-</file>
-
-<file path=ppt/slides/slide14.xml><?xml version="1.0" encoding="utf-8"?>
-<p:sld xmlns:a="http://schemas.openxmlformats.org/drawingml/2006/main" xmlns:r="http://schemas.openxmlformats.org/officeDocument/2006/relationships" xmlns:p="http://schemas.openxmlformats.org/presentationml/2006/main">
-  <p:cSld>
-    <p:spTree>
-      <p:nvGrpSpPr>
-        <p:cNvPr id="1" name=""/>
-        <p:cNvGrpSpPr/>
-        <p:nvPr/>
-      </p:nvGrpSpPr>
-      <p:grpSpPr>
-        <a:xfrm>
-          <a:off x="0" y="0"/>
-          <a:ext cx="0" cy="0"/>
-          <a:chOff x="0" y="0"/>
-          <a:chExt cx="0" cy="0"/>
-        </a:xfrm>
-      </p:grpSpPr>
-      <p:sp>
-        <p:nvSpPr>
-          <p:cNvPr id="3" name="Content Placeholder 2"/>
-          <p:cNvSpPr>
-            <a:spLocks noGrp="1"/>
-          </p:cNvSpPr>
-          <p:nvPr>
-            <p:ph idx="1"/>
-          </p:nvPr>
-        </p:nvSpPr>
-        <p:spPr>
-          <a:xfrm>
-            <a:off x="838200" y="5413652"/>
-            <a:ext cx="10515600" cy="639279"/>
-          </a:xfrm>
-        </p:spPr>
-        <p:txBody>
-          <a:bodyPr/>
-          <a:lstStyle/>
-          <a:p>
-            <a:pPr marL="0" indent="0">
-              <a:buNone/>
-            </a:pPr>
-            <a:r>
-              <a:rPr lang="en-US" dirty="0" smtClean="0"/>
-              <a:t>Creating a search instance</a:t>
-            </a:r>
-            <a:endParaRPr lang="en-US" dirty="0"/>
-          </a:p>
-        </p:txBody>
-      </p:sp>
-      <p:pic>
-        <p:nvPicPr>
-          <p:cNvPr id="4" name="Picture 3"/>
-          <p:cNvPicPr>
-            <a:picLocks noChangeAspect="1"/>
-          </p:cNvPicPr>
-          <p:nvPr/>
-        </p:nvPicPr>
-        <p:blipFill>
-          <a:blip r:embed="rId2"/>
-          <a:stretch>
-            <a:fillRect/>
-          </a:stretch>
-        </p:blipFill>
-        <p:spPr>
-          <a:xfrm>
-            <a:off x="5" y="0"/>
-            <a:ext cx="3214676" cy="2103120"/>
-          </a:xfrm>
-          <a:prstGeom prst="rect">
-            <a:avLst/>
-          </a:prstGeom>
-        </p:spPr>
-      </p:pic>
-      <p:pic>
-        <p:nvPicPr>
-          <p:cNvPr id="5" name="Picture 4"/>
-          <p:cNvPicPr>
-            <a:picLocks noChangeAspect="1"/>
-          </p:cNvPicPr>
-          <p:nvPr/>
-        </p:nvPicPr>
-        <p:blipFill>
-          <a:blip r:embed="rId3"/>
-          <a:stretch>
-            <a:fillRect/>
-          </a:stretch>
-        </p:blipFill>
-        <p:spPr>
-          <a:xfrm>
-            <a:off x="3357198" y="0"/>
-            <a:ext cx="4370681" cy="4114800"/>
-          </a:xfrm>
-          <a:prstGeom prst="rect">
-            <a:avLst/>
-          </a:prstGeom>
-        </p:spPr>
-      </p:pic>
-      <p:pic>
-        <p:nvPicPr>
-          <p:cNvPr id="6" name="Picture 5"/>
-          <p:cNvPicPr>
-            <a:picLocks noChangeAspect="1"/>
-          </p:cNvPicPr>
-          <p:nvPr/>
-        </p:nvPicPr>
-        <p:blipFill>
-          <a:blip r:embed="rId4"/>
-          <a:stretch>
-            <a:fillRect/>
-          </a:stretch>
-        </p:blipFill>
-        <p:spPr>
-          <a:xfrm>
-            <a:off x="7727879" y="2377440"/>
-            <a:ext cx="4464121" cy="4480560"/>
-          </a:xfrm>
-          <a:prstGeom prst="rect">
-            <a:avLst/>
-          </a:prstGeom>
-        </p:spPr>
-      </p:pic>
-      <p:sp>
-        <p:nvSpPr>
-          <p:cNvPr id="7" name="Right Arrow 6"/>
-          <p:cNvSpPr/>
-          <p:nvPr/>
-        </p:nvSpPr>
-        <p:spPr>
-          <a:xfrm>
-            <a:off x="2017643" y="2375452"/>
-            <a:ext cx="974035" cy="437322"/>
-          </a:xfrm>
-          <a:prstGeom prst="rightArrow">
-            <a:avLst/>
-          </a:prstGeom>
-        </p:spPr>
-        <p:style>
-          <a:lnRef idx="2">
-            <a:schemeClr val="accent1">
-              <a:shade val="50000"/>
-            </a:schemeClr>
-          </a:lnRef>
-          <a:fillRef idx="1">
-            <a:schemeClr val="accent1"/>
-          </a:fillRef>
-          <a:effectRef idx="0">
-            <a:schemeClr val="accent1"/>
-          </a:effectRef>
-          <a:fontRef idx="minor">
-            <a:schemeClr val="lt1"/>
-          </a:fontRef>
-        </p:style>
-        <p:txBody>
-          <a:bodyPr rtlCol="0" anchor="ctr"/>
-          <a:lstStyle/>
-          <a:p>
-            <a:pPr algn="ctr"/>
-            <a:endParaRPr lang="en-US"/>
-          </a:p>
-        </p:txBody>
-      </p:sp>
-      <p:sp>
-        <p:nvSpPr>
-          <p:cNvPr id="8" name="Right Arrow 7"/>
-          <p:cNvSpPr/>
-          <p:nvPr/>
-        </p:nvSpPr>
-        <p:spPr>
-          <a:xfrm>
-            <a:off x="6402661" y="5006146"/>
-            <a:ext cx="974035" cy="437322"/>
-          </a:xfrm>
-          <a:prstGeom prst="rightArrow">
-            <a:avLst/>
-          </a:prstGeom>
-        </p:spPr>
-        <p:style>
-          <a:lnRef idx="2">
-            <a:schemeClr val="accent1">
-              <a:shade val="50000"/>
-            </a:schemeClr>
-          </a:lnRef>
-          <a:fillRef idx="1">
-            <a:schemeClr val="accent1"/>
-          </a:fillRef>
-          <a:effectRef idx="0">
-            <a:schemeClr val="accent1"/>
-          </a:effectRef>
-          <a:fontRef idx="minor">
-            <a:schemeClr val="lt1"/>
-          </a:fontRef>
-        </p:style>
-        <p:txBody>
-          <a:bodyPr rtlCol="0" anchor="ctr"/>
-          <a:lstStyle/>
-          <a:p>
-            <a:pPr algn="ctr"/>
-            <a:endParaRPr lang="en-US"/>
-          </a:p>
-        </p:txBody>
-      </p:sp>
-      <p:sp>
-        <p:nvSpPr>
-          <p:cNvPr id="9" name="Rectangle 8"/>
-          <p:cNvSpPr/>
-          <p:nvPr/>
-        </p:nvSpPr>
-        <p:spPr>
-          <a:xfrm>
-            <a:off x="3402495" y="3541712"/>
-            <a:ext cx="2073966" cy="503514"/>
-          </a:xfrm>
-          <a:prstGeom prst="rect">
-            <a:avLst/>
-          </a:prstGeom>
-          <a:noFill/>
-          <a:ln w="38100">
-            <a:solidFill>
-              <a:srgbClr val="C00000"/>
-            </a:solidFill>
-          </a:ln>
-        </p:spPr>
-        <p:style>
-          <a:lnRef idx="2">
-            <a:schemeClr val="accent1">
-              <a:shade val="50000"/>
-            </a:schemeClr>
-          </a:lnRef>
-          <a:fillRef idx="1">
-            <a:schemeClr val="accent1"/>
-          </a:fillRef>
-          <a:effectRef idx="0">
-            <a:schemeClr val="accent1"/>
-          </a:effectRef>
-          <a:fontRef idx="minor">
-            <a:schemeClr val="lt1"/>
-          </a:fontRef>
-        </p:style>
-        <p:txBody>
-          <a:bodyPr rtlCol="0" anchor="ctr"/>
-          <a:lstStyle/>
-          <a:p>
-            <a:pPr algn="ctr"/>
-            <a:endParaRPr lang="en-US"/>
-          </a:p>
-        </p:txBody>
-      </p:sp>
-      <p:sp>
-        <p:nvSpPr>
-          <p:cNvPr id="10" name="Down Arrow 9"/>
-          <p:cNvSpPr/>
-          <p:nvPr/>
-        </p:nvSpPr>
-        <p:spPr>
-          <a:xfrm>
-            <a:off x="4712651" y="2677008"/>
-            <a:ext cx="377712" cy="864704"/>
-          </a:xfrm>
-          <a:prstGeom prst="downArrow">
-            <a:avLst/>
-          </a:prstGeom>
-          <a:solidFill>
-            <a:srgbClr val="C00000"/>
-          </a:solidFill>
-          <a:ln>
-            <a:solidFill>
-              <a:srgbClr val="C00000"/>
-            </a:solidFill>
-          </a:ln>
-        </p:spPr>
-        <p:style>
-          <a:lnRef idx="2">
-            <a:schemeClr val="accent1">
-              <a:shade val="50000"/>
-            </a:schemeClr>
-          </a:lnRef>
-          <a:fillRef idx="1">
-            <a:schemeClr val="accent1"/>
-          </a:fillRef>
-          <a:effectRef idx="0">
-            <a:schemeClr val="accent1"/>
-          </a:effectRef>
-          <a:fontRef idx="minor">
-            <a:schemeClr val="lt1"/>
-          </a:fontRef>
-        </p:style>
-        <p:txBody>
-          <a:bodyPr rtlCol="0" anchor="ctr"/>
-          <a:lstStyle/>
-          <a:p>
-            <a:pPr algn="ctr"/>
-            <a:endParaRPr lang="en-US" dirty="0"/>
-          </a:p>
-        </p:txBody>
-      </p:sp>
-    </p:spTree>
-    <p:extLst>
-      <p:ext uri="{BB962C8B-B14F-4D97-AF65-F5344CB8AC3E}">
-        <p14:creationId xmlns:p14="http://schemas.microsoft.com/office/powerpoint/2010/main" val="4054387335"/>
-      </p:ext>
-    </p:extLst>
-  </p:cSld>
-  <p:clrMapOvr>
-    <a:masterClrMapping/>
-  </p:clrMapOvr>
-  <p:timing>
-    <p:tnLst>
-      <p:par>
-        <p:cTn id="1" dur="indefinite" restart="never" nodeType="tmRoot"/>
-      </p:par>
-    </p:tnLst>
-  </p:timing>
-</p:sld>
-</file>
-
-<file path=ppt/slides/slide2.xml><?xml version="1.0" encoding="utf-8"?>
-<p:sld xmlns:a="http://schemas.openxmlformats.org/drawingml/2006/main" xmlns:r="http://schemas.openxmlformats.org/officeDocument/2006/relationships" xmlns:p="http://schemas.openxmlformats.org/presentationml/2006/main">
-  <p:cSld>
-    <p:spTree>
-      <p:nvGrpSpPr>
-        <p:cNvPr id="1" name=""/>
-        <p:cNvGrpSpPr/>
-        <p:nvPr/>
-      </p:nvGrpSpPr>
-      <p:grpSpPr>
-        <a:xfrm>
-          <a:off x="0" y="0"/>
-          <a:ext cx="0" cy="0"/>
-          <a:chOff x="0" y="0"/>
-          <a:chExt cx="0" cy="0"/>
-        </a:xfrm>
-      </p:grpSpPr>
-      <p:sp>
-        <p:nvSpPr>
-          <p:cNvPr id="2" name="Title 1"/>
-          <p:cNvSpPr>
-            <a:spLocks noGrp="1"/>
-          </p:cNvSpPr>
-          <p:nvPr>
-            <p:ph type="title"/>
-          </p:nvPr>
-        </p:nvSpPr>
-        <p:spPr/>
-        <p:txBody>
-          <a:bodyPr/>
-          <a:lstStyle/>
-          <a:p>
-            <a:endParaRPr lang="en-US" dirty="0"/>
-          </a:p>
-        </p:txBody>
-      </p:sp>
-      <p:pic>
-        <p:nvPicPr>
-          <p:cNvPr id="2058" name="Picture 10" descr="http://ecx.images-amazon.com/images/I/51iuMAinfEL.jpg"/>
-          <p:cNvPicPr>
-            <a:picLocks noGrp="1" noChangeAspect="1" noChangeArrowheads="1"/>
-          </p:cNvPicPr>
-          <p:nvPr>
-            <p:ph idx="1"/>
-          </p:nvPr>
-        </p:nvPicPr>
-        <p:blipFill>
-          <a:blip r:embed="rId3">
-            <a:extLst>
-              <a:ext uri="{28A0092B-C50C-407E-A947-70E740481C1C}">
-                <a14:useLocalDpi xmlns:a14="http://schemas.microsoft.com/office/drawing/2010/main" val="0"/>
-              </a:ext>
-            </a:extLst>
-          </a:blip>
-          <a:srcRect/>
-          <a:stretch>
-            <a:fillRect/>
-          </a:stretch>
-        </p:blipFill>
-        <p:spPr bwMode="auto">
-          <a:xfrm>
-            <a:off x="3111109" y="1582895"/>
-            <a:ext cx="3012855" cy="3719575"/>
-          </a:xfrm>
-          <a:prstGeom prst="rect">
-            <a:avLst/>
-          </a:prstGeom>
-          <a:noFill/>
-          <a:extLst>
-            <a:ext uri="{909E8E84-426E-40DD-AFC4-6F175D3DCCD1}">
-              <a14:hiddenFill xmlns:a14="http://schemas.microsoft.com/office/drawing/2010/main">
-                <a:solidFill>
-                  <a:srgbClr val="FFFFFF"/>
-                </a:solidFill>
-              </a14:hiddenFill>
-            </a:ext>
-          </a:extLst>
-        </p:spPr>
-      </p:pic>
-      <p:pic>
-        <p:nvPicPr>
-          <p:cNvPr id="2060" name="Picture 12" descr="http://ecx.images-amazon.com/images/I/417iYgvSCIL.jpg"/>
-          <p:cNvPicPr>
-            <a:picLocks noChangeAspect="1" noChangeArrowheads="1"/>
-          </p:cNvPicPr>
-          <p:nvPr/>
-        </p:nvPicPr>
-        <p:blipFill>
-          <a:blip r:embed="rId4">
-            <a:extLst>
-              <a:ext uri="{28A0092B-C50C-407E-A947-70E740481C1C}">
-                <a14:useLocalDpi xmlns:a14="http://schemas.microsoft.com/office/drawing/2010/main" val="0"/>
-              </a:ext>
-            </a:extLst>
-          </a:blip>
-          <a:srcRect/>
-          <a:stretch>
-            <a:fillRect/>
-          </a:stretch>
-        </p:blipFill>
-        <p:spPr bwMode="auto">
-          <a:xfrm>
-            <a:off x="16778" y="1582895"/>
-            <a:ext cx="3010441" cy="3716594"/>
-          </a:xfrm>
-          <a:prstGeom prst="rect">
-            <a:avLst/>
-          </a:prstGeom>
-          <a:noFill/>
-          <a:extLst>
-            <a:ext uri="{909E8E84-426E-40DD-AFC4-6F175D3DCCD1}">
-              <a14:hiddenFill xmlns:a14="http://schemas.microsoft.com/office/drawing/2010/main">
-                <a:solidFill>
-                  <a:srgbClr val="FFFFFF"/>
-                </a:solidFill>
-              </a14:hiddenFill>
-            </a:ext>
-          </a:extLst>
-        </p:spPr>
-      </p:pic>
-      <p:pic>
-        <p:nvPicPr>
-          <p:cNvPr id="2062" name="Picture 14" descr="http://ecx.images-amazon.com/images/I/51P9q7fcJZL.jpg"/>
-          <p:cNvPicPr>
-            <a:picLocks noChangeAspect="1" noChangeArrowheads="1"/>
-          </p:cNvPicPr>
-          <p:nvPr/>
-        </p:nvPicPr>
-        <p:blipFill>
-          <a:blip r:embed="rId5">
-            <a:extLst>
-              <a:ext uri="{28A0092B-C50C-407E-A947-70E740481C1C}">
-                <a14:useLocalDpi xmlns:a14="http://schemas.microsoft.com/office/drawing/2010/main" val="0"/>
-              </a:ext>
-            </a:extLst>
-          </a:blip>
-          <a:srcRect/>
-          <a:stretch>
-            <a:fillRect/>
-          </a:stretch>
-        </p:blipFill>
-        <p:spPr bwMode="auto">
-          <a:xfrm>
-            <a:off x="6211762" y="1585877"/>
-            <a:ext cx="3006533" cy="3711769"/>
-          </a:xfrm>
-          <a:prstGeom prst="rect">
-            <a:avLst/>
-          </a:prstGeom>
-          <a:noFill/>
-          <a:extLst>
-            <a:ext uri="{909E8E84-426E-40DD-AFC4-6F175D3DCCD1}">
-              <a14:hiddenFill xmlns:a14="http://schemas.microsoft.com/office/drawing/2010/main">
-                <a:solidFill>
-                  <a:srgbClr val="FFFFFF"/>
-                </a:solidFill>
-              </a14:hiddenFill>
-            </a:ext>
-          </a:extLst>
-        </p:spPr>
-      </p:pic>
-      <p:sp>
-        <p:nvSpPr>
-          <p:cNvPr id="8" name="AutoShape 16" descr="Fodder cover page"/>
-          <p:cNvSpPr>
-            <a:spLocks noChangeAspect="1" noChangeArrowheads="1"/>
-          </p:cNvSpPr>
-          <p:nvPr/>
-        </p:nvSpPr>
-        <p:spPr bwMode="auto">
-          <a:xfrm>
-            <a:off x="155575" y="-144463"/>
-            <a:ext cx="304800" cy="304801"/>
-          </a:xfrm>
-          <a:prstGeom prst="rect">
-            <a:avLst/>
-          </a:prstGeom>
-          <a:noFill/>
-          <a:extLst>
-            <a:ext uri="{909E8E84-426E-40DD-AFC4-6F175D3DCCD1}">
-              <a14:hiddenFill xmlns:a14="http://schemas.microsoft.com/office/drawing/2010/main">
-                <a:solidFill>
-                  <a:srgbClr val="FFFFFF"/>
-                </a:solidFill>
-              </a14:hiddenFill>
-            </a:ext>
-          </a:extLst>
-        </p:spPr>
-        <p:txBody>
-          <a:bodyPr vert="horz" wrap="square" lIns="91440" tIns="45720" rIns="91440" bIns="45720" numCol="1" anchor="t" anchorCtr="0" compatLnSpc="1">
-            <a:prstTxWarp prst="textNoShape">
-              <a:avLst/>
-            </a:prstTxWarp>
-          </a:bodyPr>
-          <a:lstStyle/>
-          <a:p>
-            <a:endParaRPr lang="en-US"/>
-          </a:p>
-        </p:txBody>
-      </p:sp>
-      <p:pic>
-        <p:nvPicPr>
-          <p:cNvPr id="2066" name="Picture 18" descr="Fodder cover page"/>
-          <p:cNvPicPr>
-            <a:picLocks noChangeAspect="1" noChangeArrowheads="1"/>
-          </p:cNvPicPr>
-          <p:nvPr/>
-        </p:nvPicPr>
-        <p:blipFill>
-          <a:blip r:embed="rId6">
-            <a:extLst>
-              <a:ext uri="{28A0092B-C50C-407E-A947-70E740481C1C}">
-                <a14:useLocalDpi xmlns:a14="http://schemas.microsoft.com/office/drawing/2010/main" val="0"/>
-              </a:ext>
-            </a:extLst>
-          </a:blip>
-          <a:srcRect/>
-          <a:stretch>
-            <a:fillRect/>
-          </a:stretch>
-        </p:blipFill>
-        <p:spPr bwMode="auto">
-          <a:xfrm>
-            <a:off x="9308197" y="1582895"/>
-            <a:ext cx="2867025" cy="3714751"/>
-          </a:xfrm>
-          <a:prstGeom prst="rect">
-            <a:avLst/>
-          </a:prstGeom>
-          <a:noFill/>
-          <a:extLst>
-            <a:ext uri="{909E8E84-426E-40DD-AFC4-6F175D3DCCD1}">
-              <a14:hiddenFill xmlns:a14="http://schemas.microsoft.com/office/drawing/2010/main">
-                <a:solidFill>
-                  <a:srgbClr val="FFFFFF"/>
-                </a:solidFill>
-              </a14:hiddenFill>
-            </a:ext>
-          </a:extLst>
-        </p:spPr>
-      </p:pic>
-    </p:spTree>
-    <p:extLst>
-      <p:ext uri="{BB962C8B-B14F-4D97-AF65-F5344CB8AC3E}">
-        <p14:creationId xmlns:p14="http://schemas.microsoft.com/office/powerpoint/2010/main" val="3130564640"/>
-      </p:ext>
-    </p:extLst>
-  </p:cSld>
-  <p:clrMapOvr>
-    <a:masterClrMapping/>
-  </p:clrMapOvr>
-  <p:timing>
-    <p:tnLst>
-      <p:par>
-        <p:cTn id="1" dur="indefinite" restart="never" nodeType="tmRoot"/>
-      </p:par>
-    </p:tnLst>
-  </p:timing>
-</p:sld>
-</file>
-
-<file path=ppt/slides/slide3.xml><?xml version="1.0" encoding="utf-8"?>
+<file path=ppt/slides/slide4.xml><?xml version="1.0" encoding="utf-8"?>
 <p:sld xmlns:a="http://schemas.openxmlformats.org/drawingml/2006/main" xmlns:r="http://schemas.openxmlformats.org/officeDocument/2006/relationships" xmlns:p="http://schemas.openxmlformats.org/presentationml/2006/main">
   <p:cSld>
     <p:spTree>
@@ -6271,7 +11716,523 @@
 </p:sld>
 </file>
 
-<file path=ppt/slides/slide4.xml><?xml version="1.0" encoding="utf-8"?>
+<file path=ppt/slides/slide40.xml><?xml version="1.0" encoding="utf-8"?>
+<p:sld xmlns:a="http://schemas.openxmlformats.org/drawingml/2006/main" xmlns:r="http://schemas.openxmlformats.org/officeDocument/2006/relationships" xmlns:p="http://schemas.openxmlformats.org/presentationml/2006/main">
+  <p:cSld>
+    <p:spTree>
+      <p:nvGrpSpPr>
+        <p:cNvPr id="1" name=""/>
+        <p:cNvGrpSpPr/>
+        <p:nvPr/>
+      </p:nvGrpSpPr>
+      <p:grpSpPr>
+        <a:xfrm>
+          <a:off x="0" y="0"/>
+          <a:ext cx="0" cy="0"/>
+          <a:chOff x="0" y="0"/>
+          <a:chExt cx="0" cy="0"/>
+        </a:xfrm>
+      </p:grpSpPr>
+      <p:sp>
+        <p:nvSpPr>
+          <p:cNvPr id="2" name="Title 1"/>
+          <p:cNvSpPr>
+            <a:spLocks noGrp="1"/>
+          </p:cNvSpPr>
+          <p:nvPr>
+            <p:ph type="title"/>
+          </p:nvPr>
+        </p:nvSpPr>
+        <p:spPr/>
+        <p:txBody>
+          <a:bodyPr/>
+          <a:lstStyle/>
+          <a:p>
+            <a:r>
+              <a:rPr lang="en-US" dirty="0" smtClean="0"/>
+              <a:t>Understanding “units”</a:t>
+            </a:r>
+            <a:endParaRPr lang="en-US" dirty="0"/>
+          </a:p>
+        </p:txBody>
+      </p:sp>
+      <p:sp>
+        <p:nvSpPr>
+          <p:cNvPr id="3" name="Content Placeholder 2"/>
+          <p:cNvSpPr>
+            <a:spLocks noGrp="1"/>
+          </p:cNvSpPr>
+          <p:nvPr>
+            <p:ph idx="1"/>
+          </p:nvPr>
+        </p:nvSpPr>
+        <p:spPr/>
+        <p:txBody>
+          <a:bodyPr/>
+          <a:lstStyle/>
+          <a:p>
+            <a:pPr marL="0" indent="0">
+              <a:buNone/>
+            </a:pPr>
+            <a:r>
+              <a:rPr lang="en-US" dirty="0" smtClean="0"/>
+              <a:t>More </a:t>
+            </a:r>
+            <a:r>
+              <a:rPr lang="en-US" b="1" dirty="0" smtClean="0"/>
+              <a:t>replicas</a:t>
+            </a:r>
+            <a:r>
+              <a:rPr lang="en-US" dirty="0" smtClean="0"/>
+              <a:t> equals more performance</a:t>
+            </a:r>
+          </a:p>
+          <a:p>
+            <a:pPr marL="0" indent="0">
+              <a:buNone/>
+            </a:pPr>
+            <a:r>
+              <a:rPr lang="en-US" dirty="0" smtClean="0"/>
+              <a:t>More </a:t>
+            </a:r>
+            <a:r>
+              <a:rPr lang="en-US" b="1" dirty="0" smtClean="0"/>
+              <a:t>partitions</a:t>
+            </a:r>
+            <a:r>
+              <a:rPr lang="en-US" dirty="0" smtClean="0"/>
+              <a:t> equals more documents and </a:t>
+            </a:r>
+            <a:r>
+              <a:rPr lang="en-US" dirty="0" smtClean="0"/>
+              <a:t>more space</a:t>
+            </a:r>
+            <a:endParaRPr lang="en-US" dirty="0" smtClean="0"/>
+          </a:p>
+          <a:p>
+            <a:r>
+              <a:rPr lang="en-US" dirty="0" smtClean="0"/>
+              <a:t>1 </a:t>
+            </a:r>
+            <a:r>
+              <a:rPr lang="en-US" dirty="0"/>
+              <a:t>replica + 1 partition = 1 search unit</a:t>
+            </a:r>
+          </a:p>
+          <a:p>
+            <a:r>
+              <a:rPr lang="en-US" dirty="0"/>
+              <a:t>6 replicas + 1 partition = (1 replica &amp; 1 partition) + 5 replicas = 6 search units</a:t>
+            </a:r>
+          </a:p>
+          <a:p>
+            <a:r>
+              <a:rPr lang="en-US" dirty="0"/>
+              <a:t>2 replicas + 2 partitions = (1 replica &amp; 1 partition) + (1 replica &amp; 1 partition) = 2 search units</a:t>
+            </a:r>
+          </a:p>
+          <a:p>
+            <a:endParaRPr lang="en-US" dirty="0"/>
+          </a:p>
+        </p:txBody>
+      </p:sp>
+    </p:spTree>
+    <p:extLst>
+      <p:ext uri="{BB962C8B-B14F-4D97-AF65-F5344CB8AC3E}">
+        <p14:creationId xmlns:p14="http://schemas.microsoft.com/office/powerpoint/2010/main" val="2773784965"/>
+      </p:ext>
+    </p:extLst>
+  </p:cSld>
+  <p:clrMapOvr>
+    <a:masterClrMapping/>
+  </p:clrMapOvr>
+  <p:timing>
+    <p:tnLst>
+      <p:par>
+        <p:cTn id="1" dur="indefinite" restart="never" nodeType="tmRoot"/>
+      </p:par>
+    </p:tnLst>
+  </p:timing>
+</p:sld>
+</file>
+
+<file path=ppt/slides/slide41.xml><?xml version="1.0" encoding="utf-8"?>
+<p:sld xmlns:a="http://schemas.openxmlformats.org/drawingml/2006/main" xmlns:r="http://schemas.openxmlformats.org/officeDocument/2006/relationships" xmlns:p="http://schemas.openxmlformats.org/presentationml/2006/main">
+  <p:cSld>
+    <p:spTree>
+      <p:nvGrpSpPr>
+        <p:cNvPr id="1" name=""/>
+        <p:cNvGrpSpPr/>
+        <p:nvPr/>
+      </p:nvGrpSpPr>
+      <p:grpSpPr>
+        <a:xfrm>
+          <a:off x="0" y="0"/>
+          <a:ext cx="0" cy="0"/>
+          <a:chOff x="0" y="0"/>
+          <a:chExt cx="0" cy="0"/>
+        </a:xfrm>
+      </p:grpSpPr>
+      <p:sp>
+        <p:nvSpPr>
+          <p:cNvPr id="2" name="Title 1"/>
+          <p:cNvSpPr>
+            <a:spLocks noGrp="1"/>
+          </p:cNvSpPr>
+          <p:nvPr>
+            <p:ph type="title"/>
+          </p:nvPr>
+        </p:nvSpPr>
+        <p:spPr/>
+        <p:txBody>
+          <a:bodyPr/>
+          <a:lstStyle/>
+          <a:p>
+            <a:r>
+              <a:rPr lang="en-US" dirty="0" smtClean="0"/>
+              <a:t>Is structured</a:t>
+            </a:r>
+            <a:endParaRPr lang="en-US" dirty="0"/>
+          </a:p>
+        </p:txBody>
+      </p:sp>
+      <p:sp>
+        <p:nvSpPr>
+          <p:cNvPr id="3" name="Content Placeholder 2"/>
+          <p:cNvSpPr>
+            <a:spLocks noGrp="1"/>
+          </p:cNvSpPr>
+          <p:nvPr>
+            <p:ph idx="1"/>
+          </p:nvPr>
+        </p:nvSpPr>
+        <p:spPr/>
+        <p:txBody>
+          <a:bodyPr/>
+          <a:lstStyle/>
+          <a:p>
+            <a:r>
+              <a:rPr lang="en-US" dirty="0" smtClean="0"/>
+              <a:t>A search index is structured</a:t>
+            </a:r>
+          </a:p>
+          <a:p>
+            <a:r>
+              <a:rPr lang="en-US" dirty="0" smtClean="0"/>
+              <a:t>Each field in the index has characteristics defined when created</a:t>
+            </a:r>
+          </a:p>
+          <a:p>
+            <a:pPr lvl="1"/>
+            <a:r>
+              <a:rPr lang="en-US" dirty="0" smtClean="0"/>
+              <a:t>Filterable?</a:t>
+            </a:r>
+          </a:p>
+          <a:p>
+            <a:pPr lvl="1"/>
+            <a:r>
+              <a:rPr lang="en-US" dirty="0" smtClean="0"/>
+              <a:t>Searchable?</a:t>
+            </a:r>
+          </a:p>
+          <a:p>
+            <a:pPr lvl="1"/>
+            <a:r>
+              <a:rPr lang="en-US" dirty="0" smtClean="0"/>
+              <a:t>Faceted?</a:t>
+            </a:r>
+          </a:p>
+          <a:p>
+            <a:pPr lvl="1"/>
+            <a:r>
+              <a:rPr lang="en-US" dirty="0" smtClean="0"/>
+              <a:t>Retrievable?</a:t>
+            </a:r>
+          </a:p>
+          <a:p>
+            <a:pPr lvl="1"/>
+            <a:r>
+              <a:rPr lang="en-US" dirty="0" smtClean="0"/>
+              <a:t>Sortable?</a:t>
+            </a:r>
+            <a:endParaRPr lang="en-US" dirty="0"/>
+          </a:p>
+        </p:txBody>
+      </p:sp>
+    </p:spTree>
+    <p:extLst>
+      <p:ext uri="{BB962C8B-B14F-4D97-AF65-F5344CB8AC3E}">
+        <p14:creationId xmlns:p14="http://schemas.microsoft.com/office/powerpoint/2010/main" val="2469946036"/>
+      </p:ext>
+    </p:extLst>
+  </p:cSld>
+  <p:clrMapOvr>
+    <a:masterClrMapping/>
+  </p:clrMapOvr>
+  <p:timing>
+    <p:tnLst>
+      <p:par>
+        <p:cTn id="1" dur="indefinite" restart="never" nodeType="tmRoot"/>
+      </p:par>
+    </p:tnLst>
+  </p:timing>
+</p:sld>
+</file>
+
+<file path=ppt/slides/slide42.xml><?xml version="1.0" encoding="utf-8"?>
+<p:sld xmlns:a="http://schemas.openxmlformats.org/drawingml/2006/main" xmlns:r="http://schemas.openxmlformats.org/officeDocument/2006/relationships" xmlns:p="http://schemas.openxmlformats.org/presentationml/2006/main">
+  <p:cSld>
+    <p:spTree>
+      <p:nvGrpSpPr>
+        <p:cNvPr id="1" name=""/>
+        <p:cNvGrpSpPr/>
+        <p:nvPr/>
+      </p:nvGrpSpPr>
+      <p:grpSpPr>
+        <a:xfrm>
+          <a:off x="0" y="0"/>
+          <a:ext cx="0" cy="0"/>
+          <a:chOff x="0" y="0"/>
+          <a:chExt cx="0" cy="0"/>
+        </a:xfrm>
+      </p:grpSpPr>
+      <p:sp>
+        <p:nvSpPr>
+          <p:cNvPr id="2" name="Title 1"/>
+          <p:cNvSpPr>
+            <a:spLocks noGrp="1"/>
+          </p:cNvSpPr>
+          <p:nvPr>
+            <p:ph type="title"/>
+          </p:nvPr>
+        </p:nvSpPr>
+        <p:spPr/>
+        <p:txBody>
+          <a:bodyPr/>
+          <a:lstStyle/>
+          <a:p>
+            <a:r>
+              <a:rPr lang="en-US" dirty="0" smtClean="0"/>
+              <a:t>Field Characteristics</a:t>
+            </a:r>
+            <a:endParaRPr lang="en-US" dirty="0"/>
+          </a:p>
+        </p:txBody>
+      </p:sp>
+      <p:sp>
+        <p:nvSpPr>
+          <p:cNvPr id="3" name="Content Placeholder 2"/>
+          <p:cNvSpPr>
+            <a:spLocks noGrp="1"/>
+          </p:cNvSpPr>
+          <p:nvPr>
+            <p:ph idx="1"/>
+          </p:nvPr>
+        </p:nvSpPr>
+        <p:spPr/>
+        <p:txBody>
+          <a:bodyPr/>
+          <a:lstStyle/>
+          <a:p>
+            <a:endParaRPr lang="en-US"/>
+          </a:p>
+        </p:txBody>
+      </p:sp>
+    </p:spTree>
+    <p:extLst>
+      <p:ext uri="{BB962C8B-B14F-4D97-AF65-F5344CB8AC3E}">
+        <p14:creationId xmlns:p14="http://schemas.microsoft.com/office/powerpoint/2010/main" val="3676878458"/>
+      </p:ext>
+    </p:extLst>
+  </p:cSld>
+  <p:clrMapOvr>
+    <a:masterClrMapping/>
+  </p:clrMapOvr>
+  <p:timing>
+    <p:tnLst>
+      <p:par>
+        <p:cTn id="1" dur="indefinite" restart="never" nodeType="tmRoot"/>
+      </p:par>
+    </p:tnLst>
+  </p:timing>
+</p:sld>
+</file>
+
+<file path=ppt/slides/slide43.xml><?xml version="1.0" encoding="utf-8"?>
+<p:sld xmlns:a="http://schemas.openxmlformats.org/drawingml/2006/main" xmlns:r="http://schemas.openxmlformats.org/officeDocument/2006/relationships" xmlns:p="http://schemas.openxmlformats.org/presentationml/2006/main">
+  <p:cSld>
+    <p:spTree>
+      <p:nvGrpSpPr>
+        <p:cNvPr id="1" name=""/>
+        <p:cNvGrpSpPr/>
+        <p:nvPr/>
+      </p:nvGrpSpPr>
+      <p:grpSpPr>
+        <a:xfrm>
+          <a:off x="0" y="0"/>
+          <a:ext cx="0" cy="0"/>
+          <a:chOff x="0" y="0"/>
+          <a:chExt cx="0" cy="0"/>
+        </a:xfrm>
+      </p:grpSpPr>
+      <p:sp>
+        <p:nvSpPr>
+          <p:cNvPr id="2" name="Title 1"/>
+          <p:cNvSpPr>
+            <a:spLocks noGrp="1"/>
+          </p:cNvSpPr>
+          <p:nvPr>
+            <p:ph type="title"/>
+          </p:nvPr>
+        </p:nvSpPr>
+        <p:spPr/>
+        <p:txBody>
+          <a:bodyPr/>
+          <a:lstStyle/>
+          <a:p>
+            <a:r>
+              <a:rPr lang="en-US" dirty="0" smtClean="0"/>
+              <a:t>Index naming</a:t>
+            </a:r>
+            <a:endParaRPr lang="en-US" dirty="0"/>
+          </a:p>
+        </p:txBody>
+      </p:sp>
+      <p:sp>
+        <p:nvSpPr>
+          <p:cNvPr id="3" name="Content Placeholder 2"/>
+          <p:cNvSpPr>
+            <a:spLocks noGrp="1"/>
+          </p:cNvSpPr>
+          <p:nvPr>
+            <p:ph idx="1"/>
+          </p:nvPr>
+        </p:nvSpPr>
+        <p:spPr/>
+        <p:txBody>
+          <a:bodyPr>
+            <a:normAutofit/>
+          </a:bodyPr>
+          <a:lstStyle/>
+          <a:p>
+            <a:r>
+              <a:rPr lang="en-US" dirty="0" smtClean="0"/>
+              <a:t>I found this out the hard way</a:t>
+            </a:r>
+            <a:br>
+              <a:rPr lang="en-US" dirty="0" smtClean="0"/>
+            </a:br>
+            <a:r>
+              <a:rPr lang="en-US" dirty="0" smtClean="0"/>
+              <a:t/>
+            </a:r>
+            <a:br>
+              <a:rPr lang="en-US" dirty="0" smtClean="0"/>
+            </a:br>
+            <a:r>
+              <a:rPr lang="en-US" dirty="0" smtClean="0"/>
+              <a:t/>
+            </a:r>
+            <a:br>
+              <a:rPr lang="en-US" dirty="0" smtClean="0"/>
+            </a:br>
+            <a:r>
+              <a:rPr lang="en-US" dirty="0" smtClean="0"/>
+              <a:t/>
+            </a:r>
+            <a:br>
+              <a:rPr lang="en-US" dirty="0" smtClean="0"/>
+            </a:br>
+            <a:r>
+              <a:rPr lang="en-US" dirty="0" smtClean="0"/>
+              <a:t/>
+            </a:r>
+            <a:br>
+              <a:rPr lang="en-US" dirty="0" smtClean="0"/>
+            </a:br>
+            <a:r>
+              <a:rPr lang="en-US" dirty="0" smtClean="0"/>
+              <a:t/>
+            </a:r>
+            <a:br>
+              <a:rPr lang="en-US" dirty="0" smtClean="0"/>
+            </a:br>
+            <a:r>
+              <a:rPr lang="en-US" dirty="0" smtClean="0"/>
+              <a:t/>
+            </a:r>
+            <a:br>
+              <a:rPr lang="en-US" dirty="0" smtClean="0"/>
+            </a:br>
+            <a:r>
+              <a:rPr lang="en-US" dirty="0" smtClean="0"/>
+              <a:t/>
+            </a:r>
+            <a:br>
+              <a:rPr lang="en-US" dirty="0" smtClean="0"/>
+            </a:br>
+            <a:endParaRPr lang="en-US" dirty="0" smtClean="0"/>
+          </a:p>
+          <a:p>
+            <a:pPr marL="0" indent="0">
+              <a:buNone/>
+            </a:pPr>
+            <a:r>
+              <a:rPr lang="en-US" sz="2400" dirty="0" smtClean="0"/>
+              <a:t>…index names must be all lower case, digits, or dashes – 128 character max</a:t>
+            </a:r>
+          </a:p>
+          <a:p>
+            <a:endParaRPr lang="en-US" dirty="0"/>
+          </a:p>
+        </p:txBody>
+      </p:sp>
+      <p:pic>
+        <p:nvPicPr>
+          <p:cNvPr id="4" name="Picture 3"/>
+          <p:cNvPicPr>
+            <a:picLocks noChangeAspect="1"/>
+          </p:cNvPicPr>
+          <p:nvPr/>
+        </p:nvPicPr>
+        <p:blipFill>
+          <a:blip r:embed="rId2"/>
+          <a:stretch>
+            <a:fillRect/>
+          </a:stretch>
+        </p:blipFill>
+        <p:spPr>
+          <a:xfrm>
+            <a:off x="2932043" y="2627243"/>
+            <a:ext cx="6705600" cy="2438400"/>
+          </a:xfrm>
+          <a:prstGeom prst="rect">
+            <a:avLst/>
+          </a:prstGeom>
+        </p:spPr>
+      </p:pic>
+    </p:spTree>
+    <p:extLst>
+      <p:ext uri="{BB962C8B-B14F-4D97-AF65-F5344CB8AC3E}">
+        <p14:creationId xmlns:p14="http://schemas.microsoft.com/office/powerpoint/2010/main" val="2025252670"/>
+      </p:ext>
+    </p:extLst>
+  </p:cSld>
+  <p:clrMapOvr>
+    <a:masterClrMapping/>
+  </p:clrMapOvr>
+  <p:timing>
+    <p:tnLst>
+      <p:par>
+        <p:cTn id="1" dur="indefinite" restart="never" nodeType="tmRoot"/>
+      </p:par>
+    </p:tnLst>
+  </p:timing>
+</p:sld>
+</file>
+
+<file path=ppt/slides/slide5.xml><?xml version="1.0" encoding="utf-8"?>
 <p:sld xmlns:a="http://schemas.openxmlformats.org/drawingml/2006/main" xmlns:r="http://schemas.openxmlformats.org/officeDocument/2006/relationships" xmlns:p="http://schemas.openxmlformats.org/presentationml/2006/main">
   <p:cSld>
     <p:spTree>
@@ -6330,7 +12291,7 @@
             <p:nvPr/>
           </p:nvPicPr>
           <p:blipFill>
-            <a:blip r:embed="rId2"/>
+            <a:blip r:embed="rId3"/>
             <a:stretch>
               <a:fillRect/>
             </a:stretch>
@@ -6398,7 +12359,7 @@
             <p:nvPr/>
           </p:nvPicPr>
           <p:blipFill>
-            <a:blip r:embed="rId3"/>
+            <a:blip r:embed="rId4"/>
             <a:stretch>
               <a:fillRect/>
             </a:stretch>
@@ -6463,7 +12424,7 @@
 </p:sld>
 </file>
 
-<file path=ppt/slides/slide5.xml><?xml version="1.0" encoding="utf-8"?>
+<file path=ppt/slides/slide6.xml><?xml version="1.0" encoding="utf-8"?>
 <p:sld xmlns:a="http://schemas.openxmlformats.org/drawingml/2006/main" xmlns:r="http://schemas.openxmlformats.org/officeDocument/2006/relationships" xmlns:p="http://schemas.openxmlformats.org/presentationml/2006/main">
   <p:cSld>
     <p:spTree>
@@ -6487,7 +12448,30 @@
             <a:spLocks noGrp="1"/>
           </p:cNvSpPr>
           <p:nvPr>
-            <p:ph type="title"/>
+            <p:ph type="ctrTitle"/>
+          </p:nvPr>
+        </p:nvSpPr>
+        <p:spPr/>
+        <p:txBody>
+          <a:bodyPr/>
+          <a:lstStyle/>
+          <a:p>
+            <a:r>
+              <a:rPr lang="en-US" dirty="0" err="1" smtClean="0"/>
+              <a:t>DocumentDB</a:t>
+            </a:r>
+            <a:endParaRPr lang="en-US" dirty="0"/>
+          </a:p>
+        </p:txBody>
+      </p:sp>
+      <p:sp>
+        <p:nvSpPr>
+          <p:cNvPr id="4" name="Subtitle 3"/>
+          <p:cNvSpPr>
+            <a:spLocks noGrp="1"/>
+          </p:cNvSpPr>
+          <p:nvPr>
+            <p:ph type="subTitle" idx="1"/>
           </p:nvPr>
         </p:nvSpPr>
         <p:spPr/>
@@ -6499,193 +12483,10 @@
           </a:p>
         </p:txBody>
       </p:sp>
-      <p:sp>
-        <p:nvSpPr>
-          <p:cNvPr id="3" name="Content Placeholder 2"/>
-          <p:cNvSpPr>
-            <a:spLocks noGrp="1"/>
-          </p:cNvSpPr>
-          <p:nvPr>
-            <p:ph idx="1"/>
-          </p:nvPr>
-        </p:nvSpPr>
-        <p:spPr>
-          <a:xfrm>
-            <a:off x="838200" y="1825625"/>
-            <a:ext cx="10515600" cy="4351338"/>
-          </a:xfrm>
-        </p:spPr>
-        <p:txBody>
-          <a:bodyPr>
-            <a:normAutofit fontScale="92500" lnSpcReduction="20000"/>
-          </a:bodyPr>
-          <a:lstStyle/>
-          <a:p>
-            <a:r>
-              <a:rPr lang="en-US" dirty="0" smtClean="0"/>
-              <a:t>Has SDK</a:t>
-            </a:r>
-          </a:p>
-          <a:p>
-            <a:r>
-              <a:rPr lang="en-US" dirty="0" smtClean="0"/>
-              <a:t>Uses </a:t>
-            </a:r>
-            <a:r>
-              <a:rPr lang="en-US" dirty="0" err="1" smtClean="0"/>
-              <a:t>auth</a:t>
-            </a:r>
-            <a:r>
-              <a:rPr lang="en-US" dirty="0" smtClean="0"/>
-              <a:t> key for security</a:t>
-            </a:r>
-          </a:p>
-          <a:p>
-            <a:r>
-              <a:rPr lang="en-US" dirty="0" smtClean="0"/>
-              <a:t>Throughput equals more partitions</a:t>
-            </a:r>
-          </a:p>
-          <a:p>
-            <a:r>
-              <a:rPr lang="en-US" dirty="0" smtClean="0"/>
-              <a:t>Up to 5 capacity units for preview</a:t>
-            </a:r>
-          </a:p>
-          <a:p>
-            <a:r>
-              <a:rPr lang="en-US" dirty="0" smtClean="0"/>
-              <a:t>Based on a capacity unit</a:t>
-            </a:r>
-          </a:p>
-          <a:p>
-            <a:pPr lvl="1"/>
-            <a:r>
-              <a:rPr lang="en-US" dirty="0" smtClean="0"/>
-              <a:t>10GB per capacity unit (50GB for preview)</a:t>
-            </a:r>
-          </a:p>
-          <a:p>
-            <a:pPr lvl="1"/>
-            <a:r>
-              <a:rPr lang="en-US" dirty="0" smtClean="0"/>
-              <a:t>2000 request units per second</a:t>
-            </a:r>
-          </a:p>
-          <a:p>
-            <a:pPr lvl="1"/>
-            <a:r>
-              <a:rPr lang="en-US" dirty="0" smtClean="0"/>
-              <a:t>$.73/day ($22.50 per month)</a:t>
-            </a:r>
-          </a:p>
-          <a:p>
-            <a:r>
-              <a:rPr lang="en-US" dirty="0" smtClean="0"/>
-              <a:t>Average operations per second per capacity unit</a:t>
-            </a:r>
-          </a:p>
-          <a:p>
-            <a:pPr lvl="1"/>
-            <a:r>
-              <a:rPr lang="en-US" dirty="0" smtClean="0"/>
-              <a:t>2000 read of a single document</a:t>
-            </a:r>
-          </a:p>
-          <a:p>
-            <a:pPr lvl="1"/>
-            <a:r>
-              <a:rPr lang="en-US" dirty="0" smtClean="0"/>
-              <a:t>500 inserts, replaces, or deletes</a:t>
-            </a:r>
-          </a:p>
-          <a:p>
-            <a:pPr lvl="1"/>
-            <a:r>
-              <a:rPr lang="en-US" dirty="0" smtClean="0"/>
-              <a:t>1000 predicate queries returning a single document</a:t>
-            </a:r>
-          </a:p>
-          <a:p>
-            <a:endParaRPr lang="en-US" dirty="0"/>
-          </a:p>
-          <a:p>
-            <a:endParaRPr lang="en-US" dirty="0"/>
-          </a:p>
-        </p:txBody>
-      </p:sp>
-      <p:grpSp>
-        <p:nvGrpSpPr>
-          <p:cNvPr id="4" name="Group 3"/>
-          <p:cNvGrpSpPr/>
-          <p:nvPr/>
-        </p:nvGrpSpPr>
-        <p:grpSpPr>
-          <a:xfrm>
-            <a:off x="838200" y="365125"/>
-            <a:ext cx="5832164" cy="1485152"/>
-            <a:chOff x="2028203" y="1816504"/>
-            <a:chExt cx="5832164" cy="1485152"/>
-          </a:xfrm>
-        </p:grpSpPr>
-        <p:pic>
-          <p:nvPicPr>
-            <p:cNvPr id="5" name="Picture 4"/>
-            <p:cNvPicPr>
-              <a:picLocks noChangeAspect="1"/>
-            </p:cNvPicPr>
-            <p:nvPr/>
-          </p:nvPicPr>
-          <p:blipFill>
-            <a:blip r:embed="rId2"/>
-            <a:stretch>
-              <a:fillRect/>
-            </a:stretch>
-          </p:blipFill>
-          <p:spPr>
-            <a:xfrm>
-              <a:off x="2028203" y="1816504"/>
-              <a:ext cx="1390857" cy="1485152"/>
-            </a:xfrm>
-            <a:prstGeom prst="rect">
-              <a:avLst/>
-            </a:prstGeom>
-          </p:spPr>
-        </p:pic>
-        <p:sp>
-          <p:nvSpPr>
-            <p:cNvPr id="6" name="Rectangle 5"/>
-            <p:cNvSpPr/>
-            <p:nvPr/>
-          </p:nvSpPr>
-          <p:spPr>
-            <a:xfrm>
-              <a:off x="3935895" y="2097415"/>
-              <a:ext cx="3924472" cy="923330"/>
-            </a:xfrm>
-            <a:prstGeom prst="rect">
-              <a:avLst/>
-            </a:prstGeom>
-          </p:spPr>
-          <p:txBody>
-            <a:bodyPr wrap="none">
-              <a:spAutoFit/>
-            </a:bodyPr>
-            <a:lstStyle/>
-            <a:p>
-              <a:r>
-                <a:rPr lang="en-US" sz="5400" dirty="0" err="1" smtClean="0"/>
-                <a:t>DocumentDB</a:t>
-              </a:r>
-              <a:endParaRPr lang="en-US" sz="5400" dirty="0"/>
-            </a:p>
-          </p:txBody>
-        </p:sp>
-      </p:grpSp>
     </p:spTree>
     <p:extLst>
       <p:ext uri="{BB962C8B-B14F-4D97-AF65-F5344CB8AC3E}">
-        <p14:creationId xmlns:p14="http://schemas.microsoft.com/office/powerpoint/2010/main" val="2829512678"/>
+        <p14:creationId xmlns:p14="http://schemas.microsoft.com/office/powerpoint/2010/main" val="1648737113"/>
       </p:ext>
     </p:extLst>
   </p:cSld>
@@ -6702,7 +12503,90 @@
 </p:sld>
 </file>
 
-<file path=ppt/slides/slide6.xml><?xml version="1.0" encoding="utf-8"?>
+<file path=ppt/slides/slide7.xml><?xml version="1.0" encoding="utf-8"?>
+<p:sld xmlns:a="http://schemas.openxmlformats.org/drawingml/2006/main" xmlns:r="http://schemas.openxmlformats.org/officeDocument/2006/relationships" xmlns:p="http://schemas.openxmlformats.org/presentationml/2006/main">
+  <p:cSld>
+    <p:spTree>
+      <p:nvGrpSpPr>
+        <p:cNvPr id="1" name=""/>
+        <p:cNvGrpSpPr/>
+        <p:nvPr/>
+      </p:nvGrpSpPr>
+      <p:grpSpPr>
+        <a:xfrm>
+          <a:off x="0" y="0"/>
+          <a:ext cx="0" cy="0"/>
+          <a:chOff x="0" y="0"/>
+          <a:chExt cx="0" cy="0"/>
+        </a:xfrm>
+      </p:grpSpPr>
+      <p:sp>
+        <p:nvSpPr>
+          <p:cNvPr id="2" name="Title 1"/>
+          <p:cNvSpPr>
+            <a:spLocks noGrp="1"/>
+          </p:cNvSpPr>
+          <p:nvPr>
+            <p:ph type="title"/>
+          </p:nvPr>
+        </p:nvSpPr>
+        <p:spPr/>
+        <p:txBody>
+          <a:bodyPr/>
+          <a:lstStyle/>
+          <a:p>
+            <a:r>
+              <a:rPr lang="en-US" dirty="0" smtClean="0"/>
+              <a:t>How to set up </a:t>
+            </a:r>
+            <a:r>
+              <a:rPr lang="en-US" dirty="0" err="1" smtClean="0"/>
+              <a:t>DocumentDB</a:t>
+            </a:r>
+            <a:endParaRPr lang="en-US" dirty="0"/>
+          </a:p>
+        </p:txBody>
+      </p:sp>
+      <p:sp>
+        <p:nvSpPr>
+          <p:cNvPr id="3" name="Content Placeholder 2"/>
+          <p:cNvSpPr>
+            <a:spLocks noGrp="1"/>
+          </p:cNvSpPr>
+          <p:nvPr>
+            <p:ph idx="1"/>
+          </p:nvPr>
+        </p:nvSpPr>
+        <p:spPr/>
+        <p:txBody>
+          <a:bodyPr/>
+          <a:lstStyle/>
+          <a:p>
+            <a:endParaRPr lang="en-US"/>
+          </a:p>
+        </p:txBody>
+      </p:sp>
+    </p:spTree>
+    <p:extLst>
+      <p:ext uri="{BB962C8B-B14F-4D97-AF65-F5344CB8AC3E}">
+        <p14:creationId xmlns:p14="http://schemas.microsoft.com/office/powerpoint/2010/main" val="214046115"/>
+      </p:ext>
+    </p:extLst>
+  </p:cSld>
+  <p:clrMapOvr>
+    <a:masterClrMapping/>
+  </p:clrMapOvr>
+  <p:timing>
+    <p:tnLst>
+      <p:par>
+        <p:cTn id="1" dur="indefinite" restart="never" nodeType="tmRoot"/>
+      </p:par>
+    </p:tnLst>
+  </p:timing>
+</p:sld>
+</file>
+
+<file path=ppt/slides/slide8.xml><?xml version="1.0" encoding="utf-8"?>
 <p:sld xmlns:a="http://schemas.openxmlformats.org/drawingml/2006/main" xmlns:r="http://schemas.openxmlformats.org/officeDocument/2006/relationships" xmlns:p="http://schemas.openxmlformats.org/presentationml/2006/main">
   <p:cSld>
     <p:spTree>
@@ -6728,7 +12612,7 @@
           <p:nvPr/>
         </p:nvPicPr>
         <p:blipFill>
-          <a:blip r:embed="rId2"/>
+          <a:blip r:embed="rId3"/>
           <a:stretch>
             <a:fillRect/>
           </a:stretch>
@@ -6752,7 +12636,7 @@
           <p:nvPr/>
         </p:nvPicPr>
         <p:blipFill>
-          <a:blip r:embed="rId3"/>
+          <a:blip r:embed="rId4"/>
           <a:stretch>
             <a:fillRect/>
           </a:stretch>
@@ -6776,7 +12660,7 @@
           <p:nvPr/>
         </p:nvPicPr>
         <p:blipFill>
-          <a:blip r:embed="rId4"/>
+          <a:blip r:embed="rId5"/>
           <a:stretch>
             <a:fillRect/>
           </a:stretch>
@@ -7016,199 +12900,6 @@
 </p:sld>
 </file>
 
-<file path=ppt/slides/slide7.xml><?xml version="1.0" encoding="utf-8"?>
-<p:sld xmlns:a="http://schemas.openxmlformats.org/drawingml/2006/main" xmlns:r="http://schemas.openxmlformats.org/officeDocument/2006/relationships" xmlns:p="http://schemas.openxmlformats.org/presentationml/2006/main">
-  <p:cSld>
-    <p:spTree>
-      <p:nvGrpSpPr>
-        <p:cNvPr id="1" name=""/>
-        <p:cNvGrpSpPr/>
-        <p:nvPr/>
-      </p:nvGrpSpPr>
-      <p:grpSpPr>
-        <a:xfrm>
-          <a:off x="0" y="0"/>
-          <a:ext cx="0" cy="0"/>
-          <a:chOff x="0" y="0"/>
-          <a:chExt cx="0" cy="0"/>
-        </a:xfrm>
-      </p:grpSpPr>
-      <p:sp>
-        <p:nvSpPr>
-          <p:cNvPr id="2" name="Title 1"/>
-          <p:cNvSpPr>
-            <a:spLocks noGrp="1"/>
-          </p:cNvSpPr>
-          <p:nvPr>
-            <p:ph type="title"/>
-          </p:nvPr>
-        </p:nvSpPr>
-        <p:spPr/>
-        <p:txBody>
-          <a:bodyPr/>
-          <a:lstStyle/>
-          <a:p>
-            <a:r>
-              <a:rPr lang="en-US" dirty="0" smtClean="0"/>
-              <a:t>Understanding the </a:t>
-            </a:r>
-            <a:r>
-              <a:rPr lang="en-US" dirty="0" err="1" smtClean="0"/>
-              <a:t>DocumentDB</a:t>
-            </a:r>
-            <a:r>
-              <a:rPr lang="en-US" dirty="0" smtClean="0"/>
-              <a:t> structure</a:t>
-            </a:r>
-            <a:endParaRPr lang="en-US" dirty="0"/>
-          </a:p>
-        </p:txBody>
-      </p:sp>
-      <p:pic>
-        <p:nvPicPr>
-          <p:cNvPr id="5122" name="Picture 2" descr="https://acomdpsstorage.blob.core.windows.net/dpsmedia-prod/azure.microsoft.com/en-us/documentation/articles/documentdb-interactions-with-resources/20140904052621/interactions-with-resources1.png"/>
-          <p:cNvPicPr>
-            <a:picLocks noChangeAspect="1" noChangeArrowheads="1"/>
-          </p:cNvPicPr>
-          <p:nvPr/>
-        </p:nvPicPr>
-        <p:blipFill>
-          <a:blip r:embed="rId3">
-            <a:extLst>
-              <a:ext uri="{28A0092B-C50C-407E-A947-70E740481C1C}">
-                <a14:useLocalDpi xmlns:a14="http://schemas.microsoft.com/office/drawing/2010/main" val="0"/>
-              </a:ext>
-            </a:extLst>
-          </a:blip>
-          <a:srcRect/>
-          <a:stretch>
-            <a:fillRect/>
-          </a:stretch>
-        </p:blipFill>
-        <p:spPr bwMode="auto">
-          <a:xfrm>
-            <a:off x="2381413" y="1437775"/>
-            <a:ext cx="6720177" cy="5345413"/>
-          </a:xfrm>
-          <a:prstGeom prst="rect">
-            <a:avLst/>
-          </a:prstGeom>
-          <a:noFill/>
-          <a:extLst>
-            <a:ext uri="{909E8E84-426E-40DD-AFC4-6F175D3DCCD1}">
-              <a14:hiddenFill xmlns:a14="http://schemas.microsoft.com/office/drawing/2010/main">
-                <a:solidFill>
-                  <a:srgbClr val="FFFFFF"/>
-                </a:solidFill>
-              </a14:hiddenFill>
-            </a:ext>
-          </a:extLst>
-        </p:spPr>
-      </p:pic>
-    </p:spTree>
-    <p:extLst>
-      <p:ext uri="{BB962C8B-B14F-4D97-AF65-F5344CB8AC3E}">
-        <p14:creationId xmlns:p14="http://schemas.microsoft.com/office/powerpoint/2010/main" val="3275448005"/>
-      </p:ext>
-    </p:extLst>
-  </p:cSld>
-  <p:clrMapOvr>
-    <a:masterClrMapping/>
-  </p:clrMapOvr>
-  <p:timing>
-    <p:tnLst>
-      <p:par>
-        <p:cTn id="1" dur="indefinite" restart="never" nodeType="tmRoot"/>
-      </p:par>
-    </p:tnLst>
-  </p:timing>
-</p:sld>
-</file>
-
-<file path=ppt/slides/slide8.xml><?xml version="1.0" encoding="utf-8"?>
-<p:sld xmlns:a="http://schemas.openxmlformats.org/drawingml/2006/main" xmlns:r="http://schemas.openxmlformats.org/officeDocument/2006/relationships" xmlns:p="http://schemas.openxmlformats.org/presentationml/2006/main">
-  <p:cSld>
-    <p:spTree>
-      <p:nvGrpSpPr>
-        <p:cNvPr id="1" name=""/>
-        <p:cNvGrpSpPr/>
-        <p:nvPr/>
-      </p:nvGrpSpPr>
-      <p:grpSpPr>
-        <a:xfrm>
-          <a:off x="0" y="0"/>
-          <a:ext cx="0" cy="0"/>
-          <a:chOff x="0" y="0"/>
-          <a:chExt cx="0" cy="0"/>
-        </a:xfrm>
-      </p:grpSpPr>
-      <p:sp>
-        <p:nvSpPr>
-          <p:cNvPr id="2" name="Title 1"/>
-          <p:cNvSpPr>
-            <a:spLocks noGrp="1"/>
-          </p:cNvSpPr>
-          <p:nvPr>
-            <p:ph type="title"/>
-          </p:nvPr>
-        </p:nvSpPr>
-        <p:spPr/>
-        <p:txBody>
-          <a:bodyPr/>
-          <a:lstStyle/>
-          <a:p>
-            <a:r>
-              <a:rPr lang="en-US" dirty="0" smtClean="0"/>
-              <a:t>Populating the document store</a:t>
-            </a:r>
-            <a:endParaRPr lang="en-US" dirty="0"/>
-          </a:p>
-        </p:txBody>
-      </p:sp>
-      <p:pic>
-        <p:nvPicPr>
-          <p:cNvPr id="5" name="Picture 4"/>
-          <p:cNvPicPr>
-            <a:picLocks noChangeAspect="1"/>
-          </p:cNvPicPr>
-          <p:nvPr/>
-        </p:nvPicPr>
-        <p:blipFill>
-          <a:blip r:embed="rId2"/>
-          <a:stretch>
-            <a:fillRect/>
-          </a:stretch>
-        </p:blipFill>
-        <p:spPr>
-          <a:xfrm>
-            <a:off x="1476375" y="2219325"/>
-            <a:ext cx="9239250" cy="2419350"/>
-          </a:xfrm>
-          <a:prstGeom prst="rect">
-            <a:avLst/>
-          </a:prstGeom>
-        </p:spPr>
-      </p:pic>
-    </p:spTree>
-    <p:extLst>
-      <p:ext uri="{BB962C8B-B14F-4D97-AF65-F5344CB8AC3E}">
-        <p14:creationId xmlns:p14="http://schemas.microsoft.com/office/powerpoint/2010/main" val="2201547066"/>
-      </p:ext>
-    </p:extLst>
-  </p:cSld>
-  <p:clrMapOvr>
-    <a:masterClrMapping/>
-  </p:clrMapOvr>
-  <p:timing>
-    <p:tnLst>
-      <p:par>
-        <p:cTn id="1" dur="indefinite" restart="never" nodeType="tmRoot"/>
-      </p:par>
-    </p:tnLst>
-  </p:timing>
-</p:sld>
-</file>
-
 <file path=ppt/slides/slide9.xml><?xml version="1.0" encoding="utf-8"?>
 <p:sld xmlns:a="http://schemas.openxmlformats.org/drawingml/2006/main" xmlns:r="http://schemas.openxmlformats.org/officeDocument/2006/relationships" xmlns:p="http://schemas.openxmlformats.org/presentationml/2006/main">
   <p:cSld>
@@ -7243,130 +12934,30 @@
           <a:p>
             <a:r>
               <a:rPr lang="en-US" dirty="0" smtClean="0"/>
-              <a:t>Querying</a:t>
+              <a:t>Let’s create a new Document DB</a:t>
             </a:r>
             <a:endParaRPr lang="en-US" dirty="0"/>
           </a:p>
         </p:txBody>
       </p:sp>
-      <p:pic>
-        <p:nvPicPr>
-          <p:cNvPr id="4" name="Picture 3"/>
-          <p:cNvPicPr>
-            <a:picLocks noChangeAspect="1"/>
-          </p:cNvPicPr>
-          <p:nvPr/>
-        </p:nvPicPr>
-        <p:blipFill>
-          <a:blip r:embed="rId2"/>
-          <a:stretch>
-            <a:fillRect/>
-          </a:stretch>
-        </p:blipFill>
-        <p:spPr>
-          <a:xfrm>
-            <a:off x="3855761" y="483290"/>
-            <a:ext cx="6448425" cy="5772150"/>
-          </a:xfrm>
-          <a:prstGeom prst="rect">
-            <a:avLst/>
-          </a:prstGeom>
-        </p:spPr>
-      </p:pic>
-      <p:sp>
-        <p:nvSpPr>
-          <p:cNvPr id="5" name="TextBox 4"/>
-          <p:cNvSpPr txBox="1"/>
-          <p:nvPr/>
-        </p:nvSpPr>
-        <p:spPr>
-          <a:xfrm>
-            <a:off x="576470" y="2325756"/>
-            <a:ext cx="3150704" cy="1477328"/>
-          </a:xfrm>
-          <a:prstGeom prst="rect">
-            <a:avLst/>
-          </a:prstGeom>
-          <a:noFill/>
-        </p:spPr>
-        <p:txBody>
-          <a:bodyPr wrap="square" rtlCol="0">
-            <a:spAutoFit/>
-          </a:bodyPr>
-          <a:lstStyle/>
-          <a:p>
-            <a:r>
-              <a:rPr lang="en-US" dirty="0"/>
-              <a:t>string </a:t>
-            </a:r>
-            <a:r>
-              <a:rPr lang="en-US" dirty="0" err="1"/>
-              <a:t>sql</a:t>
-            </a:r>
-            <a:r>
-              <a:rPr lang="en-US" dirty="0"/>
-              <a:t> = </a:t>
-            </a:r>
-            <a:r>
-              <a:rPr lang="en-US" dirty="0" err="1"/>
-              <a:t>String.Format</a:t>
-            </a:r>
-            <a:r>
-              <a:rPr lang="en-US" dirty="0"/>
-              <a:t>("SELECT * FROM {0} l WHERE </a:t>
-            </a:r>
-            <a:r>
-              <a:rPr lang="en-US" dirty="0" err="1"/>
-              <a:t>l.Package</a:t>
-            </a:r>
-            <a:r>
-              <a:rPr lang="en-US" dirty="0"/>
-              <a:t> = '</a:t>
-            </a:r>
-            <a:r>
-              <a:rPr lang="en-US" dirty="0" err="1"/>
-              <a:t>rubicon</a:t>
-            </a:r>
-            <a:r>
-              <a:rPr lang="en-US" dirty="0"/>
-              <a:t>'", </a:t>
-            </a:r>
-            <a:r>
-              <a:rPr lang="en-US" dirty="0" err="1"/>
-              <a:t>Keys.ListingCollectionName</a:t>
-            </a:r>
-            <a:r>
-              <a:rPr lang="en-US" dirty="0"/>
-              <a:t>);</a:t>
-            </a:r>
-          </a:p>
-        </p:txBody>
-      </p:sp>
-      <p:sp>
-        <p:nvSpPr>
-          <p:cNvPr id="6" name="TextBox 5"/>
-          <p:cNvSpPr txBox="1"/>
-          <p:nvPr/>
-        </p:nvSpPr>
-        <p:spPr>
-          <a:xfrm>
-            <a:off x="440635" y="6255440"/>
-            <a:ext cx="7965835" cy="369332"/>
-          </a:xfrm>
-          <a:prstGeom prst="rect">
-            <a:avLst/>
-          </a:prstGeom>
-          <a:noFill/>
-        </p:spPr>
-        <p:txBody>
-          <a:bodyPr wrap="none" rtlCol="0">
-            <a:spAutoFit/>
-          </a:bodyPr>
-          <a:lstStyle/>
-          <a:p>
-            <a:r>
-              <a:rPr lang="en-US" dirty="0" smtClean="0"/>
-              <a:t>http://azure.microsoft.com/en-us/documentation/articles/documentdb-sql-query/</a:t>
+      <p:sp>
+        <p:nvSpPr>
+          <p:cNvPr id="3" name="Content Placeholder 2"/>
+          <p:cNvSpPr>
+            <a:spLocks noGrp="1"/>
+          </p:cNvSpPr>
+          <p:nvPr>
+            <p:ph idx="1"/>
+          </p:nvPr>
+        </p:nvSpPr>
+        <p:spPr/>
+        <p:txBody>
+          <a:bodyPr/>
+          <a:lstStyle/>
+          <a:p>
+            <a:r>
+              <a:rPr lang="en-US" dirty="0" smtClean="0"/>
+              <a:t>…is Azure up and available?</a:t>
             </a:r>
             <a:endParaRPr lang="en-US" dirty="0"/>
           </a:p>
@@ -7375,7 +12966,7 @@
     </p:spTree>
     <p:extLst>
       <p:ext uri="{BB962C8B-B14F-4D97-AF65-F5344CB8AC3E}">
-        <p14:creationId xmlns:p14="http://schemas.microsoft.com/office/powerpoint/2010/main" val="1062708154"/>
+        <p14:creationId xmlns:p14="http://schemas.microsoft.com/office/powerpoint/2010/main" val="4293820413"/>
       </p:ext>
     </p:extLst>
   </p:cSld>

--- a/docs/presentation.pptx
+++ b/docs/presentation.pptx
@@ -5822,7 +5822,11 @@
           <a:p>
             <a:r>
               <a:rPr lang="en-US" dirty="0" smtClean="0"/>
-              <a:t>Structure: Attachment</a:t>
+              <a:t>Structure: </a:t>
+            </a:r>
+            <a:r>
+              <a:rPr lang="en-US" dirty="0" smtClean="0"/>
+              <a:t>Media</a:t>
             </a:r>
             <a:endParaRPr lang="en-US" dirty="0"/>
           </a:p>
@@ -6415,8 +6419,8 @@
               <a:t>Allows you to set permissions on each concept of </a:t>
             </a:r>
             <a:r>
-              <a:rPr lang="en-US" dirty="0" err="1" smtClean="0"/>
-              <a:t>db</a:t>
+              <a:rPr lang="en-US" dirty="0" smtClean="0"/>
+              <a:t>the database</a:t>
             </a:r>
             <a:endParaRPr lang="en-US" dirty="0"/>
           </a:p>
@@ -7303,11 +7307,7 @@
           <a:p>
             <a:r>
               <a:rPr lang="en-US" dirty="0" smtClean="0"/>
-              <a:t>Create a document </a:t>
-            </a:r>
-            <a:r>
-              <a:rPr lang="en-US" dirty="0" smtClean="0"/>
-              <a:t>store</a:t>
+              <a:t>Create a document store</a:t>
             </a:r>
             <a:endParaRPr lang="en-US" dirty="0"/>
           </a:p>
@@ -7321,7 +7321,7 @@
         </p:nvSpPr>
         <p:spPr>
           <a:xfrm>
-            <a:off x="838200" y="5862935"/>
+            <a:off x="838200" y="4351635"/>
             <a:ext cx="10312400" cy="369332"/>
           </a:xfrm>
           <a:prstGeom prst="rect">
@@ -12685,11 +12685,7 @@
           <a:p>
             <a:r>
               <a:rPr lang="en-US" dirty="0" smtClean="0"/>
-              <a:t>Azure Search is </a:t>
-            </a:r>
-            <a:r>
-              <a:rPr lang="en-US" dirty="0" smtClean="0"/>
-              <a:t>structured</a:t>
+              <a:t>Azure Search is structured</a:t>
             </a:r>
             <a:endParaRPr lang="en-US" dirty="0"/>
           </a:p>
@@ -12712,11 +12708,7 @@
           <a:p>
             <a:r>
               <a:rPr lang="en-US" dirty="0" smtClean="0"/>
-              <a:t>A search index </a:t>
-            </a:r>
-            <a:r>
-              <a:rPr lang="en-US" dirty="0" smtClean="0"/>
-              <a:t>has a predefined structure</a:t>
+              <a:t>A search index has a predefined structure</a:t>
             </a:r>
           </a:p>
           <a:p>
@@ -12724,7 +12716,6 @@
               <a:rPr lang="en-US" dirty="0" smtClean="0"/>
               <a:t>It is not dynamic</a:t>
             </a:r>
-            <a:endParaRPr lang="en-US" dirty="0" smtClean="0"/>
           </a:p>
           <a:p>
             <a:r>
@@ -12933,11 +12924,7 @@
           <a:p>
             <a:r>
               <a:rPr lang="en-US" dirty="0" smtClean="0"/>
-              <a:t>Field </a:t>
-            </a:r>
-            <a:r>
-              <a:rPr lang="en-US" dirty="0" smtClean="0"/>
-              <a:t>Characteristics: Searchable</a:t>
+              <a:t>Field Characteristics: Searchable</a:t>
             </a:r>
             <a:endParaRPr lang="en-US" dirty="0"/>
           </a:p>
@@ -12981,7 +12968,6 @@
               <a:rPr lang="en-US" dirty="0" smtClean="0"/>
               <a:t>A search for “big”, “red”, “jeep”, or “big jeep” will hit this record</a:t>
             </a:r>
-            <a:endParaRPr lang="en-US" dirty="0" smtClean="0"/>
           </a:p>
           <a:p>
             <a:r>
@@ -15158,146 +15144,55 @@
           <a:bodyPr/>
           <a:lstStyle/>
           <a:p>
+            <a:r>
+              <a:rPr lang="en-US" dirty="0" smtClean="0"/>
+              <a:t>Introduction</a:t>
+            </a:r>
             <a:endParaRPr lang="en-US" dirty="0"/>
           </a:p>
         </p:txBody>
       </p:sp>
-      <p:grpSp>
-        <p:nvGrpSpPr>
-          <p:cNvPr id="12" name="Group 11"/>
-          <p:cNvGrpSpPr/>
-          <p:nvPr/>
-        </p:nvGrpSpPr>
-        <p:grpSpPr>
+      <p:sp>
+        <p:nvSpPr>
+          <p:cNvPr id="13" name="Content Placeholder 2"/>
+          <p:cNvSpPr>
+            <a:spLocks noGrp="1"/>
+          </p:cNvSpPr>
+          <p:nvPr>
+            <p:ph idx="1"/>
+          </p:nvPr>
+        </p:nvSpPr>
+        <p:spPr>
           <a:xfrm>
-            <a:off x="2795174" y="3917144"/>
-            <a:ext cx="6101561" cy="1263511"/>
-            <a:chOff x="1672051" y="4066229"/>
-            <a:chExt cx="6101561" cy="1263511"/>
+            <a:off x="838200" y="1825625"/>
+            <a:ext cx="10515600" cy="4351338"/>
           </a:xfrm>
-        </p:grpSpPr>
-        <p:pic>
-          <p:nvPicPr>
-            <p:cNvPr id="8" name="Picture 7"/>
-            <p:cNvPicPr>
-              <a:picLocks noChangeAspect="1"/>
-            </p:cNvPicPr>
-            <p:nvPr/>
-          </p:nvPicPr>
-          <p:blipFill>
-            <a:blip r:embed="rId3"/>
-            <a:stretch>
-              <a:fillRect/>
-            </a:stretch>
-          </p:blipFill>
-          <p:spPr>
-            <a:xfrm>
-              <a:off x="1672051" y="4066229"/>
-              <a:ext cx="2316437" cy="1263511"/>
-            </a:xfrm>
-            <a:prstGeom prst="rect">
-              <a:avLst/>
-            </a:prstGeom>
-          </p:spPr>
-        </p:pic>
-        <p:sp>
-          <p:nvSpPr>
-            <p:cNvPr id="9" name="Rectangle 8"/>
-            <p:cNvSpPr/>
-            <p:nvPr/>
-          </p:nvSpPr>
-          <p:spPr>
-            <a:xfrm>
-              <a:off x="3935895" y="4236319"/>
-              <a:ext cx="3837717" cy="923330"/>
-            </a:xfrm>
-            <a:prstGeom prst="rect">
-              <a:avLst/>
-            </a:prstGeom>
-          </p:spPr>
-          <p:txBody>
-            <a:bodyPr wrap="none">
-              <a:spAutoFit/>
-            </a:bodyPr>
-            <a:lstStyle/>
-            <a:p>
-              <a:r>
-                <a:rPr lang="en-US" sz="5400" dirty="0" smtClean="0"/>
-                <a:t>Azure Search</a:t>
-              </a:r>
-              <a:endParaRPr lang="en-US" sz="5400" dirty="0"/>
-            </a:p>
-          </p:txBody>
-        </p:sp>
-      </p:grpSp>
-      <p:grpSp>
-        <p:nvGrpSpPr>
-          <p:cNvPr id="11" name="Group 10"/>
-          <p:cNvGrpSpPr/>
-          <p:nvPr/>
-        </p:nvGrpSpPr>
-        <p:grpSpPr>
-          <a:xfrm>
-            <a:off x="3181143" y="1677358"/>
-            <a:ext cx="5832164" cy="1485152"/>
-            <a:chOff x="2028203" y="1816504"/>
-            <a:chExt cx="5832164" cy="1485152"/>
-          </a:xfrm>
-        </p:grpSpPr>
-        <p:pic>
-          <p:nvPicPr>
-            <p:cNvPr id="7" name="Picture 6"/>
-            <p:cNvPicPr>
-              <a:picLocks noChangeAspect="1"/>
-            </p:cNvPicPr>
-            <p:nvPr/>
-          </p:nvPicPr>
-          <p:blipFill>
-            <a:blip r:embed="rId4"/>
-            <a:stretch>
-              <a:fillRect/>
-            </a:stretch>
-          </p:blipFill>
-          <p:spPr>
-            <a:xfrm>
-              <a:off x="2028203" y="1816504"/>
-              <a:ext cx="1390857" cy="1485152"/>
-            </a:xfrm>
-            <a:prstGeom prst="rect">
-              <a:avLst/>
-            </a:prstGeom>
-          </p:spPr>
-        </p:pic>
-        <p:sp>
-          <p:nvSpPr>
-            <p:cNvPr id="10" name="Rectangle 9"/>
-            <p:cNvSpPr/>
-            <p:nvPr/>
-          </p:nvSpPr>
-          <p:spPr>
-            <a:xfrm>
-              <a:off x="3935895" y="2097415"/>
-              <a:ext cx="3924472" cy="923330"/>
-            </a:xfrm>
-            <a:prstGeom prst="rect">
-              <a:avLst/>
-            </a:prstGeom>
-          </p:spPr>
-          <p:txBody>
-            <a:bodyPr wrap="none">
-              <a:spAutoFit/>
-            </a:bodyPr>
-            <a:lstStyle/>
-            <a:p>
-              <a:r>
-                <a:rPr lang="en-US" sz="5400" dirty="0" err="1" smtClean="0"/>
-                <a:t>DocumentDB</a:t>
-              </a:r>
-              <a:endParaRPr lang="en-US" sz="5400" dirty="0"/>
-            </a:p>
-          </p:txBody>
-        </p:sp>
-      </p:grpSp>
+        </p:spPr>
+        <p:txBody>
+          <a:bodyPr/>
+          <a:lstStyle/>
+          <a:p>
+            <a:r>
+              <a:rPr lang="en-US" dirty="0" err="1" smtClean="0"/>
+              <a:t>DocumentDB</a:t>
+            </a:r>
+            <a:endParaRPr lang="en-US" dirty="0" smtClean="0"/>
+          </a:p>
+          <a:p>
+            <a:r>
+              <a:rPr lang="en-US" dirty="0" smtClean="0"/>
+              <a:t>Azure Search</a:t>
+            </a:r>
+          </a:p>
+          <a:p>
+            <a:r>
+              <a:rPr lang="en-US" dirty="0" smtClean="0"/>
+              <a:t>Where might you use each?</a:t>
+            </a:r>
+            <a:endParaRPr lang="en-US" dirty="0"/>
+          </a:p>
+        </p:txBody>
+      </p:sp>
     </p:spTree>
     <p:extLst>
       <p:ext uri="{BB962C8B-B14F-4D97-AF65-F5344CB8AC3E}">
@@ -18213,7 +18108,7 @@
           <a:graphicData uri="http://schemas.openxmlformats.org/presentationml/2006/ole">
             <mc:AlternateContent xmlns:mc="http://schemas.openxmlformats.org/markup-compatibility/2006">
               <mc:Choice xmlns:v="urn:schemas-microsoft-com:vml" Requires="v">
-                <p:oleObj spid="_x0000_s2051" name="Visio" r:id="rId3" imgW="10077635" imgH="7791614" progId="Visio.Drawing.15">
+                <p:oleObj spid="_x0000_s2056" name="Visio" r:id="rId3" imgW="10077635" imgH="7791614" progId="Visio.Drawing.15">
                   <p:link updateAutomatic="1"/>
                 </p:oleObj>
               </mc:Choice>
@@ -18469,7 +18364,15 @@
           <a:p>
             <a:r>
               <a:rPr lang="en-US" dirty="0" smtClean="0"/>
-              <a:t>Any questions on where it fits?</a:t>
+              <a:t>Any questions on </a:t>
+            </a:r>
+            <a:r>
+              <a:rPr lang="en-US" smtClean="0"/>
+              <a:t>where </a:t>
+            </a:r>
+            <a:r>
+              <a:rPr lang="en-US" smtClean="0"/>
+              <a:t>they fit?</a:t>
             </a:r>
             <a:endParaRPr lang="en-US" dirty="0"/>
           </a:p>
@@ -18739,7 +18642,7 @@
           <a:bodyPr/>
           <a:lstStyle/>
           <a:p>
-            <a:endParaRPr lang="en-US"/>
+            <a:endParaRPr lang="en-US" dirty="0"/>
           </a:p>
         </p:txBody>
       </p:sp>
